--- a/Assicurazioni/Complessità di algoritmi e problemi_ita.pptx
+++ b/Assicurazioni/Complessità di algoritmi e problemi_ita.pptx
@@ -5,7 +5,7 @@
     <p:sldMasterId id="2147483648" r:id="rId5"/>
   </p:sldMasterIdLst>
   <p:notesMasterIdLst>
-    <p:notesMasterId r:id="rId25"/>
+    <p:notesMasterId r:id="rId35"/>
   </p:notesMasterIdLst>
   <p:sldIdLst>
     <p:sldId id="256" r:id="rId6"/>
@@ -26,7 +26,17 @@
     <p:sldId id="379" r:id="rId21"/>
     <p:sldId id="380" r:id="rId22"/>
     <p:sldId id="381" r:id="rId23"/>
-    <p:sldId id="343" r:id="rId24"/>
+    <p:sldId id="383" r:id="rId24"/>
+    <p:sldId id="384" r:id="rId25"/>
+    <p:sldId id="386" r:id="rId26"/>
+    <p:sldId id="387" r:id="rId27"/>
+    <p:sldId id="388" r:id="rId28"/>
+    <p:sldId id="389" r:id="rId29"/>
+    <p:sldId id="390" r:id="rId30"/>
+    <p:sldId id="391" r:id="rId31"/>
+    <p:sldId id="392" r:id="rId32"/>
+    <p:sldId id="393" r:id="rId33"/>
+    <p:sldId id="343" r:id="rId34"/>
   </p:sldIdLst>
   <p:sldSz cx="12192000" cy="6858000"/>
   <p:notesSz cx="6858000" cy="9144000"/>
@@ -284,7 +294,7 @@
               <a:pPr>
                 <a:defRPr/>
               </a:pPr>
-              <a:t>3/25/2023</a:t>
+              <a:t>4/16/2023</a:t>
             </a:fld>
             <a:endParaRPr lang="en-US"/>
           </a:p>
@@ -9507,6 +9517,14 @@
 <file path=ppt/slides/slide17.xml><?xml version="1.0" encoding="utf-8"?>
 <p:sld xmlns:a="http://schemas.openxmlformats.org/drawingml/2006/main" xmlns:r="http://schemas.openxmlformats.org/officeDocument/2006/relationships" xmlns:p="http://schemas.openxmlformats.org/presentationml/2006/main">
   <p:cSld>
+    <p:bg>
+      <p:bgPr>
+        <a:solidFill>
+          <a:schemeClr val="bg1"/>
+        </a:solidFill>
+        <a:effectLst/>
+      </p:bgPr>
+    </p:bg>
     <p:spTree>
       <p:nvGrpSpPr>
         <p:cNvPr id="1" name=""/>
@@ -9521,41 +9539,6 @@
           <a:chExt cx="0" cy="0"/>
         </a:xfrm>
       </p:grpSpPr>
-      <p:sp>
-        <p:nvSpPr>
-          <p:cNvPr id="7" name="Segnaposto numero diapositiva 6">
-            <a:extLst>
-              <a:ext uri="{FF2B5EF4-FFF2-40B4-BE49-F238E27FC236}">
-                <a16:creationId xmlns:a16="http://schemas.microsoft.com/office/drawing/2014/main" id="{AB740BE9-E218-4144-BFDE-AE473D230A3D}"/>
-              </a:ext>
-            </a:extLst>
-          </p:cNvPr>
-          <p:cNvSpPr>
-            <a:spLocks noGrp="1"/>
-          </p:cNvSpPr>
-          <p:nvPr>
-            <p:ph type="sldNum" sz="quarter" idx="12"/>
-          </p:nvPr>
-        </p:nvSpPr>
-        <p:spPr/>
-        <p:txBody>
-          <a:bodyPr/>
-          <a:lstStyle/>
-          <a:p>
-            <a:pPr>
-              <a:defRPr/>
-            </a:pPr>
-            <a:fld id="{48B4153A-D4C5-4CEF-8992-0D8815C829E3}" type="slidenum">
-              <a:rPr lang="en-US" smtClean="0"/>
-              <a:pPr>
-                <a:defRPr/>
-              </a:pPr>
-              <a:t>17</a:t>
-            </a:fld>
-            <a:endParaRPr lang="en-US" dirty="0"/>
-          </a:p>
-        </p:txBody>
-      </p:sp>
       <p:sp>
         <p:nvSpPr>
           <p:cNvPr id="3" name="Segnaposto testo 2">
@@ -9587,7 +9570,7 @@
               <a:buChar char="ü"/>
             </a:pPr>
             <a:r>
-              <a:rPr lang="it-IT" sz="2400" b="0" i="0">
+              <a:rPr lang="it-IT" sz="2400" b="0" i="0" dirty="0">
                 <a:solidFill>
                   <a:srgbClr val="000000"/>
                 </a:solidFill>
@@ -9599,7 +9582,7 @@
               <a:t>Quindi, </a:t>
             </a:r>
             <a:r>
-              <a:rPr lang="it-IT" sz="2400" b="1" i="0">
+              <a:rPr lang="it-IT" sz="2400" b="1" i="0" dirty="0">
                 <a:solidFill>
                   <a:srgbClr val="000000"/>
                 </a:solidFill>
@@ -9611,7 +9594,7 @@
               <a:t>il ciclo compie n-1 iterazioni</a:t>
             </a:r>
             <a:r>
-              <a:rPr lang="it-IT" sz="2400" b="0" i="0">
+              <a:rPr lang="it-IT" sz="2400" b="0" i="0" dirty="0">
                 <a:solidFill>
                   <a:srgbClr val="000000"/>
                 </a:solidFill>
@@ -9628,7 +9611,7 @@
               <a:buFont typeface="Wingdings" panose="05000000000000000000" pitchFamily="2" charset="2"/>
               <a:buChar char="ü"/>
             </a:pPr>
-            <a:endParaRPr lang="it-IT" sz="2400">
+            <a:endParaRPr lang="it-IT" sz="2400" dirty="0">
               <a:solidFill>
                 <a:srgbClr val="000000"/>
               </a:solidFill>
@@ -9643,7 +9626,7 @@
               <a:buChar char="ü"/>
             </a:pPr>
             <a:r>
-              <a:rPr lang="it-IT" sz="2400" b="0" i="0">
+              <a:rPr lang="it-IT" sz="2400" b="0" i="0" dirty="0">
                 <a:solidFill>
                   <a:srgbClr val="000000"/>
                 </a:solidFill>
@@ -9655,7 +9638,7 @@
               <a:t>Pertanto, la seconda linea del codice viene eseguita (n-1)+1 volte ossia </a:t>
             </a:r>
             <a:r>
-              <a:rPr lang="it-IT" sz="2400" b="1" i="0">
+              <a:rPr lang="it-IT" sz="2400" b="1" i="0" dirty="0">
                 <a:solidFill>
                   <a:srgbClr val="000000"/>
                 </a:solidFill>
@@ -9667,7 +9650,7 @@
               <a:t>n volte</a:t>
             </a:r>
             <a:r>
-              <a:rPr lang="it-IT" sz="2400" b="0" i="0">
+              <a:rPr lang="it-IT" sz="2400" b="0" i="0" dirty="0">
                 <a:solidFill>
                   <a:srgbClr val="000000"/>
                 </a:solidFill>
@@ -9681,7 +9664,7 @@
           </a:p>
           <a:p>
             <a:pPr algn="l"/>
-            <a:endParaRPr lang="it-IT" sz="2400" b="0" i="0">
+            <a:endParaRPr lang="it-IT" sz="2400" b="0" i="0" dirty="0">
               <a:solidFill>
                 <a:srgbClr val="000000"/>
               </a:solidFill>
@@ -9697,7 +9680,7 @@
               <a:buChar char="ü"/>
             </a:pPr>
             <a:r>
-              <a:rPr lang="it-IT" sz="2400" b="0" i="0">
+              <a:rPr lang="it-IT" sz="2400" b="0" i="0" dirty="0">
                 <a:solidFill>
                   <a:srgbClr val="000000"/>
                 </a:solidFill>
@@ -9714,7 +9697,7 @@
               <a:buFont typeface="Wingdings" panose="05000000000000000000" pitchFamily="2" charset="2"/>
               <a:buChar char="ü"/>
             </a:pPr>
-            <a:endParaRPr lang="it-IT" sz="2400" b="0" i="0">
+            <a:endParaRPr lang="it-IT" sz="2400" b="0" i="0" dirty="0">
               <a:solidFill>
                 <a:srgbClr val="000000"/>
               </a:solidFill>
@@ -9729,7 +9712,7 @@
               <a:buFont typeface="Wingdings" panose="05000000000000000000" pitchFamily="2" charset="2"/>
               <a:buChar char="ü"/>
             </a:pPr>
-            <a:endParaRPr lang="it-IT" sz="2400">
+            <a:endParaRPr lang="it-IT" sz="2400" dirty="0">
               <a:solidFill>
                 <a:srgbClr val="000000"/>
               </a:solidFill>
@@ -9740,7 +9723,7 @@
           </a:p>
           <a:p>
             <a:pPr algn="l"/>
-            <a:endParaRPr lang="it-IT" sz="2400" b="0" i="0">
+            <a:endParaRPr lang="it-IT" sz="2400" b="0" i="0" dirty="0">
               <a:solidFill>
                 <a:srgbClr val="000000"/>
               </a:solidFill>
@@ -9755,7 +9738,7 @@
               <a:buFont typeface="Wingdings" panose="05000000000000000000" pitchFamily="2" charset="2"/>
               <a:buChar char="ü"/>
             </a:pPr>
-            <a:endParaRPr lang="it-IT" sz="2400">
+            <a:endParaRPr lang="it-IT" sz="2400" dirty="0">
               <a:solidFill>
                 <a:srgbClr val="000000"/>
               </a:solidFill>
@@ -9769,7 +9752,7 @@
               <a:buFont typeface="Wingdings" panose="05000000000000000000" pitchFamily="2" charset="2"/>
               <a:buChar char="ü"/>
             </a:pPr>
-            <a:endParaRPr lang="it-IT" sz="2400">
+            <a:endParaRPr lang="it-IT" sz="2400" dirty="0">
               <a:solidFill>
                 <a:srgbClr val="000000"/>
               </a:solidFill>
@@ -9777,6 +9760,41 @@
               <a:ea typeface="Tahoma" panose="020B0604030504040204" pitchFamily="34" charset="0"/>
               <a:cs typeface="Tahoma" panose="020B0604030504040204" pitchFamily="34" charset="0"/>
             </a:endParaRPr>
+          </a:p>
+        </p:txBody>
+      </p:sp>
+      <p:sp>
+        <p:nvSpPr>
+          <p:cNvPr id="7" name="Segnaposto numero diapositiva 6">
+            <a:extLst>
+              <a:ext uri="{FF2B5EF4-FFF2-40B4-BE49-F238E27FC236}">
+                <a16:creationId xmlns:a16="http://schemas.microsoft.com/office/drawing/2014/main" id="{AB740BE9-E218-4144-BFDE-AE473D230A3D}"/>
+              </a:ext>
+            </a:extLst>
+          </p:cNvPr>
+          <p:cNvSpPr>
+            <a:spLocks noGrp="1"/>
+          </p:cNvSpPr>
+          <p:nvPr>
+            <p:ph type="sldNum" sz="quarter" idx="12"/>
+          </p:nvPr>
+        </p:nvSpPr>
+        <p:spPr/>
+        <p:txBody>
+          <a:bodyPr/>
+          <a:lstStyle/>
+          <a:p>
+            <a:pPr>
+              <a:defRPr/>
+            </a:pPr>
+            <a:fld id="{48B4153A-D4C5-4CEF-8992-0D8815C829E3}" type="slidenum">
+              <a:rPr lang="en-US" smtClean="0"/>
+              <a:pPr>
+                <a:defRPr/>
+              </a:pPr>
+              <a:t>17</a:t>
+            </a:fld>
+            <a:endParaRPr lang="en-US" dirty="0"/>
           </a:p>
         </p:txBody>
       </p:sp>
@@ -9974,7 +9992,7 @@
           <p:nvPr/>
         </p:nvPicPr>
         <p:blipFill>
-          <a:blip r:embed="rId2"/>
+          <a:blip r:embed="rId3"/>
           <a:stretch>
             <a:fillRect/>
           </a:stretch>
@@ -9997,7 +10015,7 @@
     </p:extLst>
   </p:cSld>
   <p:clrMapOvr>
-    <a:masterClrMapping/>
+    <a:overrideClrMapping bg1="lt1" tx1="dk1" bg2="lt2" tx2="dk2" accent1="accent1" accent2="accent2" accent3="accent3" accent4="accent4" accent5="accent5" accent6="accent6" hlink="hlink" folHlink="folHlink"/>
   </p:clrMapOvr>
 </p:sld>
 </file>
@@ -10263,6 +10281,77 @@
           </a:prstGeom>
         </p:spPr>
       </p:pic>
+      <p:sp>
+        <p:nvSpPr>
+          <p:cNvPr id="2" name="Rettangolo 1"/>
+          <p:cNvSpPr/>
+          <p:nvPr/>
+        </p:nvSpPr>
+        <p:spPr>
+          <a:xfrm>
+            <a:off x="1012721" y="4601698"/>
+            <a:ext cx="10962969" cy="1200329"/>
+          </a:xfrm>
+          <a:prstGeom prst="rect">
+            <a:avLst/>
+          </a:prstGeom>
+        </p:spPr>
+        <p:txBody>
+          <a:bodyPr wrap="square">
+            <a:spAutoFit/>
+          </a:bodyPr>
+          <a:lstStyle/>
+          <a:p>
+            <a:pPr marL="342900" indent="-342900">
+              <a:buFont typeface="Wingdings" panose="05000000000000000000" pitchFamily="2" charset="2"/>
+              <a:buChar char="ü"/>
+            </a:pPr>
+            <a:r>
+              <a:rPr lang="it-IT" sz="2400" b="1" dirty="0" smtClean="0">
+                <a:solidFill>
+                  <a:srgbClr val="FF0000"/>
+                </a:solidFill>
+                <a:latin typeface="Tahoma" panose="020B0604030504040204" pitchFamily="34" charset="0"/>
+                <a:ea typeface="Tahoma" panose="020B0604030504040204" pitchFamily="34" charset="0"/>
+                <a:cs typeface="Tahoma" panose="020B0604030504040204" pitchFamily="34" charset="0"/>
+              </a:rPr>
+              <a:t>Il ciclo interno: </a:t>
+            </a:r>
+            <a:r>
+              <a:rPr lang="it-IT" sz="2400" dirty="0" smtClean="0">
+                <a:latin typeface="Tahoma" panose="020B0604030504040204" pitchFamily="34" charset="0"/>
+                <a:ea typeface="Tahoma" panose="020B0604030504040204" pitchFamily="34" charset="0"/>
+                <a:cs typeface="Tahoma" panose="020B0604030504040204" pitchFamily="34" charset="0"/>
+              </a:rPr>
+              <a:t>Nella </a:t>
+            </a:r>
+            <a:r>
+              <a:rPr lang="it-IT" sz="2400" dirty="0">
+                <a:latin typeface="Tahoma" panose="020B0604030504040204" pitchFamily="34" charset="0"/>
+                <a:ea typeface="Tahoma" panose="020B0604030504040204" pitchFamily="34" charset="0"/>
+                <a:cs typeface="Tahoma" panose="020B0604030504040204" pitchFamily="34" charset="0"/>
+              </a:rPr>
+              <a:t>linea 3 c'è il secondo ciclo interno (j) che analizza gli elementi del vettore a partire dalla posizione i+1 fino all'ultimo length-1 </a:t>
+            </a:r>
+            <a:r>
+              <a:rPr lang="it-IT" sz="2400" dirty="0" smtClean="0">
+                <a:latin typeface="Tahoma" panose="020B0604030504040204" pitchFamily="34" charset="0"/>
+                <a:ea typeface="Tahoma" panose="020B0604030504040204" pitchFamily="34" charset="0"/>
+                <a:cs typeface="Tahoma" panose="020B0604030504040204" pitchFamily="34" charset="0"/>
+              </a:rPr>
+              <a:t>(compreso) </a:t>
+            </a:r>
+            <a:r>
+              <a:rPr lang="it-IT" sz="2400" dirty="0">
+                <a:latin typeface="Tahoma" panose="020B0604030504040204" pitchFamily="34" charset="0"/>
+                <a:ea typeface="Tahoma" panose="020B0604030504040204" pitchFamily="34" charset="0"/>
+                <a:cs typeface="Tahoma" panose="020B0604030504040204" pitchFamily="34" charset="0"/>
+              </a:rPr>
+              <a:t>ossia n-1.</a:t>
+            </a:r>
+          </a:p>
+        </p:txBody>
+      </p:sp>
     </p:spTree>
     <p:extLst>
       <p:ext uri="{BB962C8B-B14F-4D97-AF65-F5344CB8AC3E}">
@@ -10295,6 +10384,264 @@
       </p:grpSpPr>
       <p:sp>
         <p:nvSpPr>
+          <p:cNvPr id="3" name="Segnaposto testo 2">
+            <a:extLst>
+              <a:ext uri="{FF2B5EF4-FFF2-40B4-BE49-F238E27FC236}">
+                <a16:creationId xmlns:a16="http://schemas.microsoft.com/office/drawing/2014/main" id="{F15B28AB-8720-E62B-6D01-393C590EDE2E}"/>
+              </a:ext>
+            </a:extLst>
+          </p:cNvPr>
+          <p:cNvSpPr>
+            <a:spLocks noGrp="1"/>
+          </p:cNvSpPr>
+          <p:nvPr>
+            <p:ph type="body" idx="1"/>
+          </p:nvPr>
+        </p:nvSpPr>
+        <p:spPr>
+          <a:xfrm>
+            <a:off x="825119" y="1736037"/>
+            <a:ext cx="5502041" cy="4392612"/>
+          </a:xfrm>
+        </p:spPr>
+        <p:txBody>
+          <a:bodyPr/>
+          <a:lstStyle/>
+          <a:p>
+            <a:pPr marL="342900" indent="-342900">
+              <a:buFont typeface="Wingdings" panose="05000000000000000000" pitchFamily="2" charset="2"/>
+              <a:buChar char="ü"/>
+            </a:pPr>
+            <a:r>
+              <a:rPr lang="it-IT" sz="2400" b="1" dirty="0" smtClean="0">
+                <a:solidFill>
+                  <a:srgbClr val="000000"/>
+                </a:solidFill>
+                <a:latin typeface="Tahoma" panose="020B0604030504040204" pitchFamily="34" charset="0"/>
+                <a:ea typeface="Tahoma" panose="020B0604030504040204" pitchFamily="34" charset="0"/>
+                <a:cs typeface="Tahoma" panose="020B0604030504040204" pitchFamily="34" charset="0"/>
+              </a:rPr>
+              <a:t>Attenzione</a:t>
+            </a:r>
+            <a:r>
+              <a:rPr lang="it-IT" sz="2400" b="1" dirty="0">
+                <a:solidFill>
+                  <a:srgbClr val="000000"/>
+                </a:solidFill>
+                <a:latin typeface="Tahoma" panose="020B0604030504040204" pitchFamily="34" charset="0"/>
+                <a:ea typeface="Tahoma" panose="020B0604030504040204" pitchFamily="34" charset="0"/>
+                <a:cs typeface="Tahoma" panose="020B0604030504040204" pitchFamily="34" charset="0"/>
+              </a:rPr>
+              <a:t>. </a:t>
+            </a:r>
+            <a:r>
+              <a:rPr lang="it-IT" sz="2400" dirty="0">
+                <a:solidFill>
+                  <a:srgbClr val="000000"/>
+                </a:solidFill>
+                <a:latin typeface="Tahoma" panose="020B0604030504040204" pitchFamily="34" charset="0"/>
+                <a:ea typeface="Tahoma" panose="020B0604030504040204" pitchFamily="34" charset="0"/>
+                <a:cs typeface="Tahoma" panose="020B0604030504040204" pitchFamily="34" charset="0"/>
+              </a:rPr>
+              <a:t>Come nel precedente caso n-1 indica l'ultimo elemento dell'array. L'array è composto da 5 elementi (n=5) ma il primo elemento parte dalla posizione zero (M[0]). </a:t>
+            </a:r>
+            <a:r>
+              <a:rPr lang="it-IT" sz="2400" dirty="0">
+                <a:solidFill>
+                  <a:srgbClr val="000000"/>
+                </a:solidFill>
+                <a:latin typeface="Tahoma" panose="020B0604030504040204" pitchFamily="34" charset="0"/>
+                <a:ea typeface="Tahoma" panose="020B0604030504040204" pitchFamily="34" charset="0"/>
+                <a:cs typeface="Tahoma" panose="020B0604030504040204" pitchFamily="34" charset="0"/>
+              </a:rPr>
+              <a:t>Pertanto l'ultimo elemento è M[4] ossia n-1=4. </a:t>
+            </a:r>
+            <a:endParaRPr lang="it-IT" sz="2400" dirty="0" smtClean="0">
+              <a:solidFill>
+                <a:srgbClr val="000000"/>
+              </a:solidFill>
+              <a:latin typeface="Tahoma" panose="020B0604030504040204" pitchFamily="34" charset="0"/>
+              <a:ea typeface="Tahoma" panose="020B0604030504040204" pitchFamily="34" charset="0"/>
+              <a:cs typeface="Tahoma" panose="020B0604030504040204" pitchFamily="34" charset="0"/>
+            </a:endParaRPr>
+          </a:p>
+          <a:p>
+            <a:pPr marL="342900" indent="-342900">
+              <a:buFont typeface="Wingdings" panose="05000000000000000000" pitchFamily="2" charset="2"/>
+              <a:buChar char="ü"/>
+            </a:pPr>
+            <a:r>
+              <a:rPr lang="it-IT" sz="2400" dirty="0">
+                <a:solidFill>
+                  <a:srgbClr val="000000"/>
+                </a:solidFill>
+                <a:latin typeface="Tahoma" panose="020B0604030504040204" pitchFamily="34" charset="0"/>
+                <a:ea typeface="Tahoma" panose="020B0604030504040204" pitchFamily="34" charset="0"/>
+                <a:cs typeface="Tahoma" panose="020B0604030504040204" pitchFamily="34" charset="0"/>
+              </a:rPr>
+              <a:t>Quindi, compie </a:t>
+            </a:r>
+            <a:r>
+              <a:rPr lang="it-IT" sz="2400" b="1" dirty="0">
+                <a:solidFill>
+                  <a:srgbClr val="000000"/>
+                </a:solidFill>
+                <a:latin typeface="Tahoma" panose="020B0604030504040204" pitchFamily="34" charset="0"/>
+                <a:ea typeface="Tahoma" panose="020B0604030504040204" pitchFamily="34" charset="0"/>
+                <a:cs typeface="Tahoma" panose="020B0604030504040204" pitchFamily="34" charset="0"/>
+              </a:rPr>
+              <a:t>n-(i+1) </a:t>
+            </a:r>
+            <a:r>
+              <a:rPr lang="it-IT" sz="2400" dirty="0">
+                <a:solidFill>
+                  <a:srgbClr val="000000"/>
+                </a:solidFill>
+                <a:latin typeface="Tahoma" panose="020B0604030504040204" pitchFamily="34" charset="0"/>
+                <a:ea typeface="Tahoma" panose="020B0604030504040204" pitchFamily="34" charset="0"/>
+                <a:cs typeface="Tahoma" panose="020B0604030504040204" pitchFamily="34" charset="0"/>
+              </a:rPr>
+              <a:t>iterazioni ossia </a:t>
+            </a:r>
+            <a:r>
+              <a:rPr lang="it-IT" sz="2400" b="1" dirty="0">
+                <a:solidFill>
+                  <a:srgbClr val="000000"/>
+                </a:solidFill>
+                <a:latin typeface="Tahoma" panose="020B0604030504040204" pitchFamily="34" charset="0"/>
+                <a:ea typeface="Tahoma" panose="020B0604030504040204" pitchFamily="34" charset="0"/>
+                <a:cs typeface="Tahoma" panose="020B0604030504040204" pitchFamily="34" charset="0"/>
+              </a:rPr>
+              <a:t>n-i-1</a:t>
+            </a:r>
+            <a:r>
+              <a:rPr lang="it-IT" sz="2400" dirty="0">
+                <a:solidFill>
+                  <a:srgbClr val="000000"/>
+                </a:solidFill>
+                <a:latin typeface="Tahoma" panose="020B0604030504040204" pitchFamily="34" charset="0"/>
+                <a:ea typeface="Tahoma" panose="020B0604030504040204" pitchFamily="34" charset="0"/>
+                <a:cs typeface="Tahoma" panose="020B0604030504040204" pitchFamily="34" charset="0"/>
+              </a:rPr>
+              <a:t> uterazioni per ogni </a:t>
+            </a:r>
+            <a:r>
+              <a:rPr lang="it-IT" sz="2400" b="1" dirty="0">
+                <a:solidFill>
+                  <a:srgbClr val="000000"/>
+                </a:solidFill>
+                <a:latin typeface="Tahoma" panose="020B0604030504040204" pitchFamily="34" charset="0"/>
+                <a:ea typeface="Tahoma" panose="020B0604030504040204" pitchFamily="34" charset="0"/>
+                <a:cs typeface="Tahoma" panose="020B0604030504040204" pitchFamily="34" charset="0"/>
+              </a:rPr>
+              <a:t>i</a:t>
+            </a:r>
+            <a:r>
+              <a:rPr lang="it-IT" sz="2400" dirty="0">
+                <a:solidFill>
+                  <a:srgbClr val="000000"/>
+                </a:solidFill>
+                <a:latin typeface="Tahoma" panose="020B0604030504040204" pitchFamily="34" charset="0"/>
+                <a:ea typeface="Tahoma" panose="020B0604030504040204" pitchFamily="34" charset="0"/>
+                <a:cs typeface="Tahoma" panose="020B0604030504040204" pitchFamily="34" charset="0"/>
+              </a:rPr>
+              <a:t> dove </a:t>
+            </a:r>
+            <a:r>
+              <a:rPr lang="it-IT" sz="2400" b="1" dirty="0">
+                <a:solidFill>
+                  <a:srgbClr val="000000"/>
+                </a:solidFill>
+                <a:latin typeface="Tahoma" panose="020B0604030504040204" pitchFamily="34" charset="0"/>
+                <a:ea typeface="Tahoma" panose="020B0604030504040204" pitchFamily="34" charset="0"/>
+                <a:cs typeface="Tahoma" panose="020B0604030504040204" pitchFamily="34" charset="0"/>
+              </a:rPr>
+              <a:t>n=5</a:t>
+            </a:r>
+            <a:r>
+              <a:rPr lang="it-IT" sz="2400" dirty="0">
+                <a:solidFill>
+                  <a:srgbClr val="000000"/>
+                </a:solidFill>
+                <a:latin typeface="Tahoma" panose="020B0604030504040204" pitchFamily="34" charset="0"/>
+                <a:ea typeface="Tahoma" panose="020B0604030504040204" pitchFamily="34" charset="0"/>
+                <a:cs typeface="Tahoma" panose="020B0604030504040204" pitchFamily="34" charset="0"/>
+              </a:rPr>
+              <a:t>.</a:t>
+            </a:r>
+          </a:p>
+          <a:p>
+            <a:pPr marL="342900" indent="-342900">
+              <a:buFont typeface="Wingdings" panose="05000000000000000000" pitchFamily="2" charset="2"/>
+              <a:buChar char="ü"/>
+            </a:pPr>
+            <a:endParaRPr lang="it-IT" sz="2400" dirty="0">
+              <a:solidFill>
+                <a:srgbClr val="000000"/>
+              </a:solidFill>
+              <a:latin typeface="Tahoma" panose="020B0604030504040204" pitchFamily="34" charset="0"/>
+              <a:ea typeface="Tahoma" panose="020B0604030504040204" pitchFamily="34" charset="0"/>
+              <a:cs typeface="Tahoma" panose="020B0604030504040204" pitchFamily="34" charset="0"/>
+            </a:endParaRPr>
+          </a:p>
+          <a:p>
+            <a:pPr marL="342900" indent="-342900">
+              <a:buFont typeface="Wingdings" panose="05000000000000000000" pitchFamily="2" charset="2"/>
+              <a:buChar char="ü"/>
+            </a:pPr>
+            <a:endParaRPr lang="it-IT" sz="2400" dirty="0">
+              <a:solidFill>
+                <a:srgbClr val="000000"/>
+              </a:solidFill>
+              <a:latin typeface="Tahoma" panose="020B0604030504040204" pitchFamily="34" charset="0"/>
+              <a:ea typeface="Tahoma" panose="020B0604030504040204" pitchFamily="34" charset="0"/>
+              <a:cs typeface="Tahoma" panose="020B0604030504040204" pitchFamily="34" charset="0"/>
+            </a:endParaRPr>
+          </a:p>
+          <a:p>
+            <a:pPr algn="l"/>
+            <a:endParaRPr lang="it-IT" sz="2400" b="0" i="0" dirty="0">
+              <a:solidFill>
+                <a:srgbClr val="000000"/>
+              </a:solidFill>
+              <a:effectLst/>
+              <a:latin typeface="Tahoma" panose="020B0604030504040204" pitchFamily="34" charset="0"/>
+              <a:ea typeface="Tahoma" panose="020B0604030504040204" pitchFamily="34" charset="0"/>
+              <a:cs typeface="Tahoma" panose="020B0604030504040204" pitchFamily="34" charset="0"/>
+            </a:endParaRPr>
+          </a:p>
+          <a:p>
+            <a:pPr marL="342900" indent="-342900">
+              <a:buFont typeface="Wingdings" panose="05000000000000000000" pitchFamily="2" charset="2"/>
+              <a:buChar char="ü"/>
+            </a:pPr>
+            <a:endParaRPr lang="it-IT" sz="2400" dirty="0">
+              <a:solidFill>
+                <a:srgbClr val="000000"/>
+              </a:solidFill>
+              <a:latin typeface="Tahoma" panose="020B0604030504040204" pitchFamily="34" charset="0"/>
+              <a:ea typeface="Tahoma" panose="020B0604030504040204" pitchFamily="34" charset="0"/>
+              <a:cs typeface="Tahoma" panose="020B0604030504040204" pitchFamily="34" charset="0"/>
+            </a:endParaRPr>
+          </a:p>
+          <a:p>
+            <a:pPr marL="342900" indent="-342900">
+              <a:buFont typeface="Wingdings" panose="05000000000000000000" pitchFamily="2" charset="2"/>
+              <a:buChar char="ü"/>
+            </a:pPr>
+            <a:endParaRPr lang="it-IT" sz="2400" dirty="0">
+              <a:solidFill>
+                <a:srgbClr val="000000"/>
+              </a:solidFill>
+              <a:latin typeface="Tahoma" panose="020B0604030504040204" pitchFamily="34" charset="0"/>
+              <a:ea typeface="Tahoma" panose="020B0604030504040204" pitchFamily="34" charset="0"/>
+              <a:cs typeface="Tahoma" panose="020B0604030504040204" pitchFamily="34" charset="0"/>
+            </a:endParaRPr>
+          </a:p>
+        </p:txBody>
+      </p:sp>
+      <p:sp>
+        <p:nvSpPr>
           <p:cNvPr id="7" name="Segnaposto numero diapositiva 6">
             <a:extLst>
               <a:ext uri="{FF2B5EF4-FFF2-40B4-BE49-F238E27FC236}">
@@ -10330,44 +10677,213 @@
       </p:sp>
       <p:sp>
         <p:nvSpPr>
-          <p:cNvPr id="5" name="Titolo 4">
+          <p:cNvPr id="4" name="Titolo 4">
             <a:extLst>
               <a:ext uri="{FF2B5EF4-FFF2-40B4-BE49-F238E27FC236}">
-                <a16:creationId xmlns:a16="http://schemas.microsoft.com/office/drawing/2014/main" id="{82C46BA2-B380-4357-B125-BA9F08A643F5}"/>
+                <a16:creationId xmlns:a16="http://schemas.microsoft.com/office/drawing/2014/main" id="{B0CAFD71-4F5B-319A-8F68-C27ACA49FC3B}"/>
               </a:ext>
             </a:extLst>
           </p:cNvPr>
-          <p:cNvSpPr>
-            <a:spLocks noGrp="1"/>
+          <p:cNvSpPr txBox="1">
+            <a:spLocks/>
           </p:cNvSpPr>
-          <p:nvPr>
-            <p:ph type="title"/>
-          </p:nvPr>
+          <p:nvPr/>
         </p:nvSpPr>
+        <p:spPr bwMode="auto">
+          <a:xfrm>
+            <a:off x="397304" y="410627"/>
+            <a:ext cx="11269662" cy="384721"/>
+          </a:xfrm>
+          <a:prstGeom prst="rect">
+            <a:avLst/>
+          </a:prstGeom>
+          <a:noFill/>
+          <a:ln>
+            <a:noFill/>
+          </a:ln>
+          <a:extLst>
+            <a:ext uri="{909E8E84-426E-40DD-AFC4-6F175D3DCCD1}">
+              <a14:hiddenFill xmlns:a14="http://schemas.microsoft.com/office/drawing/2010/main">
+                <a:solidFill>
+                  <a:srgbClr val="FFFFFF"/>
+                </a:solidFill>
+              </a14:hiddenFill>
+            </a:ext>
+            <a:ext uri="{91240B29-F687-4F45-9708-019B960494DF}">
+              <a14:hiddenLine xmlns:a14="http://schemas.microsoft.com/office/drawing/2010/main" w="9525">
+                <a:solidFill>
+                  <a:srgbClr val="000000"/>
+                </a:solidFill>
+                <a:miter lim="800000"/>
+                <a:headEnd/>
+                <a:tailEnd/>
+              </a14:hiddenLine>
+            </a:ext>
+          </a:extLst>
+        </p:spPr>
+        <p:txBody>
+          <a:bodyPr vert="horz" wrap="square" lIns="0" tIns="0" rIns="0" bIns="0" numCol="1" rtlCol="0" anchor="b" anchorCtr="0" compatLnSpc="1">
+            <a:prstTxWarp prst="textNoShape">
+              <a:avLst/>
+            </a:prstTxWarp>
+            <a:spAutoFit/>
+          </a:bodyPr>
+          <a:lstStyle>
+            <a:lvl1pPr algn="l" defTabSz="457200" rtl="0" fontAlgn="base">
+              <a:lnSpc>
+                <a:spcPts val="3000"/>
+              </a:lnSpc>
+              <a:spcBef>
+                <a:spcPct val="0"/>
+              </a:spcBef>
+              <a:spcAft>
+                <a:spcPct val="0"/>
+              </a:spcAft>
+              <a:defRPr sz="2800" b="1" kern="1200" cap="none" baseline="0">
+                <a:solidFill>
+                  <a:srgbClr val="595959"/>
+                </a:solidFill>
+                <a:latin typeface="Arial" panose="020B0604020202020204" pitchFamily="34" charset="0"/>
+                <a:ea typeface="+mj-ea"/>
+                <a:cs typeface="Arial" panose="020B0604020202020204" pitchFamily="34" charset="0"/>
+              </a:defRPr>
+            </a:lvl1pPr>
+            <a:lvl2pPr algn="l" defTabSz="457200" rtl="0" fontAlgn="base">
+              <a:spcBef>
+                <a:spcPct val="0"/>
+              </a:spcBef>
+              <a:spcAft>
+                <a:spcPct val="0"/>
+              </a:spcAft>
+              <a:defRPr sz="2400" b="1">
+                <a:solidFill>
+                  <a:srgbClr val="595959"/>
+                </a:solidFill>
+                <a:latin typeface="Arial" panose="020B0604020202020204" pitchFamily="34" charset="0"/>
+                <a:cs typeface="Arial" panose="020B0604020202020204" pitchFamily="34" charset="0"/>
+              </a:defRPr>
+            </a:lvl2pPr>
+            <a:lvl3pPr algn="l" defTabSz="457200" rtl="0" fontAlgn="base">
+              <a:spcBef>
+                <a:spcPct val="0"/>
+              </a:spcBef>
+              <a:spcAft>
+                <a:spcPct val="0"/>
+              </a:spcAft>
+              <a:defRPr sz="2400" b="1">
+                <a:solidFill>
+                  <a:srgbClr val="595959"/>
+                </a:solidFill>
+                <a:latin typeface="Arial" panose="020B0604020202020204" pitchFamily="34" charset="0"/>
+                <a:cs typeface="Arial" panose="020B0604020202020204" pitchFamily="34" charset="0"/>
+              </a:defRPr>
+            </a:lvl3pPr>
+            <a:lvl4pPr algn="l" defTabSz="457200" rtl="0" fontAlgn="base">
+              <a:spcBef>
+                <a:spcPct val="0"/>
+              </a:spcBef>
+              <a:spcAft>
+                <a:spcPct val="0"/>
+              </a:spcAft>
+              <a:defRPr sz="2400" b="1">
+                <a:solidFill>
+                  <a:srgbClr val="595959"/>
+                </a:solidFill>
+                <a:latin typeface="Arial" panose="020B0604020202020204" pitchFamily="34" charset="0"/>
+                <a:cs typeface="Arial" panose="020B0604020202020204" pitchFamily="34" charset="0"/>
+              </a:defRPr>
+            </a:lvl4pPr>
+            <a:lvl5pPr algn="l" defTabSz="457200" rtl="0" fontAlgn="base">
+              <a:spcBef>
+                <a:spcPct val="0"/>
+              </a:spcBef>
+              <a:spcAft>
+                <a:spcPct val="0"/>
+              </a:spcAft>
+              <a:defRPr sz="2400" b="1">
+                <a:solidFill>
+                  <a:srgbClr val="595959"/>
+                </a:solidFill>
+                <a:latin typeface="Arial" panose="020B0604020202020204" pitchFamily="34" charset="0"/>
+                <a:cs typeface="Arial" panose="020B0604020202020204" pitchFamily="34" charset="0"/>
+              </a:defRPr>
+            </a:lvl5pPr>
+            <a:lvl6pPr eaLnBrk="1" hangingPunct="1">
+              <a:defRPr>
+                <a:solidFill>
+                  <a:schemeClr val="tx2"/>
+                </a:solidFill>
+              </a:defRPr>
+            </a:lvl6pPr>
+            <a:lvl7pPr eaLnBrk="1" hangingPunct="1">
+              <a:defRPr>
+                <a:solidFill>
+                  <a:schemeClr val="tx2"/>
+                </a:solidFill>
+              </a:defRPr>
+            </a:lvl7pPr>
+            <a:lvl8pPr eaLnBrk="1" hangingPunct="1">
+              <a:defRPr>
+                <a:solidFill>
+                  <a:schemeClr val="tx2"/>
+                </a:solidFill>
+              </a:defRPr>
+            </a:lvl8pPr>
+            <a:lvl9pPr eaLnBrk="1" hangingPunct="1">
+              <a:defRPr>
+                <a:solidFill>
+                  <a:schemeClr val="tx2"/>
+                </a:solidFill>
+              </a:defRPr>
+            </a:lvl9pPr>
+          </a:lstStyle>
+          <a:p>
+            <a:pPr eaLnBrk="1" hangingPunct="1"/>
+            <a:r>
+              <a:rPr lang="it-IT">
+                <a:solidFill>
+                  <a:schemeClr val="tx1"/>
+                </a:solidFill>
+                <a:latin typeface="Tahoma" panose="020B0604030504040204" pitchFamily="34" charset="0"/>
+                <a:ea typeface="Tahoma" panose="020B0604030504040204" pitchFamily="34" charset="0"/>
+                <a:cs typeface="Tahoma" panose="020B0604030504040204" pitchFamily="34" charset="0"/>
+              </a:rPr>
+              <a:t>Calcolare la Complessità Temporale di un Algoritmo</a:t>
+            </a:r>
+            <a:endParaRPr lang="it-IT" dirty="0"/>
+          </a:p>
+        </p:txBody>
+      </p:sp>
+      <p:pic>
+        <p:nvPicPr>
+          <p:cNvPr id="2" name="Immagine 1"/>
+          <p:cNvPicPr>
+            <a:picLocks noChangeAspect="1"/>
+          </p:cNvPicPr>
+          <p:nvPr/>
+        </p:nvPicPr>
+        <p:blipFill>
+          <a:blip r:embed="rId2"/>
+          <a:stretch>
+            <a:fillRect/>
+          </a:stretch>
+        </p:blipFill>
         <p:spPr>
           <a:xfrm>
-            <a:off x="468895" y="503475"/>
-            <a:ext cx="11269308" cy="384721"/>
+            <a:off x="6130572" y="1217232"/>
+            <a:ext cx="5536394" cy="3187620"/>
           </a:xfrm>
+          <a:prstGeom prst="rect">
+            <a:avLst/>
+          </a:prstGeom>
         </p:spPr>
-        <p:txBody>
-          <a:bodyPr/>
-          <a:lstStyle/>
-          <a:p>
-            <a:r>
-              <a:rPr lang="it-IT" altLang="it-IT"/>
-              <a:t>Bibliografia</a:t>
-            </a:r>
-            <a:endParaRPr lang="it-IT" dirty="0"/>
-          </a:p>
-        </p:txBody>
-      </p:sp>
+      </p:pic>
       <p:sp>
         <p:nvSpPr>
-          <p:cNvPr id="3" name="Segnaposto testo 2">
+          <p:cNvPr id="8" name="Segnaposto testo 2">
             <a:extLst>
               <a:ext uri="{FF2B5EF4-FFF2-40B4-BE49-F238E27FC236}">
-                <a16:creationId xmlns:a16="http://schemas.microsoft.com/office/drawing/2014/main" id="{15CD42DB-61E6-AA3D-7125-BF4BEDB5D886}"/>
+                <a16:creationId xmlns:a16="http://schemas.microsoft.com/office/drawing/2014/main" id="{F15B28AB-8720-E62B-6D01-393C590EDE2E}"/>
               </a:ext>
             </a:extLst>
           </p:cNvPr>
@@ -10380,81 +10896,130 @@
         </p:nvSpPr>
         <p:spPr>
           <a:xfrm>
-            <a:off x="477519" y="1557338"/>
-            <a:ext cx="11043921" cy="4392612"/>
+            <a:off x="7766591" y="4601496"/>
+            <a:ext cx="5502041" cy="3054307"/>
           </a:xfrm>
         </p:spPr>
         <p:txBody>
           <a:bodyPr/>
           <a:lstStyle/>
           <a:p>
-            <a:endParaRPr lang="it-IT" dirty="0"/>
-          </a:p>
-          <a:p>
-            <a:endParaRPr lang="it-IT" dirty="0"/>
-          </a:p>
-        </p:txBody>
-      </p:sp>
-      <p:sp>
-        <p:nvSpPr>
-          <p:cNvPr id="2" name="Rettangolo 1"/>
-          <p:cNvSpPr/>
-          <p:nvPr/>
-        </p:nvSpPr>
-        <p:spPr>
-          <a:xfrm>
-            <a:off x="574294" y="1335471"/>
-            <a:ext cx="6096000" cy="646331"/>
-          </a:xfrm>
-          <a:prstGeom prst="rect">
-            <a:avLst/>
-          </a:prstGeom>
-        </p:spPr>
-        <p:txBody>
-          <a:bodyPr>
-            <a:spAutoFit/>
-          </a:bodyPr>
-          <a:lstStyle/>
-          <a:p>
-            <a:r>
-              <a:rPr lang="it-IT"/>
-              <a:t>https://it.wikipedia.org/wiki/Teoria_della_complessit%C3%A0_computazionale</a:t>
-            </a:r>
-          </a:p>
-        </p:txBody>
-      </p:sp>
-      <p:sp>
-        <p:nvSpPr>
-          <p:cNvPr id="4" name="Rettangolo 3"/>
-          <p:cNvSpPr/>
-          <p:nvPr/>
-        </p:nvSpPr>
-        <p:spPr>
-          <a:xfrm>
-            <a:off x="477519" y="2203669"/>
-            <a:ext cx="6096000" cy="646331"/>
-          </a:xfrm>
-          <a:prstGeom prst="rect">
-            <a:avLst/>
-          </a:prstGeom>
-        </p:spPr>
-        <p:txBody>
-          <a:bodyPr>
-            <a:spAutoFit/>
-          </a:bodyPr>
-          <a:lstStyle/>
-          <a:p>
-            <a:r>
-              <a:rPr lang="it-IT"/>
-              <a:t>https://www.andreaminini.com/informatica/algoritmo/complessita-algoritmo</a:t>
-            </a:r>
+            <a:r>
+              <a:rPr lang="it-IT" sz="2400" b="1" dirty="0" smtClean="0">
+                <a:solidFill>
+                  <a:srgbClr val="000000"/>
+                </a:solidFill>
+                <a:latin typeface="Tahoma" panose="020B0604030504040204" pitchFamily="34" charset="0"/>
+                <a:ea typeface="Tahoma" panose="020B0604030504040204" pitchFamily="34" charset="0"/>
+                <a:cs typeface="Tahoma" panose="020B0604030504040204" pitchFamily="34" charset="0"/>
+              </a:rPr>
+              <a:t>Es. </a:t>
+            </a:r>
+            <a:r>
+              <a:rPr lang="it-IT" sz="2400" dirty="0" err="1" smtClean="0">
+                <a:solidFill>
+                  <a:srgbClr val="000000"/>
+                </a:solidFill>
+                <a:latin typeface="Tahoma" panose="020B0604030504040204" pitchFamily="34" charset="0"/>
+                <a:ea typeface="Tahoma" panose="020B0604030504040204" pitchFamily="34" charset="0"/>
+                <a:cs typeface="Tahoma" panose="020B0604030504040204" pitchFamily="34" charset="0"/>
+              </a:rPr>
+              <a:t>M.length</a:t>
+            </a:r>
+            <a:r>
+              <a:rPr lang="it-IT" sz="2400" dirty="0" smtClean="0">
+                <a:solidFill>
+                  <a:srgbClr val="000000"/>
+                </a:solidFill>
+                <a:latin typeface="Tahoma" panose="020B0604030504040204" pitchFamily="34" charset="0"/>
+                <a:ea typeface="Tahoma" panose="020B0604030504040204" pitchFamily="34" charset="0"/>
+                <a:cs typeface="Tahoma" panose="020B0604030504040204" pitchFamily="34" charset="0"/>
+              </a:rPr>
+              <a:t> = 5</a:t>
+            </a:r>
+            <a:endParaRPr lang="it-IT" sz="2400" dirty="0">
+              <a:solidFill>
+                <a:srgbClr val="000000"/>
+              </a:solidFill>
+              <a:latin typeface="Tahoma" panose="020B0604030504040204" pitchFamily="34" charset="0"/>
+              <a:ea typeface="Tahoma" panose="020B0604030504040204" pitchFamily="34" charset="0"/>
+              <a:cs typeface="Tahoma" panose="020B0604030504040204" pitchFamily="34" charset="0"/>
+            </a:endParaRPr>
+          </a:p>
+          <a:p>
+            <a:pPr marL="342900" indent="-342900">
+              <a:buFont typeface="Wingdings" panose="05000000000000000000" pitchFamily="2" charset="2"/>
+              <a:buChar char="ü"/>
+            </a:pPr>
+            <a:endParaRPr lang="it-IT" sz="2400" dirty="0">
+              <a:solidFill>
+                <a:srgbClr val="000000"/>
+              </a:solidFill>
+              <a:latin typeface="Tahoma" panose="020B0604030504040204" pitchFamily="34" charset="0"/>
+              <a:ea typeface="Tahoma" panose="020B0604030504040204" pitchFamily="34" charset="0"/>
+              <a:cs typeface="Tahoma" panose="020B0604030504040204" pitchFamily="34" charset="0"/>
+            </a:endParaRPr>
+          </a:p>
+          <a:p>
+            <a:pPr marL="342900" indent="-342900">
+              <a:buFont typeface="Wingdings" panose="05000000000000000000" pitchFamily="2" charset="2"/>
+              <a:buChar char="ü"/>
+            </a:pPr>
+            <a:endParaRPr lang="it-IT" sz="2400" dirty="0">
+              <a:solidFill>
+                <a:srgbClr val="000000"/>
+              </a:solidFill>
+              <a:latin typeface="Tahoma" panose="020B0604030504040204" pitchFamily="34" charset="0"/>
+              <a:ea typeface="Tahoma" panose="020B0604030504040204" pitchFamily="34" charset="0"/>
+              <a:cs typeface="Tahoma" panose="020B0604030504040204" pitchFamily="34" charset="0"/>
+            </a:endParaRPr>
+          </a:p>
+          <a:p>
+            <a:pPr algn="l"/>
+            <a:endParaRPr lang="it-IT" sz="2400" b="0" i="0" dirty="0">
+              <a:solidFill>
+                <a:srgbClr val="000000"/>
+              </a:solidFill>
+              <a:effectLst/>
+              <a:latin typeface="Tahoma" panose="020B0604030504040204" pitchFamily="34" charset="0"/>
+              <a:ea typeface="Tahoma" panose="020B0604030504040204" pitchFamily="34" charset="0"/>
+              <a:cs typeface="Tahoma" panose="020B0604030504040204" pitchFamily="34" charset="0"/>
+            </a:endParaRPr>
+          </a:p>
+          <a:p>
+            <a:pPr marL="342900" indent="-342900">
+              <a:buFont typeface="Wingdings" panose="05000000000000000000" pitchFamily="2" charset="2"/>
+              <a:buChar char="ü"/>
+            </a:pPr>
+            <a:endParaRPr lang="it-IT" sz="2400" dirty="0">
+              <a:solidFill>
+                <a:srgbClr val="000000"/>
+              </a:solidFill>
+              <a:latin typeface="Tahoma" panose="020B0604030504040204" pitchFamily="34" charset="0"/>
+              <a:ea typeface="Tahoma" panose="020B0604030504040204" pitchFamily="34" charset="0"/>
+              <a:cs typeface="Tahoma" panose="020B0604030504040204" pitchFamily="34" charset="0"/>
+            </a:endParaRPr>
+          </a:p>
+          <a:p>
+            <a:pPr marL="342900" indent="-342900">
+              <a:buFont typeface="Wingdings" panose="05000000000000000000" pitchFamily="2" charset="2"/>
+              <a:buChar char="ü"/>
+            </a:pPr>
+            <a:endParaRPr lang="it-IT" sz="2400" dirty="0">
+              <a:solidFill>
+                <a:srgbClr val="000000"/>
+              </a:solidFill>
+              <a:latin typeface="Tahoma" panose="020B0604030504040204" pitchFamily="34" charset="0"/>
+              <a:ea typeface="Tahoma" panose="020B0604030504040204" pitchFamily="34" charset="0"/>
+              <a:cs typeface="Tahoma" panose="020B0604030504040204" pitchFamily="34" charset="0"/>
+            </a:endParaRPr>
           </a:p>
         </p:txBody>
       </p:sp>
     </p:spTree>
     <p:extLst>
       <p:ext uri="{BB962C8B-B14F-4D97-AF65-F5344CB8AC3E}">
-        <p14:creationId xmlns:p14="http://schemas.microsoft.com/office/powerpoint/2010/main" val="3490964097"/>
+        <p14:creationId xmlns:p14="http://schemas.microsoft.com/office/powerpoint/2010/main" val="1775916803"/>
       </p:ext>
     </p:extLst>
   </p:cSld>
@@ -10768,6 +11333,3752 @@
     <p:extLst>
       <p:ext uri="{BB962C8B-B14F-4D97-AF65-F5344CB8AC3E}">
         <p14:creationId xmlns:p14="http://schemas.microsoft.com/office/powerpoint/2010/main" val="3328770070"/>
+      </p:ext>
+    </p:extLst>
+  </p:cSld>
+  <p:clrMapOvr>
+    <a:masterClrMapping/>
+  </p:clrMapOvr>
+</p:sld>
+</file>
+
+<file path=ppt/slides/slide20.xml><?xml version="1.0" encoding="utf-8"?>
+<p:sld xmlns:a="http://schemas.openxmlformats.org/drawingml/2006/main" xmlns:r="http://schemas.openxmlformats.org/officeDocument/2006/relationships" xmlns:p="http://schemas.openxmlformats.org/presentationml/2006/main">
+  <p:cSld>
+    <p:spTree>
+      <p:nvGrpSpPr>
+        <p:cNvPr id="1" name=""/>
+        <p:cNvGrpSpPr/>
+        <p:nvPr/>
+      </p:nvGrpSpPr>
+      <p:grpSpPr>
+        <a:xfrm>
+          <a:off x="0" y="0"/>
+          <a:ext cx="0" cy="0"/>
+          <a:chOff x="0" y="0"/>
+          <a:chExt cx="0" cy="0"/>
+        </a:xfrm>
+      </p:grpSpPr>
+      <p:sp>
+        <p:nvSpPr>
+          <p:cNvPr id="7" name="Segnaposto numero diapositiva 6">
+            <a:extLst>
+              <a:ext uri="{FF2B5EF4-FFF2-40B4-BE49-F238E27FC236}">
+                <a16:creationId xmlns:a16="http://schemas.microsoft.com/office/drawing/2014/main" id="{AB740BE9-E218-4144-BFDE-AE473D230A3D}"/>
+              </a:ext>
+            </a:extLst>
+          </p:cNvPr>
+          <p:cNvSpPr>
+            <a:spLocks noGrp="1"/>
+          </p:cNvSpPr>
+          <p:nvPr>
+            <p:ph type="sldNum" sz="quarter" idx="12"/>
+          </p:nvPr>
+        </p:nvSpPr>
+        <p:spPr/>
+        <p:txBody>
+          <a:bodyPr/>
+          <a:lstStyle/>
+          <a:p>
+            <a:pPr>
+              <a:defRPr/>
+            </a:pPr>
+            <a:fld id="{48B4153A-D4C5-4CEF-8992-0D8815C829E3}" type="slidenum">
+              <a:rPr lang="en-US" smtClean="0"/>
+              <a:pPr>
+                <a:defRPr/>
+              </a:pPr>
+              <a:t>20</a:t>
+            </a:fld>
+            <a:endParaRPr lang="en-US" dirty="0"/>
+          </a:p>
+        </p:txBody>
+      </p:sp>
+      <p:sp>
+        <p:nvSpPr>
+          <p:cNvPr id="4" name="Titolo 4">
+            <a:extLst>
+              <a:ext uri="{FF2B5EF4-FFF2-40B4-BE49-F238E27FC236}">
+                <a16:creationId xmlns:a16="http://schemas.microsoft.com/office/drawing/2014/main" id="{B0CAFD71-4F5B-319A-8F68-C27ACA49FC3B}"/>
+              </a:ext>
+            </a:extLst>
+          </p:cNvPr>
+          <p:cNvSpPr txBox="1">
+            <a:spLocks/>
+          </p:cNvSpPr>
+          <p:nvPr/>
+        </p:nvSpPr>
+        <p:spPr bwMode="auto">
+          <a:xfrm>
+            <a:off x="397304" y="410627"/>
+            <a:ext cx="11269662" cy="384721"/>
+          </a:xfrm>
+          <a:prstGeom prst="rect">
+            <a:avLst/>
+          </a:prstGeom>
+          <a:noFill/>
+          <a:ln>
+            <a:noFill/>
+          </a:ln>
+          <a:extLst>
+            <a:ext uri="{909E8E84-426E-40DD-AFC4-6F175D3DCCD1}">
+              <a14:hiddenFill xmlns:a14="http://schemas.microsoft.com/office/drawing/2010/main">
+                <a:solidFill>
+                  <a:srgbClr val="FFFFFF"/>
+                </a:solidFill>
+              </a14:hiddenFill>
+            </a:ext>
+            <a:ext uri="{91240B29-F687-4F45-9708-019B960494DF}">
+              <a14:hiddenLine xmlns:a14="http://schemas.microsoft.com/office/drawing/2010/main" w="9525">
+                <a:solidFill>
+                  <a:srgbClr val="000000"/>
+                </a:solidFill>
+                <a:miter lim="800000"/>
+                <a:headEnd/>
+                <a:tailEnd/>
+              </a14:hiddenLine>
+            </a:ext>
+          </a:extLst>
+        </p:spPr>
+        <p:txBody>
+          <a:bodyPr vert="horz" wrap="square" lIns="0" tIns="0" rIns="0" bIns="0" numCol="1" rtlCol="0" anchor="b" anchorCtr="0" compatLnSpc="1">
+            <a:prstTxWarp prst="textNoShape">
+              <a:avLst/>
+            </a:prstTxWarp>
+            <a:spAutoFit/>
+          </a:bodyPr>
+          <a:lstStyle>
+            <a:lvl1pPr algn="l" defTabSz="457200" rtl="0" fontAlgn="base">
+              <a:lnSpc>
+                <a:spcPts val="3000"/>
+              </a:lnSpc>
+              <a:spcBef>
+                <a:spcPct val="0"/>
+              </a:spcBef>
+              <a:spcAft>
+                <a:spcPct val="0"/>
+              </a:spcAft>
+              <a:defRPr sz="2800" b="1" kern="1200" cap="none" baseline="0">
+                <a:solidFill>
+                  <a:srgbClr val="595959"/>
+                </a:solidFill>
+                <a:latin typeface="Arial" panose="020B0604020202020204" pitchFamily="34" charset="0"/>
+                <a:ea typeface="+mj-ea"/>
+                <a:cs typeface="Arial" panose="020B0604020202020204" pitchFamily="34" charset="0"/>
+              </a:defRPr>
+            </a:lvl1pPr>
+            <a:lvl2pPr algn="l" defTabSz="457200" rtl="0" fontAlgn="base">
+              <a:spcBef>
+                <a:spcPct val="0"/>
+              </a:spcBef>
+              <a:spcAft>
+                <a:spcPct val="0"/>
+              </a:spcAft>
+              <a:defRPr sz="2400" b="1">
+                <a:solidFill>
+                  <a:srgbClr val="595959"/>
+                </a:solidFill>
+                <a:latin typeface="Arial" panose="020B0604020202020204" pitchFamily="34" charset="0"/>
+                <a:cs typeface="Arial" panose="020B0604020202020204" pitchFamily="34" charset="0"/>
+              </a:defRPr>
+            </a:lvl2pPr>
+            <a:lvl3pPr algn="l" defTabSz="457200" rtl="0" fontAlgn="base">
+              <a:spcBef>
+                <a:spcPct val="0"/>
+              </a:spcBef>
+              <a:spcAft>
+                <a:spcPct val="0"/>
+              </a:spcAft>
+              <a:defRPr sz="2400" b="1">
+                <a:solidFill>
+                  <a:srgbClr val="595959"/>
+                </a:solidFill>
+                <a:latin typeface="Arial" panose="020B0604020202020204" pitchFamily="34" charset="0"/>
+                <a:cs typeface="Arial" panose="020B0604020202020204" pitchFamily="34" charset="0"/>
+              </a:defRPr>
+            </a:lvl3pPr>
+            <a:lvl4pPr algn="l" defTabSz="457200" rtl="0" fontAlgn="base">
+              <a:spcBef>
+                <a:spcPct val="0"/>
+              </a:spcBef>
+              <a:spcAft>
+                <a:spcPct val="0"/>
+              </a:spcAft>
+              <a:defRPr sz="2400" b="1">
+                <a:solidFill>
+                  <a:srgbClr val="595959"/>
+                </a:solidFill>
+                <a:latin typeface="Arial" panose="020B0604020202020204" pitchFamily="34" charset="0"/>
+                <a:cs typeface="Arial" panose="020B0604020202020204" pitchFamily="34" charset="0"/>
+              </a:defRPr>
+            </a:lvl4pPr>
+            <a:lvl5pPr algn="l" defTabSz="457200" rtl="0" fontAlgn="base">
+              <a:spcBef>
+                <a:spcPct val="0"/>
+              </a:spcBef>
+              <a:spcAft>
+                <a:spcPct val="0"/>
+              </a:spcAft>
+              <a:defRPr sz="2400" b="1">
+                <a:solidFill>
+                  <a:srgbClr val="595959"/>
+                </a:solidFill>
+                <a:latin typeface="Arial" panose="020B0604020202020204" pitchFamily="34" charset="0"/>
+                <a:cs typeface="Arial" panose="020B0604020202020204" pitchFamily="34" charset="0"/>
+              </a:defRPr>
+            </a:lvl5pPr>
+            <a:lvl6pPr eaLnBrk="1" hangingPunct="1">
+              <a:defRPr>
+                <a:solidFill>
+                  <a:schemeClr val="tx2"/>
+                </a:solidFill>
+              </a:defRPr>
+            </a:lvl6pPr>
+            <a:lvl7pPr eaLnBrk="1" hangingPunct="1">
+              <a:defRPr>
+                <a:solidFill>
+                  <a:schemeClr val="tx2"/>
+                </a:solidFill>
+              </a:defRPr>
+            </a:lvl7pPr>
+            <a:lvl8pPr eaLnBrk="1" hangingPunct="1">
+              <a:defRPr>
+                <a:solidFill>
+                  <a:schemeClr val="tx2"/>
+                </a:solidFill>
+              </a:defRPr>
+            </a:lvl8pPr>
+            <a:lvl9pPr eaLnBrk="1" hangingPunct="1">
+              <a:defRPr>
+                <a:solidFill>
+                  <a:schemeClr val="tx2"/>
+                </a:solidFill>
+              </a:defRPr>
+            </a:lvl9pPr>
+          </a:lstStyle>
+          <a:p>
+            <a:pPr eaLnBrk="1" hangingPunct="1"/>
+            <a:r>
+              <a:rPr lang="it-IT">
+                <a:solidFill>
+                  <a:schemeClr val="tx1"/>
+                </a:solidFill>
+                <a:latin typeface="Tahoma" panose="020B0604030504040204" pitchFamily="34" charset="0"/>
+                <a:ea typeface="Tahoma" panose="020B0604030504040204" pitchFamily="34" charset="0"/>
+                <a:cs typeface="Tahoma" panose="020B0604030504040204" pitchFamily="34" charset="0"/>
+              </a:rPr>
+              <a:t>Calcolare la Complessità Temporale di un Algoritmo</a:t>
+            </a:r>
+            <a:endParaRPr lang="it-IT" dirty="0"/>
+          </a:p>
+        </p:txBody>
+      </p:sp>
+      <p:pic>
+        <p:nvPicPr>
+          <p:cNvPr id="9" name="Immagine 8"/>
+          <p:cNvPicPr>
+            <a:picLocks noChangeAspect="1"/>
+          </p:cNvPicPr>
+          <p:nvPr/>
+        </p:nvPicPr>
+        <p:blipFill>
+          <a:blip r:embed="rId2"/>
+          <a:stretch>
+            <a:fillRect/>
+          </a:stretch>
+        </p:blipFill>
+        <p:spPr>
+          <a:xfrm>
+            <a:off x="1524229" y="1449907"/>
+            <a:ext cx="9487900" cy="5127001"/>
+          </a:xfrm>
+          <a:prstGeom prst="rect">
+            <a:avLst/>
+          </a:prstGeom>
+        </p:spPr>
+      </p:pic>
+    </p:spTree>
+    <p:extLst>
+      <p:ext uri="{BB962C8B-B14F-4D97-AF65-F5344CB8AC3E}">
+        <p14:creationId xmlns:p14="http://schemas.microsoft.com/office/powerpoint/2010/main" val="1077414182"/>
+      </p:ext>
+    </p:extLst>
+  </p:cSld>
+  <p:clrMapOvr>
+    <a:masterClrMapping/>
+  </p:clrMapOvr>
+</p:sld>
+</file>
+
+<file path=ppt/slides/slide21.xml><?xml version="1.0" encoding="utf-8"?>
+<p:sld xmlns:a="http://schemas.openxmlformats.org/drawingml/2006/main" xmlns:r="http://schemas.openxmlformats.org/officeDocument/2006/relationships" xmlns:p="http://schemas.openxmlformats.org/presentationml/2006/main">
+  <p:cSld>
+    <p:spTree>
+      <p:nvGrpSpPr>
+        <p:cNvPr id="1" name=""/>
+        <p:cNvGrpSpPr/>
+        <p:nvPr/>
+      </p:nvGrpSpPr>
+      <p:grpSpPr>
+        <a:xfrm>
+          <a:off x="0" y="0"/>
+          <a:ext cx="0" cy="0"/>
+          <a:chOff x="0" y="0"/>
+          <a:chExt cx="0" cy="0"/>
+        </a:xfrm>
+      </p:grpSpPr>
+      <p:sp>
+        <p:nvSpPr>
+          <p:cNvPr id="3" name="Segnaposto testo 2">
+            <a:extLst>
+              <a:ext uri="{FF2B5EF4-FFF2-40B4-BE49-F238E27FC236}">
+                <a16:creationId xmlns:a16="http://schemas.microsoft.com/office/drawing/2014/main" id="{F15B28AB-8720-E62B-6D01-393C590EDE2E}"/>
+              </a:ext>
+            </a:extLst>
+          </p:cNvPr>
+          <p:cNvSpPr>
+            <a:spLocks noGrp="1"/>
+          </p:cNvSpPr>
+          <p:nvPr>
+            <p:ph type="body" idx="1"/>
+          </p:nvPr>
+        </p:nvSpPr>
+        <p:spPr>
+          <a:xfrm>
+            <a:off x="825119" y="1736037"/>
+            <a:ext cx="5502041" cy="4392612"/>
+          </a:xfrm>
+        </p:spPr>
+        <p:txBody>
+          <a:bodyPr/>
+          <a:lstStyle/>
+          <a:p>
+            <a:pPr marL="342900" indent="-342900">
+              <a:buFont typeface="Wingdings" panose="05000000000000000000" pitchFamily="2" charset="2"/>
+              <a:buChar char="ü"/>
+            </a:pPr>
+            <a:r>
+              <a:rPr lang="it-IT" sz="2400" dirty="0" smtClean="0">
+                <a:latin typeface="Tahoma" panose="020B0604030504040204" pitchFamily="34" charset="0"/>
+                <a:ea typeface="Tahoma" panose="020B0604030504040204" pitchFamily="34" charset="0"/>
+                <a:cs typeface="Tahoma" panose="020B0604030504040204" pitchFamily="34" charset="0"/>
+              </a:rPr>
+              <a:t>Pertanto</a:t>
+            </a:r>
+            <a:r>
+              <a:rPr lang="it-IT" sz="2400" dirty="0">
+                <a:latin typeface="Tahoma" panose="020B0604030504040204" pitchFamily="34" charset="0"/>
+                <a:ea typeface="Tahoma" panose="020B0604030504040204" pitchFamily="34" charset="0"/>
+                <a:cs typeface="Tahoma" panose="020B0604030504040204" pitchFamily="34" charset="0"/>
+              </a:rPr>
+              <a:t>, la terza riga del codice viene eseguita (n-i-1)+1 volte ossia</a:t>
+            </a:r>
+            <a:r>
+              <a:rPr lang="it-IT" sz="2400" b="1" dirty="0">
+                <a:latin typeface="Tahoma" panose="020B0604030504040204" pitchFamily="34" charset="0"/>
+                <a:ea typeface="Tahoma" panose="020B0604030504040204" pitchFamily="34" charset="0"/>
+                <a:cs typeface="Tahoma" panose="020B0604030504040204" pitchFamily="34" charset="0"/>
+              </a:rPr>
+              <a:t> n-i volte</a:t>
+            </a:r>
+            <a:r>
+              <a:rPr lang="it-IT" sz="2400" dirty="0">
+                <a:latin typeface="Tahoma" panose="020B0604030504040204" pitchFamily="34" charset="0"/>
+                <a:ea typeface="Tahoma" panose="020B0604030504040204" pitchFamily="34" charset="0"/>
+                <a:cs typeface="Tahoma" panose="020B0604030504040204" pitchFamily="34" charset="0"/>
+              </a:rPr>
+              <a:t> per ogni i</a:t>
+            </a:r>
+            <a:r>
+              <a:rPr lang="it-IT" sz="2400" dirty="0" smtClean="0">
+                <a:latin typeface="Tahoma" panose="020B0604030504040204" pitchFamily="34" charset="0"/>
+                <a:ea typeface="Tahoma" panose="020B0604030504040204" pitchFamily="34" charset="0"/>
+                <a:cs typeface="Tahoma" panose="020B0604030504040204" pitchFamily="34" charset="0"/>
+              </a:rPr>
+              <a:t>.</a:t>
+            </a:r>
+            <a:endParaRPr lang="it-IT" sz="2400" dirty="0">
+              <a:latin typeface="Tahoma" panose="020B0604030504040204" pitchFamily="34" charset="0"/>
+              <a:ea typeface="Tahoma" panose="020B0604030504040204" pitchFamily="34" charset="0"/>
+              <a:cs typeface="Tahoma" panose="020B0604030504040204" pitchFamily="34" charset="0"/>
+            </a:endParaRPr>
+          </a:p>
+          <a:p>
+            <a:pPr marL="342900" indent="-342900">
+              <a:buFont typeface="Wingdings" panose="05000000000000000000" pitchFamily="2" charset="2"/>
+              <a:buChar char="ü"/>
+            </a:pPr>
+            <a:r>
+              <a:rPr lang="it-IT" sz="2400" dirty="0">
+                <a:latin typeface="Tahoma" panose="020B0604030504040204" pitchFamily="34" charset="0"/>
+                <a:ea typeface="Tahoma" panose="020B0604030504040204" pitchFamily="34" charset="0"/>
+                <a:cs typeface="Tahoma" panose="020B0604030504040204" pitchFamily="34" charset="0"/>
+              </a:rPr>
+              <a:t>Ma quante volte varia </a:t>
+            </a:r>
+            <a:r>
+              <a:rPr lang="it-IT" sz="2400" dirty="0" smtClean="0">
+                <a:latin typeface="Tahoma" panose="020B0604030504040204" pitchFamily="34" charset="0"/>
+                <a:ea typeface="Tahoma" panose="020B0604030504040204" pitchFamily="34" charset="0"/>
+                <a:cs typeface="Tahoma" panose="020B0604030504040204" pitchFamily="34" charset="0"/>
+              </a:rPr>
+              <a:t>i?</a:t>
+            </a:r>
+          </a:p>
+          <a:p>
+            <a:pPr marL="342900" indent="-342900">
+              <a:buFont typeface="Wingdings" panose="05000000000000000000" pitchFamily="2" charset="2"/>
+              <a:buChar char="ü"/>
+            </a:pPr>
+            <a:r>
+              <a:rPr lang="it-IT" sz="2400" dirty="0" smtClean="0">
+                <a:latin typeface="Tahoma" panose="020B0604030504040204" pitchFamily="34" charset="0"/>
+                <a:ea typeface="Tahoma" panose="020B0604030504040204" pitchFamily="34" charset="0"/>
+                <a:cs typeface="Tahoma" panose="020B0604030504040204" pitchFamily="34" charset="0"/>
+              </a:rPr>
+              <a:t>Guardando </a:t>
+            </a:r>
+            <a:r>
+              <a:rPr lang="it-IT" sz="2400" dirty="0">
+                <a:latin typeface="Tahoma" panose="020B0604030504040204" pitchFamily="34" charset="0"/>
+                <a:ea typeface="Tahoma" panose="020B0604030504040204" pitchFamily="34" charset="0"/>
+                <a:cs typeface="Tahoma" panose="020B0604030504040204" pitchFamily="34" charset="0"/>
+              </a:rPr>
+              <a:t>il ciclo esterno l'indice i varia da 0 a </a:t>
+            </a:r>
+            <a:r>
+              <a:rPr lang="it-IT" sz="2400" dirty="0" smtClean="0">
+                <a:latin typeface="Tahoma" panose="020B0604030504040204" pitchFamily="34" charset="0"/>
+                <a:ea typeface="Tahoma" panose="020B0604030504040204" pitchFamily="34" charset="0"/>
+                <a:cs typeface="Tahoma" panose="020B0604030504040204" pitchFamily="34" charset="0"/>
+              </a:rPr>
+              <a:t>n-2.</a:t>
+            </a:r>
+          </a:p>
+          <a:p>
+            <a:pPr marL="342900" indent="-342900">
+              <a:buFont typeface="Wingdings" panose="05000000000000000000" pitchFamily="2" charset="2"/>
+              <a:buChar char="ü"/>
+            </a:pPr>
+            <a:r>
+              <a:rPr lang="it-IT" sz="2400" dirty="0" smtClean="0">
+                <a:latin typeface="Tahoma" panose="020B0604030504040204" pitchFamily="34" charset="0"/>
+                <a:ea typeface="Tahoma" panose="020B0604030504040204" pitchFamily="34" charset="0"/>
+                <a:cs typeface="Tahoma" panose="020B0604030504040204" pitchFamily="34" charset="0"/>
+              </a:rPr>
+              <a:t>Quindi </a:t>
+            </a:r>
+            <a:r>
+              <a:rPr lang="it-IT" sz="2400" dirty="0">
+                <a:latin typeface="Tahoma" panose="020B0604030504040204" pitchFamily="34" charset="0"/>
+                <a:ea typeface="Tahoma" panose="020B0604030504040204" pitchFamily="34" charset="0"/>
+                <a:cs typeface="Tahoma" panose="020B0604030504040204" pitchFamily="34" charset="0"/>
+              </a:rPr>
+              <a:t>per calcolare il numero di volte che viene eseguito il ciclo interno devo calcolare la seguente sommatoria.</a:t>
+            </a:r>
+          </a:p>
+          <a:p>
+            <a:pPr marL="342900" indent="-342900">
+              <a:buFont typeface="Wingdings" panose="05000000000000000000" pitchFamily="2" charset="2"/>
+              <a:buChar char="ü"/>
+            </a:pPr>
+            <a:endParaRPr lang="it-IT" sz="2400" dirty="0">
+              <a:latin typeface="Tahoma" panose="020B0604030504040204" pitchFamily="34" charset="0"/>
+              <a:ea typeface="Tahoma" panose="020B0604030504040204" pitchFamily="34" charset="0"/>
+              <a:cs typeface="Tahoma" panose="020B0604030504040204" pitchFamily="34" charset="0"/>
+            </a:endParaRPr>
+          </a:p>
+          <a:p>
+            <a:pPr marL="342900" indent="-342900">
+              <a:buFont typeface="Wingdings" panose="05000000000000000000" pitchFamily="2" charset="2"/>
+              <a:buChar char="ü"/>
+            </a:pPr>
+            <a:endParaRPr lang="it-IT" sz="2400" dirty="0">
+              <a:latin typeface="Tahoma" panose="020B0604030504040204" pitchFamily="34" charset="0"/>
+              <a:ea typeface="Tahoma" panose="020B0604030504040204" pitchFamily="34" charset="0"/>
+              <a:cs typeface="Tahoma" panose="020B0604030504040204" pitchFamily="34" charset="0"/>
+            </a:endParaRPr>
+          </a:p>
+          <a:p>
+            <a:pPr marL="342900" indent="-342900">
+              <a:buFont typeface="Wingdings" panose="05000000000000000000" pitchFamily="2" charset="2"/>
+              <a:buChar char="ü"/>
+            </a:pPr>
+            <a:endParaRPr lang="it-IT" sz="2400" dirty="0">
+              <a:solidFill>
+                <a:srgbClr val="000000"/>
+              </a:solidFill>
+              <a:latin typeface="Tahoma" panose="020B0604030504040204" pitchFamily="34" charset="0"/>
+              <a:ea typeface="Tahoma" panose="020B0604030504040204" pitchFamily="34" charset="0"/>
+              <a:cs typeface="Tahoma" panose="020B0604030504040204" pitchFamily="34" charset="0"/>
+            </a:endParaRPr>
+          </a:p>
+          <a:p>
+            <a:pPr algn="l"/>
+            <a:endParaRPr lang="it-IT" sz="2400" b="0" i="0" dirty="0">
+              <a:solidFill>
+                <a:srgbClr val="000000"/>
+              </a:solidFill>
+              <a:effectLst/>
+              <a:latin typeface="Tahoma" panose="020B0604030504040204" pitchFamily="34" charset="0"/>
+              <a:ea typeface="Tahoma" panose="020B0604030504040204" pitchFamily="34" charset="0"/>
+              <a:cs typeface="Tahoma" panose="020B0604030504040204" pitchFamily="34" charset="0"/>
+            </a:endParaRPr>
+          </a:p>
+          <a:p>
+            <a:pPr marL="342900" indent="-342900">
+              <a:buFont typeface="Wingdings" panose="05000000000000000000" pitchFamily="2" charset="2"/>
+              <a:buChar char="ü"/>
+            </a:pPr>
+            <a:endParaRPr lang="it-IT" sz="2400" dirty="0">
+              <a:solidFill>
+                <a:srgbClr val="000000"/>
+              </a:solidFill>
+              <a:latin typeface="Tahoma" panose="020B0604030504040204" pitchFamily="34" charset="0"/>
+              <a:ea typeface="Tahoma" panose="020B0604030504040204" pitchFamily="34" charset="0"/>
+              <a:cs typeface="Tahoma" panose="020B0604030504040204" pitchFamily="34" charset="0"/>
+            </a:endParaRPr>
+          </a:p>
+          <a:p>
+            <a:pPr marL="342900" indent="-342900">
+              <a:buFont typeface="Wingdings" panose="05000000000000000000" pitchFamily="2" charset="2"/>
+              <a:buChar char="ü"/>
+            </a:pPr>
+            <a:endParaRPr lang="it-IT" sz="2400" dirty="0">
+              <a:solidFill>
+                <a:srgbClr val="000000"/>
+              </a:solidFill>
+              <a:latin typeface="Tahoma" panose="020B0604030504040204" pitchFamily="34" charset="0"/>
+              <a:ea typeface="Tahoma" panose="020B0604030504040204" pitchFamily="34" charset="0"/>
+              <a:cs typeface="Tahoma" panose="020B0604030504040204" pitchFamily="34" charset="0"/>
+            </a:endParaRPr>
+          </a:p>
+        </p:txBody>
+      </p:sp>
+      <p:sp>
+        <p:nvSpPr>
+          <p:cNvPr id="7" name="Segnaposto numero diapositiva 6">
+            <a:extLst>
+              <a:ext uri="{FF2B5EF4-FFF2-40B4-BE49-F238E27FC236}">
+                <a16:creationId xmlns:a16="http://schemas.microsoft.com/office/drawing/2014/main" id="{AB740BE9-E218-4144-BFDE-AE473D230A3D}"/>
+              </a:ext>
+            </a:extLst>
+          </p:cNvPr>
+          <p:cNvSpPr>
+            <a:spLocks noGrp="1"/>
+          </p:cNvSpPr>
+          <p:nvPr>
+            <p:ph type="sldNum" sz="quarter" idx="12"/>
+          </p:nvPr>
+        </p:nvSpPr>
+        <p:spPr/>
+        <p:txBody>
+          <a:bodyPr/>
+          <a:lstStyle/>
+          <a:p>
+            <a:pPr>
+              <a:defRPr/>
+            </a:pPr>
+            <a:fld id="{48B4153A-D4C5-4CEF-8992-0D8815C829E3}" type="slidenum">
+              <a:rPr lang="en-US" smtClean="0"/>
+              <a:pPr>
+                <a:defRPr/>
+              </a:pPr>
+              <a:t>21</a:t>
+            </a:fld>
+            <a:endParaRPr lang="en-US" dirty="0"/>
+          </a:p>
+        </p:txBody>
+      </p:sp>
+      <p:sp>
+        <p:nvSpPr>
+          <p:cNvPr id="4" name="Titolo 4">
+            <a:extLst>
+              <a:ext uri="{FF2B5EF4-FFF2-40B4-BE49-F238E27FC236}">
+                <a16:creationId xmlns:a16="http://schemas.microsoft.com/office/drawing/2014/main" id="{B0CAFD71-4F5B-319A-8F68-C27ACA49FC3B}"/>
+              </a:ext>
+            </a:extLst>
+          </p:cNvPr>
+          <p:cNvSpPr txBox="1">
+            <a:spLocks/>
+          </p:cNvSpPr>
+          <p:nvPr/>
+        </p:nvSpPr>
+        <p:spPr bwMode="auto">
+          <a:xfrm>
+            <a:off x="397304" y="410627"/>
+            <a:ext cx="11269662" cy="384721"/>
+          </a:xfrm>
+          <a:prstGeom prst="rect">
+            <a:avLst/>
+          </a:prstGeom>
+          <a:noFill/>
+          <a:ln>
+            <a:noFill/>
+          </a:ln>
+          <a:extLst>
+            <a:ext uri="{909E8E84-426E-40DD-AFC4-6F175D3DCCD1}">
+              <a14:hiddenFill xmlns:a14="http://schemas.microsoft.com/office/drawing/2010/main">
+                <a:solidFill>
+                  <a:srgbClr val="FFFFFF"/>
+                </a:solidFill>
+              </a14:hiddenFill>
+            </a:ext>
+            <a:ext uri="{91240B29-F687-4F45-9708-019B960494DF}">
+              <a14:hiddenLine xmlns:a14="http://schemas.microsoft.com/office/drawing/2010/main" w="9525">
+                <a:solidFill>
+                  <a:srgbClr val="000000"/>
+                </a:solidFill>
+                <a:miter lim="800000"/>
+                <a:headEnd/>
+                <a:tailEnd/>
+              </a14:hiddenLine>
+            </a:ext>
+          </a:extLst>
+        </p:spPr>
+        <p:txBody>
+          <a:bodyPr vert="horz" wrap="square" lIns="0" tIns="0" rIns="0" bIns="0" numCol="1" rtlCol="0" anchor="b" anchorCtr="0" compatLnSpc="1">
+            <a:prstTxWarp prst="textNoShape">
+              <a:avLst/>
+            </a:prstTxWarp>
+            <a:spAutoFit/>
+          </a:bodyPr>
+          <a:lstStyle>
+            <a:lvl1pPr algn="l" defTabSz="457200" rtl="0" fontAlgn="base">
+              <a:lnSpc>
+                <a:spcPts val="3000"/>
+              </a:lnSpc>
+              <a:spcBef>
+                <a:spcPct val="0"/>
+              </a:spcBef>
+              <a:spcAft>
+                <a:spcPct val="0"/>
+              </a:spcAft>
+              <a:defRPr sz="2800" b="1" kern="1200" cap="none" baseline="0">
+                <a:solidFill>
+                  <a:srgbClr val="595959"/>
+                </a:solidFill>
+                <a:latin typeface="Arial" panose="020B0604020202020204" pitchFamily="34" charset="0"/>
+                <a:ea typeface="+mj-ea"/>
+                <a:cs typeface="Arial" panose="020B0604020202020204" pitchFamily="34" charset="0"/>
+              </a:defRPr>
+            </a:lvl1pPr>
+            <a:lvl2pPr algn="l" defTabSz="457200" rtl="0" fontAlgn="base">
+              <a:spcBef>
+                <a:spcPct val="0"/>
+              </a:spcBef>
+              <a:spcAft>
+                <a:spcPct val="0"/>
+              </a:spcAft>
+              <a:defRPr sz="2400" b="1">
+                <a:solidFill>
+                  <a:srgbClr val="595959"/>
+                </a:solidFill>
+                <a:latin typeface="Arial" panose="020B0604020202020204" pitchFamily="34" charset="0"/>
+                <a:cs typeface="Arial" panose="020B0604020202020204" pitchFamily="34" charset="0"/>
+              </a:defRPr>
+            </a:lvl2pPr>
+            <a:lvl3pPr algn="l" defTabSz="457200" rtl="0" fontAlgn="base">
+              <a:spcBef>
+                <a:spcPct val="0"/>
+              </a:spcBef>
+              <a:spcAft>
+                <a:spcPct val="0"/>
+              </a:spcAft>
+              <a:defRPr sz="2400" b="1">
+                <a:solidFill>
+                  <a:srgbClr val="595959"/>
+                </a:solidFill>
+                <a:latin typeface="Arial" panose="020B0604020202020204" pitchFamily="34" charset="0"/>
+                <a:cs typeface="Arial" panose="020B0604020202020204" pitchFamily="34" charset="0"/>
+              </a:defRPr>
+            </a:lvl3pPr>
+            <a:lvl4pPr algn="l" defTabSz="457200" rtl="0" fontAlgn="base">
+              <a:spcBef>
+                <a:spcPct val="0"/>
+              </a:spcBef>
+              <a:spcAft>
+                <a:spcPct val="0"/>
+              </a:spcAft>
+              <a:defRPr sz="2400" b="1">
+                <a:solidFill>
+                  <a:srgbClr val="595959"/>
+                </a:solidFill>
+                <a:latin typeface="Arial" panose="020B0604020202020204" pitchFamily="34" charset="0"/>
+                <a:cs typeface="Arial" panose="020B0604020202020204" pitchFamily="34" charset="0"/>
+              </a:defRPr>
+            </a:lvl4pPr>
+            <a:lvl5pPr algn="l" defTabSz="457200" rtl="0" fontAlgn="base">
+              <a:spcBef>
+                <a:spcPct val="0"/>
+              </a:spcBef>
+              <a:spcAft>
+                <a:spcPct val="0"/>
+              </a:spcAft>
+              <a:defRPr sz="2400" b="1">
+                <a:solidFill>
+                  <a:srgbClr val="595959"/>
+                </a:solidFill>
+                <a:latin typeface="Arial" panose="020B0604020202020204" pitchFamily="34" charset="0"/>
+                <a:cs typeface="Arial" panose="020B0604020202020204" pitchFamily="34" charset="0"/>
+              </a:defRPr>
+            </a:lvl5pPr>
+            <a:lvl6pPr eaLnBrk="1" hangingPunct="1">
+              <a:defRPr>
+                <a:solidFill>
+                  <a:schemeClr val="tx2"/>
+                </a:solidFill>
+              </a:defRPr>
+            </a:lvl6pPr>
+            <a:lvl7pPr eaLnBrk="1" hangingPunct="1">
+              <a:defRPr>
+                <a:solidFill>
+                  <a:schemeClr val="tx2"/>
+                </a:solidFill>
+              </a:defRPr>
+            </a:lvl7pPr>
+            <a:lvl8pPr eaLnBrk="1" hangingPunct="1">
+              <a:defRPr>
+                <a:solidFill>
+                  <a:schemeClr val="tx2"/>
+                </a:solidFill>
+              </a:defRPr>
+            </a:lvl8pPr>
+            <a:lvl9pPr eaLnBrk="1" hangingPunct="1">
+              <a:defRPr>
+                <a:solidFill>
+                  <a:schemeClr val="tx2"/>
+                </a:solidFill>
+              </a:defRPr>
+            </a:lvl9pPr>
+          </a:lstStyle>
+          <a:p>
+            <a:pPr eaLnBrk="1" hangingPunct="1"/>
+            <a:r>
+              <a:rPr lang="it-IT">
+                <a:solidFill>
+                  <a:schemeClr val="tx1"/>
+                </a:solidFill>
+                <a:latin typeface="Tahoma" panose="020B0604030504040204" pitchFamily="34" charset="0"/>
+                <a:ea typeface="Tahoma" panose="020B0604030504040204" pitchFamily="34" charset="0"/>
+                <a:cs typeface="Tahoma" panose="020B0604030504040204" pitchFamily="34" charset="0"/>
+              </a:rPr>
+              <a:t>Calcolare la Complessità Temporale di un Algoritmo</a:t>
+            </a:r>
+            <a:endParaRPr lang="it-IT" dirty="0"/>
+          </a:p>
+        </p:txBody>
+      </p:sp>
+      <p:pic>
+        <p:nvPicPr>
+          <p:cNvPr id="6" name="Immagine 5"/>
+          <p:cNvPicPr>
+            <a:picLocks noChangeAspect="1"/>
+          </p:cNvPicPr>
+          <p:nvPr/>
+        </p:nvPicPr>
+        <p:blipFill>
+          <a:blip r:embed="rId2"/>
+          <a:stretch>
+            <a:fillRect/>
+          </a:stretch>
+        </p:blipFill>
+        <p:spPr>
+          <a:xfrm>
+            <a:off x="6759224" y="2305744"/>
+            <a:ext cx="4740999" cy="2423572"/>
+          </a:xfrm>
+          <a:prstGeom prst="rect">
+            <a:avLst/>
+          </a:prstGeom>
+        </p:spPr>
+      </p:pic>
+    </p:spTree>
+    <p:extLst>
+      <p:ext uri="{BB962C8B-B14F-4D97-AF65-F5344CB8AC3E}">
+        <p14:creationId xmlns:p14="http://schemas.microsoft.com/office/powerpoint/2010/main" val="4193547553"/>
+      </p:ext>
+    </p:extLst>
+  </p:cSld>
+  <p:clrMapOvr>
+    <a:masterClrMapping/>
+  </p:clrMapOvr>
+</p:sld>
+</file>
+
+<file path=ppt/slides/slide22.xml><?xml version="1.0" encoding="utf-8"?>
+<p:sld xmlns:a="http://schemas.openxmlformats.org/drawingml/2006/main" xmlns:r="http://schemas.openxmlformats.org/officeDocument/2006/relationships" xmlns:p="http://schemas.openxmlformats.org/presentationml/2006/main">
+  <p:cSld>
+    <p:spTree>
+      <p:nvGrpSpPr>
+        <p:cNvPr id="1" name=""/>
+        <p:cNvGrpSpPr/>
+        <p:nvPr/>
+      </p:nvGrpSpPr>
+      <p:grpSpPr>
+        <a:xfrm>
+          <a:off x="0" y="0"/>
+          <a:ext cx="0" cy="0"/>
+          <a:chOff x="0" y="0"/>
+          <a:chExt cx="0" cy="0"/>
+        </a:xfrm>
+      </p:grpSpPr>
+      <p:sp>
+        <p:nvSpPr>
+          <p:cNvPr id="3" name="Segnaposto testo 2">
+            <a:extLst>
+              <a:ext uri="{FF2B5EF4-FFF2-40B4-BE49-F238E27FC236}">
+                <a16:creationId xmlns:a16="http://schemas.microsoft.com/office/drawing/2014/main" id="{F15B28AB-8720-E62B-6D01-393C590EDE2E}"/>
+              </a:ext>
+            </a:extLst>
+          </p:cNvPr>
+          <p:cNvSpPr>
+            <a:spLocks noGrp="1"/>
+          </p:cNvSpPr>
+          <p:nvPr>
+            <p:ph type="body" idx="1"/>
+          </p:nvPr>
+        </p:nvSpPr>
+        <p:spPr>
+          <a:xfrm>
+            <a:off x="825120" y="1399980"/>
+            <a:ext cx="3953358" cy="4392612"/>
+          </a:xfrm>
+        </p:spPr>
+        <p:txBody>
+          <a:bodyPr/>
+          <a:lstStyle/>
+          <a:p>
+            <a:pPr marL="342900" indent="-342900">
+              <a:buFont typeface="Wingdings" panose="05000000000000000000" pitchFamily="2" charset="2"/>
+              <a:buChar char="ü"/>
+            </a:pPr>
+            <a:r>
+              <a:rPr lang="it-IT" sz="2400" dirty="0" smtClean="0">
+                <a:latin typeface="Tahoma" panose="020B0604030504040204" pitchFamily="34" charset="0"/>
+                <a:ea typeface="Tahoma" panose="020B0604030504040204" pitchFamily="34" charset="0"/>
+                <a:cs typeface="Tahoma" panose="020B0604030504040204" pitchFamily="34" charset="0"/>
+              </a:rPr>
+              <a:t>Per </a:t>
+            </a:r>
+            <a:r>
+              <a:rPr lang="it-IT" sz="2400" dirty="0">
+                <a:latin typeface="Tahoma" panose="020B0604030504040204" pitchFamily="34" charset="0"/>
+                <a:ea typeface="Tahoma" panose="020B0604030504040204" pitchFamily="34" charset="0"/>
+                <a:cs typeface="Tahoma" panose="020B0604030504040204" pitchFamily="34" charset="0"/>
+              </a:rPr>
+              <a:t>semplificare il calcolo scorporo la sommatoria in tre distinti </a:t>
+            </a:r>
+            <a:r>
+              <a:rPr lang="it-IT" sz="2400" dirty="0" smtClean="0">
+                <a:latin typeface="Tahoma" panose="020B0604030504040204" pitchFamily="34" charset="0"/>
+                <a:ea typeface="Tahoma" panose="020B0604030504040204" pitchFamily="34" charset="0"/>
+                <a:cs typeface="Tahoma" panose="020B0604030504040204" pitchFamily="34" charset="0"/>
+              </a:rPr>
+              <a:t>elementi.</a:t>
+            </a:r>
+          </a:p>
+          <a:p>
+            <a:pPr marL="342900" indent="-342900">
+              <a:buFont typeface="Wingdings" panose="05000000000000000000" pitchFamily="2" charset="2"/>
+              <a:buChar char="ü"/>
+            </a:pPr>
+            <a:r>
+              <a:rPr lang="it-IT" sz="2400" dirty="0">
+                <a:latin typeface="Tahoma" panose="020B0604030504040204" pitchFamily="34" charset="0"/>
+                <a:ea typeface="Tahoma" panose="020B0604030504040204" pitchFamily="34" charset="0"/>
+                <a:cs typeface="Tahoma" panose="020B0604030504040204" pitchFamily="34" charset="0"/>
+              </a:rPr>
+              <a:t>A questo punto risolvo le tre sommatorie singolarmente, generalizzando il numero delle esecuzioni per n</a:t>
+            </a:r>
+            <a:r>
+              <a:rPr lang="it-IT" sz="2400" dirty="0" smtClean="0">
+                <a:latin typeface="Tahoma" panose="020B0604030504040204" pitchFamily="34" charset="0"/>
+                <a:ea typeface="Tahoma" panose="020B0604030504040204" pitchFamily="34" charset="0"/>
+                <a:cs typeface="Tahoma" panose="020B0604030504040204" pitchFamily="34" charset="0"/>
+              </a:rPr>
+              <a:t>.</a:t>
+            </a:r>
+          </a:p>
+          <a:p>
+            <a:pPr marL="342900" indent="-342900">
+              <a:buFont typeface="Wingdings" panose="05000000000000000000" pitchFamily="2" charset="2"/>
+              <a:buChar char="ü"/>
+            </a:pPr>
+            <a:r>
+              <a:rPr lang="it-IT" sz="2400" dirty="0">
+                <a:latin typeface="Tahoma" panose="020B0604030504040204" pitchFamily="34" charset="0"/>
+                <a:ea typeface="Tahoma" panose="020B0604030504040204" pitchFamily="34" charset="0"/>
+                <a:cs typeface="Tahoma" panose="020B0604030504040204" pitchFamily="34" charset="0"/>
+              </a:rPr>
+              <a:t>La prima componente viene eseguita </a:t>
+            </a:r>
+            <a:r>
+              <a:rPr lang="it-IT" sz="2400" b="1" dirty="0">
+                <a:latin typeface="Tahoma" panose="020B0604030504040204" pitchFamily="34" charset="0"/>
+                <a:ea typeface="Tahoma" panose="020B0604030504040204" pitchFamily="34" charset="0"/>
+                <a:cs typeface="Tahoma" panose="020B0604030504040204" pitchFamily="34" charset="0"/>
+              </a:rPr>
+              <a:t>n(n-1) volte</a:t>
+            </a:r>
+            <a:r>
+              <a:rPr lang="it-IT" sz="2400" dirty="0"/>
+              <a:t>.</a:t>
+            </a:r>
+            <a:endParaRPr lang="it-IT" sz="2400" dirty="0">
+              <a:solidFill>
+                <a:srgbClr val="000000"/>
+              </a:solidFill>
+              <a:latin typeface="Tahoma" panose="020B0604030504040204" pitchFamily="34" charset="0"/>
+              <a:ea typeface="Tahoma" panose="020B0604030504040204" pitchFamily="34" charset="0"/>
+              <a:cs typeface="Tahoma" panose="020B0604030504040204" pitchFamily="34" charset="0"/>
+            </a:endParaRPr>
+          </a:p>
+        </p:txBody>
+      </p:sp>
+      <p:sp>
+        <p:nvSpPr>
+          <p:cNvPr id="7" name="Segnaposto numero diapositiva 6">
+            <a:extLst>
+              <a:ext uri="{FF2B5EF4-FFF2-40B4-BE49-F238E27FC236}">
+                <a16:creationId xmlns:a16="http://schemas.microsoft.com/office/drawing/2014/main" id="{AB740BE9-E218-4144-BFDE-AE473D230A3D}"/>
+              </a:ext>
+            </a:extLst>
+          </p:cNvPr>
+          <p:cNvSpPr>
+            <a:spLocks noGrp="1"/>
+          </p:cNvSpPr>
+          <p:nvPr>
+            <p:ph type="sldNum" sz="quarter" idx="12"/>
+          </p:nvPr>
+        </p:nvSpPr>
+        <p:spPr/>
+        <p:txBody>
+          <a:bodyPr/>
+          <a:lstStyle/>
+          <a:p>
+            <a:pPr>
+              <a:defRPr/>
+            </a:pPr>
+            <a:fld id="{48B4153A-D4C5-4CEF-8992-0D8815C829E3}" type="slidenum">
+              <a:rPr lang="en-US" smtClean="0"/>
+              <a:pPr>
+                <a:defRPr/>
+              </a:pPr>
+              <a:t>22</a:t>
+            </a:fld>
+            <a:endParaRPr lang="en-US" dirty="0"/>
+          </a:p>
+        </p:txBody>
+      </p:sp>
+      <p:sp>
+        <p:nvSpPr>
+          <p:cNvPr id="4" name="Titolo 4">
+            <a:extLst>
+              <a:ext uri="{FF2B5EF4-FFF2-40B4-BE49-F238E27FC236}">
+                <a16:creationId xmlns:a16="http://schemas.microsoft.com/office/drawing/2014/main" id="{B0CAFD71-4F5B-319A-8F68-C27ACA49FC3B}"/>
+              </a:ext>
+            </a:extLst>
+          </p:cNvPr>
+          <p:cNvSpPr txBox="1">
+            <a:spLocks/>
+          </p:cNvSpPr>
+          <p:nvPr/>
+        </p:nvSpPr>
+        <p:spPr bwMode="auto">
+          <a:xfrm>
+            <a:off x="397304" y="410627"/>
+            <a:ext cx="11269662" cy="384721"/>
+          </a:xfrm>
+          <a:prstGeom prst="rect">
+            <a:avLst/>
+          </a:prstGeom>
+          <a:noFill/>
+          <a:ln>
+            <a:noFill/>
+          </a:ln>
+          <a:extLst>
+            <a:ext uri="{909E8E84-426E-40DD-AFC4-6F175D3DCCD1}">
+              <a14:hiddenFill xmlns:a14="http://schemas.microsoft.com/office/drawing/2010/main">
+                <a:solidFill>
+                  <a:srgbClr val="FFFFFF"/>
+                </a:solidFill>
+              </a14:hiddenFill>
+            </a:ext>
+            <a:ext uri="{91240B29-F687-4F45-9708-019B960494DF}">
+              <a14:hiddenLine xmlns:a14="http://schemas.microsoft.com/office/drawing/2010/main" w="9525">
+                <a:solidFill>
+                  <a:srgbClr val="000000"/>
+                </a:solidFill>
+                <a:miter lim="800000"/>
+                <a:headEnd/>
+                <a:tailEnd/>
+              </a14:hiddenLine>
+            </a:ext>
+          </a:extLst>
+        </p:spPr>
+        <p:txBody>
+          <a:bodyPr vert="horz" wrap="square" lIns="0" tIns="0" rIns="0" bIns="0" numCol="1" rtlCol="0" anchor="b" anchorCtr="0" compatLnSpc="1">
+            <a:prstTxWarp prst="textNoShape">
+              <a:avLst/>
+            </a:prstTxWarp>
+            <a:spAutoFit/>
+          </a:bodyPr>
+          <a:lstStyle>
+            <a:lvl1pPr algn="l" defTabSz="457200" rtl="0" fontAlgn="base">
+              <a:lnSpc>
+                <a:spcPts val="3000"/>
+              </a:lnSpc>
+              <a:spcBef>
+                <a:spcPct val="0"/>
+              </a:spcBef>
+              <a:spcAft>
+                <a:spcPct val="0"/>
+              </a:spcAft>
+              <a:defRPr sz="2800" b="1" kern="1200" cap="none" baseline="0">
+                <a:solidFill>
+                  <a:srgbClr val="595959"/>
+                </a:solidFill>
+                <a:latin typeface="Arial" panose="020B0604020202020204" pitchFamily="34" charset="0"/>
+                <a:ea typeface="+mj-ea"/>
+                <a:cs typeface="Arial" panose="020B0604020202020204" pitchFamily="34" charset="0"/>
+              </a:defRPr>
+            </a:lvl1pPr>
+            <a:lvl2pPr algn="l" defTabSz="457200" rtl="0" fontAlgn="base">
+              <a:spcBef>
+                <a:spcPct val="0"/>
+              </a:spcBef>
+              <a:spcAft>
+                <a:spcPct val="0"/>
+              </a:spcAft>
+              <a:defRPr sz="2400" b="1">
+                <a:solidFill>
+                  <a:srgbClr val="595959"/>
+                </a:solidFill>
+                <a:latin typeface="Arial" panose="020B0604020202020204" pitchFamily="34" charset="0"/>
+                <a:cs typeface="Arial" panose="020B0604020202020204" pitchFamily="34" charset="0"/>
+              </a:defRPr>
+            </a:lvl2pPr>
+            <a:lvl3pPr algn="l" defTabSz="457200" rtl="0" fontAlgn="base">
+              <a:spcBef>
+                <a:spcPct val="0"/>
+              </a:spcBef>
+              <a:spcAft>
+                <a:spcPct val="0"/>
+              </a:spcAft>
+              <a:defRPr sz="2400" b="1">
+                <a:solidFill>
+                  <a:srgbClr val="595959"/>
+                </a:solidFill>
+                <a:latin typeface="Arial" panose="020B0604020202020204" pitchFamily="34" charset="0"/>
+                <a:cs typeface="Arial" panose="020B0604020202020204" pitchFamily="34" charset="0"/>
+              </a:defRPr>
+            </a:lvl3pPr>
+            <a:lvl4pPr algn="l" defTabSz="457200" rtl="0" fontAlgn="base">
+              <a:spcBef>
+                <a:spcPct val="0"/>
+              </a:spcBef>
+              <a:spcAft>
+                <a:spcPct val="0"/>
+              </a:spcAft>
+              <a:defRPr sz="2400" b="1">
+                <a:solidFill>
+                  <a:srgbClr val="595959"/>
+                </a:solidFill>
+                <a:latin typeface="Arial" panose="020B0604020202020204" pitchFamily="34" charset="0"/>
+                <a:cs typeface="Arial" panose="020B0604020202020204" pitchFamily="34" charset="0"/>
+              </a:defRPr>
+            </a:lvl4pPr>
+            <a:lvl5pPr algn="l" defTabSz="457200" rtl="0" fontAlgn="base">
+              <a:spcBef>
+                <a:spcPct val="0"/>
+              </a:spcBef>
+              <a:spcAft>
+                <a:spcPct val="0"/>
+              </a:spcAft>
+              <a:defRPr sz="2400" b="1">
+                <a:solidFill>
+                  <a:srgbClr val="595959"/>
+                </a:solidFill>
+                <a:latin typeface="Arial" panose="020B0604020202020204" pitchFamily="34" charset="0"/>
+                <a:cs typeface="Arial" panose="020B0604020202020204" pitchFamily="34" charset="0"/>
+              </a:defRPr>
+            </a:lvl5pPr>
+            <a:lvl6pPr eaLnBrk="1" hangingPunct="1">
+              <a:defRPr>
+                <a:solidFill>
+                  <a:schemeClr val="tx2"/>
+                </a:solidFill>
+              </a:defRPr>
+            </a:lvl6pPr>
+            <a:lvl7pPr eaLnBrk="1" hangingPunct="1">
+              <a:defRPr>
+                <a:solidFill>
+                  <a:schemeClr val="tx2"/>
+                </a:solidFill>
+              </a:defRPr>
+            </a:lvl7pPr>
+            <a:lvl8pPr eaLnBrk="1" hangingPunct="1">
+              <a:defRPr>
+                <a:solidFill>
+                  <a:schemeClr val="tx2"/>
+                </a:solidFill>
+              </a:defRPr>
+            </a:lvl8pPr>
+            <a:lvl9pPr eaLnBrk="1" hangingPunct="1">
+              <a:defRPr>
+                <a:solidFill>
+                  <a:schemeClr val="tx2"/>
+                </a:solidFill>
+              </a:defRPr>
+            </a:lvl9pPr>
+          </a:lstStyle>
+          <a:p>
+            <a:pPr eaLnBrk="1" hangingPunct="1"/>
+            <a:r>
+              <a:rPr lang="it-IT">
+                <a:solidFill>
+                  <a:schemeClr val="tx1"/>
+                </a:solidFill>
+                <a:latin typeface="Tahoma" panose="020B0604030504040204" pitchFamily="34" charset="0"/>
+                <a:ea typeface="Tahoma" panose="020B0604030504040204" pitchFamily="34" charset="0"/>
+                <a:cs typeface="Tahoma" panose="020B0604030504040204" pitchFamily="34" charset="0"/>
+              </a:rPr>
+              <a:t>Calcolare la Complessità Temporale di un Algoritmo</a:t>
+            </a:r>
+            <a:endParaRPr lang="it-IT" dirty="0"/>
+          </a:p>
+        </p:txBody>
+      </p:sp>
+      <p:pic>
+        <p:nvPicPr>
+          <p:cNvPr id="5" name="Immagine 4"/>
+          <p:cNvPicPr>
+            <a:picLocks noChangeAspect="1"/>
+          </p:cNvPicPr>
+          <p:nvPr/>
+        </p:nvPicPr>
+        <p:blipFill>
+          <a:blip r:embed="rId2"/>
+          <a:stretch>
+            <a:fillRect/>
+          </a:stretch>
+        </p:blipFill>
+        <p:spPr>
+          <a:xfrm>
+            <a:off x="5142844" y="2408883"/>
+            <a:ext cx="6013724" cy="1718207"/>
+          </a:xfrm>
+          <a:prstGeom prst="rect">
+            <a:avLst/>
+          </a:prstGeom>
+        </p:spPr>
+      </p:pic>
+    </p:spTree>
+    <p:extLst>
+      <p:ext uri="{BB962C8B-B14F-4D97-AF65-F5344CB8AC3E}">
+        <p14:creationId xmlns:p14="http://schemas.microsoft.com/office/powerpoint/2010/main" val="2963502048"/>
+      </p:ext>
+    </p:extLst>
+  </p:cSld>
+  <p:clrMapOvr>
+    <a:masterClrMapping/>
+  </p:clrMapOvr>
+</p:sld>
+</file>
+
+<file path=ppt/slides/slide23.xml><?xml version="1.0" encoding="utf-8"?>
+<p:sld xmlns:a="http://schemas.openxmlformats.org/drawingml/2006/main" xmlns:r="http://schemas.openxmlformats.org/officeDocument/2006/relationships" xmlns:p="http://schemas.openxmlformats.org/presentationml/2006/main">
+  <p:cSld>
+    <p:spTree>
+      <p:nvGrpSpPr>
+        <p:cNvPr id="1" name=""/>
+        <p:cNvGrpSpPr/>
+        <p:nvPr/>
+      </p:nvGrpSpPr>
+      <p:grpSpPr>
+        <a:xfrm>
+          <a:off x="0" y="0"/>
+          <a:ext cx="0" cy="0"/>
+          <a:chOff x="0" y="0"/>
+          <a:chExt cx="0" cy="0"/>
+        </a:xfrm>
+      </p:grpSpPr>
+      <p:sp>
+        <p:nvSpPr>
+          <p:cNvPr id="7" name="Segnaposto numero diapositiva 6">
+            <a:extLst>
+              <a:ext uri="{FF2B5EF4-FFF2-40B4-BE49-F238E27FC236}">
+                <a16:creationId xmlns:a16="http://schemas.microsoft.com/office/drawing/2014/main" id="{AB740BE9-E218-4144-BFDE-AE473D230A3D}"/>
+              </a:ext>
+            </a:extLst>
+          </p:cNvPr>
+          <p:cNvSpPr>
+            <a:spLocks noGrp="1"/>
+          </p:cNvSpPr>
+          <p:nvPr>
+            <p:ph type="sldNum" sz="quarter" idx="12"/>
+          </p:nvPr>
+        </p:nvSpPr>
+        <p:spPr/>
+        <p:txBody>
+          <a:bodyPr/>
+          <a:lstStyle/>
+          <a:p>
+            <a:pPr>
+              <a:defRPr/>
+            </a:pPr>
+            <a:fld id="{48B4153A-D4C5-4CEF-8992-0D8815C829E3}" type="slidenum">
+              <a:rPr lang="en-US" smtClean="0"/>
+              <a:pPr>
+                <a:defRPr/>
+              </a:pPr>
+              <a:t>23</a:t>
+            </a:fld>
+            <a:endParaRPr lang="en-US" dirty="0"/>
+          </a:p>
+        </p:txBody>
+      </p:sp>
+      <p:sp>
+        <p:nvSpPr>
+          <p:cNvPr id="4" name="Titolo 4">
+            <a:extLst>
+              <a:ext uri="{FF2B5EF4-FFF2-40B4-BE49-F238E27FC236}">
+                <a16:creationId xmlns:a16="http://schemas.microsoft.com/office/drawing/2014/main" id="{B0CAFD71-4F5B-319A-8F68-C27ACA49FC3B}"/>
+              </a:ext>
+            </a:extLst>
+          </p:cNvPr>
+          <p:cNvSpPr txBox="1">
+            <a:spLocks/>
+          </p:cNvSpPr>
+          <p:nvPr/>
+        </p:nvSpPr>
+        <p:spPr bwMode="auto">
+          <a:xfrm>
+            <a:off x="397304" y="410627"/>
+            <a:ext cx="11269662" cy="384721"/>
+          </a:xfrm>
+          <a:prstGeom prst="rect">
+            <a:avLst/>
+          </a:prstGeom>
+          <a:noFill/>
+          <a:ln>
+            <a:noFill/>
+          </a:ln>
+          <a:extLst>
+            <a:ext uri="{909E8E84-426E-40DD-AFC4-6F175D3DCCD1}">
+              <a14:hiddenFill xmlns:a14="http://schemas.microsoft.com/office/drawing/2010/main">
+                <a:solidFill>
+                  <a:srgbClr val="FFFFFF"/>
+                </a:solidFill>
+              </a14:hiddenFill>
+            </a:ext>
+            <a:ext uri="{91240B29-F687-4F45-9708-019B960494DF}">
+              <a14:hiddenLine xmlns:a14="http://schemas.microsoft.com/office/drawing/2010/main" w="9525">
+                <a:solidFill>
+                  <a:srgbClr val="000000"/>
+                </a:solidFill>
+                <a:miter lim="800000"/>
+                <a:headEnd/>
+                <a:tailEnd/>
+              </a14:hiddenLine>
+            </a:ext>
+          </a:extLst>
+        </p:spPr>
+        <p:txBody>
+          <a:bodyPr vert="horz" wrap="square" lIns="0" tIns="0" rIns="0" bIns="0" numCol="1" rtlCol="0" anchor="b" anchorCtr="0" compatLnSpc="1">
+            <a:prstTxWarp prst="textNoShape">
+              <a:avLst/>
+            </a:prstTxWarp>
+            <a:spAutoFit/>
+          </a:bodyPr>
+          <a:lstStyle>
+            <a:lvl1pPr algn="l" defTabSz="457200" rtl="0" fontAlgn="base">
+              <a:lnSpc>
+                <a:spcPts val="3000"/>
+              </a:lnSpc>
+              <a:spcBef>
+                <a:spcPct val="0"/>
+              </a:spcBef>
+              <a:spcAft>
+                <a:spcPct val="0"/>
+              </a:spcAft>
+              <a:defRPr sz="2800" b="1" kern="1200" cap="none" baseline="0">
+                <a:solidFill>
+                  <a:srgbClr val="595959"/>
+                </a:solidFill>
+                <a:latin typeface="Arial" panose="020B0604020202020204" pitchFamily="34" charset="0"/>
+                <a:ea typeface="+mj-ea"/>
+                <a:cs typeface="Arial" panose="020B0604020202020204" pitchFamily="34" charset="0"/>
+              </a:defRPr>
+            </a:lvl1pPr>
+            <a:lvl2pPr algn="l" defTabSz="457200" rtl="0" fontAlgn="base">
+              <a:spcBef>
+                <a:spcPct val="0"/>
+              </a:spcBef>
+              <a:spcAft>
+                <a:spcPct val="0"/>
+              </a:spcAft>
+              <a:defRPr sz="2400" b="1">
+                <a:solidFill>
+                  <a:srgbClr val="595959"/>
+                </a:solidFill>
+                <a:latin typeface="Arial" panose="020B0604020202020204" pitchFamily="34" charset="0"/>
+                <a:cs typeface="Arial" panose="020B0604020202020204" pitchFamily="34" charset="0"/>
+              </a:defRPr>
+            </a:lvl2pPr>
+            <a:lvl3pPr algn="l" defTabSz="457200" rtl="0" fontAlgn="base">
+              <a:spcBef>
+                <a:spcPct val="0"/>
+              </a:spcBef>
+              <a:spcAft>
+                <a:spcPct val="0"/>
+              </a:spcAft>
+              <a:defRPr sz="2400" b="1">
+                <a:solidFill>
+                  <a:srgbClr val="595959"/>
+                </a:solidFill>
+                <a:latin typeface="Arial" panose="020B0604020202020204" pitchFamily="34" charset="0"/>
+                <a:cs typeface="Arial" panose="020B0604020202020204" pitchFamily="34" charset="0"/>
+              </a:defRPr>
+            </a:lvl3pPr>
+            <a:lvl4pPr algn="l" defTabSz="457200" rtl="0" fontAlgn="base">
+              <a:spcBef>
+                <a:spcPct val="0"/>
+              </a:spcBef>
+              <a:spcAft>
+                <a:spcPct val="0"/>
+              </a:spcAft>
+              <a:defRPr sz="2400" b="1">
+                <a:solidFill>
+                  <a:srgbClr val="595959"/>
+                </a:solidFill>
+                <a:latin typeface="Arial" panose="020B0604020202020204" pitchFamily="34" charset="0"/>
+                <a:cs typeface="Arial" panose="020B0604020202020204" pitchFamily="34" charset="0"/>
+              </a:defRPr>
+            </a:lvl4pPr>
+            <a:lvl5pPr algn="l" defTabSz="457200" rtl="0" fontAlgn="base">
+              <a:spcBef>
+                <a:spcPct val="0"/>
+              </a:spcBef>
+              <a:spcAft>
+                <a:spcPct val="0"/>
+              </a:spcAft>
+              <a:defRPr sz="2400" b="1">
+                <a:solidFill>
+                  <a:srgbClr val="595959"/>
+                </a:solidFill>
+                <a:latin typeface="Arial" panose="020B0604020202020204" pitchFamily="34" charset="0"/>
+                <a:cs typeface="Arial" panose="020B0604020202020204" pitchFamily="34" charset="0"/>
+              </a:defRPr>
+            </a:lvl5pPr>
+            <a:lvl6pPr eaLnBrk="1" hangingPunct="1">
+              <a:defRPr>
+                <a:solidFill>
+                  <a:schemeClr val="tx2"/>
+                </a:solidFill>
+              </a:defRPr>
+            </a:lvl6pPr>
+            <a:lvl7pPr eaLnBrk="1" hangingPunct="1">
+              <a:defRPr>
+                <a:solidFill>
+                  <a:schemeClr val="tx2"/>
+                </a:solidFill>
+              </a:defRPr>
+            </a:lvl7pPr>
+            <a:lvl8pPr eaLnBrk="1" hangingPunct="1">
+              <a:defRPr>
+                <a:solidFill>
+                  <a:schemeClr val="tx2"/>
+                </a:solidFill>
+              </a:defRPr>
+            </a:lvl8pPr>
+            <a:lvl9pPr eaLnBrk="1" hangingPunct="1">
+              <a:defRPr>
+                <a:solidFill>
+                  <a:schemeClr val="tx2"/>
+                </a:solidFill>
+              </a:defRPr>
+            </a:lvl9pPr>
+          </a:lstStyle>
+          <a:p>
+            <a:pPr eaLnBrk="1" hangingPunct="1"/>
+            <a:r>
+              <a:rPr lang="it-IT">
+                <a:solidFill>
+                  <a:schemeClr val="tx1"/>
+                </a:solidFill>
+                <a:latin typeface="Tahoma" panose="020B0604030504040204" pitchFamily="34" charset="0"/>
+                <a:ea typeface="Tahoma" panose="020B0604030504040204" pitchFamily="34" charset="0"/>
+                <a:cs typeface="Tahoma" panose="020B0604030504040204" pitchFamily="34" charset="0"/>
+              </a:rPr>
+              <a:t>Calcolare la Complessità Temporale di un Algoritmo</a:t>
+            </a:r>
+            <a:endParaRPr lang="it-IT" dirty="0"/>
+          </a:p>
+        </p:txBody>
+      </p:sp>
+      <p:pic>
+        <p:nvPicPr>
+          <p:cNvPr id="8" name="Immagine 7"/>
+          <p:cNvPicPr>
+            <a:picLocks noChangeAspect="1"/>
+          </p:cNvPicPr>
+          <p:nvPr/>
+        </p:nvPicPr>
+        <p:blipFill>
+          <a:blip r:embed="rId2"/>
+          <a:stretch>
+            <a:fillRect/>
+          </a:stretch>
+        </p:blipFill>
+        <p:spPr>
+          <a:xfrm>
+            <a:off x="1936777" y="1303416"/>
+            <a:ext cx="8564073" cy="5298253"/>
+          </a:xfrm>
+          <a:prstGeom prst="rect">
+            <a:avLst/>
+          </a:prstGeom>
+        </p:spPr>
+      </p:pic>
+    </p:spTree>
+    <p:extLst>
+      <p:ext uri="{BB962C8B-B14F-4D97-AF65-F5344CB8AC3E}">
+        <p14:creationId xmlns:p14="http://schemas.microsoft.com/office/powerpoint/2010/main" val="1692404877"/>
+      </p:ext>
+    </p:extLst>
+  </p:cSld>
+  <p:clrMapOvr>
+    <a:masterClrMapping/>
+  </p:clrMapOvr>
+</p:sld>
+</file>
+
+<file path=ppt/slides/slide24.xml><?xml version="1.0" encoding="utf-8"?>
+<p:sld xmlns:a="http://schemas.openxmlformats.org/drawingml/2006/main" xmlns:r="http://schemas.openxmlformats.org/officeDocument/2006/relationships" xmlns:p="http://schemas.openxmlformats.org/presentationml/2006/main">
+  <p:cSld>
+    <p:spTree>
+      <p:nvGrpSpPr>
+        <p:cNvPr id="1" name=""/>
+        <p:cNvGrpSpPr/>
+        <p:nvPr/>
+      </p:nvGrpSpPr>
+      <p:grpSpPr>
+        <a:xfrm>
+          <a:off x="0" y="0"/>
+          <a:ext cx="0" cy="0"/>
+          <a:chOff x="0" y="0"/>
+          <a:chExt cx="0" cy="0"/>
+        </a:xfrm>
+      </p:grpSpPr>
+      <p:sp>
+        <p:nvSpPr>
+          <p:cNvPr id="3" name="Segnaposto testo 2">
+            <a:extLst>
+              <a:ext uri="{FF2B5EF4-FFF2-40B4-BE49-F238E27FC236}">
+                <a16:creationId xmlns:a16="http://schemas.microsoft.com/office/drawing/2014/main" id="{F15B28AB-8720-E62B-6D01-393C590EDE2E}"/>
+              </a:ext>
+            </a:extLst>
+          </p:cNvPr>
+          <p:cNvSpPr>
+            <a:spLocks noGrp="1"/>
+          </p:cNvSpPr>
+          <p:nvPr>
+            <p:ph type="body" idx="1"/>
+          </p:nvPr>
+        </p:nvSpPr>
+        <p:spPr>
+          <a:xfrm>
+            <a:off x="397304" y="1399980"/>
+            <a:ext cx="11269662" cy="4392612"/>
+          </a:xfrm>
+        </p:spPr>
+        <p:txBody>
+          <a:bodyPr/>
+          <a:lstStyle/>
+          <a:p>
+            <a:pPr marL="342900" indent="-342900">
+              <a:buFont typeface="Wingdings" panose="05000000000000000000" pitchFamily="2" charset="2"/>
+              <a:buChar char="ü"/>
+            </a:pPr>
+            <a:r>
+              <a:rPr lang="it-IT" sz="2400" dirty="0">
+                <a:latin typeface="Tahoma" panose="020B0604030504040204" pitchFamily="34" charset="0"/>
+                <a:ea typeface="Tahoma" panose="020B0604030504040204" pitchFamily="34" charset="0"/>
+                <a:cs typeface="Tahoma" panose="020B0604030504040204" pitchFamily="34" charset="0"/>
+              </a:rPr>
+              <a:t>La seconda componente viene eseguita </a:t>
+            </a:r>
+            <a:r>
+              <a:rPr lang="it-IT" sz="2400" b="1" dirty="0">
+                <a:latin typeface="Tahoma" panose="020B0604030504040204" pitchFamily="34" charset="0"/>
+                <a:ea typeface="Tahoma" panose="020B0604030504040204" pitchFamily="34" charset="0"/>
+                <a:cs typeface="Tahoma" panose="020B0604030504040204" pitchFamily="34" charset="0"/>
+              </a:rPr>
+              <a:t>(n-2)(n-1)/2 volte</a:t>
+            </a:r>
+            <a:r>
+              <a:rPr lang="it-IT" sz="2400" dirty="0">
+                <a:latin typeface="Tahoma" panose="020B0604030504040204" pitchFamily="34" charset="0"/>
+                <a:ea typeface="Tahoma" panose="020B0604030504040204" pitchFamily="34" charset="0"/>
+                <a:cs typeface="Tahoma" panose="020B0604030504040204" pitchFamily="34" charset="0"/>
+              </a:rPr>
+              <a:t> secondo la formula di Gauss delle serie divergenti.</a:t>
+            </a:r>
+          </a:p>
+          <a:p>
+            <a:pPr marL="342900" indent="-342900">
+              <a:buFont typeface="Wingdings" panose="05000000000000000000" pitchFamily="2" charset="2"/>
+              <a:buChar char="ü"/>
+            </a:pPr>
+            <a:endParaRPr lang="it-IT" sz="2400" dirty="0">
+              <a:latin typeface="Tahoma" panose="020B0604030504040204" pitchFamily="34" charset="0"/>
+              <a:ea typeface="Tahoma" panose="020B0604030504040204" pitchFamily="34" charset="0"/>
+              <a:cs typeface="Tahoma" panose="020B0604030504040204" pitchFamily="34" charset="0"/>
+            </a:endParaRPr>
+          </a:p>
+          <a:p>
+            <a:pPr marL="342900" indent="-342900">
+              <a:buFont typeface="Wingdings" panose="05000000000000000000" pitchFamily="2" charset="2"/>
+              <a:buChar char="ü"/>
+            </a:pPr>
+            <a:endParaRPr lang="it-IT" sz="2400" dirty="0">
+              <a:latin typeface="Tahoma" panose="020B0604030504040204" pitchFamily="34" charset="0"/>
+              <a:ea typeface="Tahoma" panose="020B0604030504040204" pitchFamily="34" charset="0"/>
+              <a:cs typeface="Tahoma" panose="020B0604030504040204" pitchFamily="34" charset="0"/>
+            </a:endParaRPr>
+          </a:p>
+          <a:p>
+            <a:pPr marL="342900" indent="-342900">
+              <a:buFont typeface="Wingdings" panose="05000000000000000000" pitchFamily="2" charset="2"/>
+              <a:buChar char="ü"/>
+            </a:pPr>
+            <a:endParaRPr lang="it-IT" sz="2400" dirty="0">
+              <a:solidFill>
+                <a:srgbClr val="000000"/>
+              </a:solidFill>
+              <a:latin typeface="Tahoma" panose="020B0604030504040204" pitchFamily="34" charset="0"/>
+              <a:ea typeface="Tahoma" panose="020B0604030504040204" pitchFamily="34" charset="0"/>
+              <a:cs typeface="Tahoma" panose="020B0604030504040204" pitchFamily="34" charset="0"/>
+            </a:endParaRPr>
+          </a:p>
+          <a:p>
+            <a:pPr algn="l"/>
+            <a:endParaRPr lang="it-IT" sz="2400" b="0" i="0" dirty="0">
+              <a:solidFill>
+                <a:srgbClr val="000000"/>
+              </a:solidFill>
+              <a:effectLst/>
+              <a:latin typeface="Tahoma" panose="020B0604030504040204" pitchFamily="34" charset="0"/>
+              <a:ea typeface="Tahoma" panose="020B0604030504040204" pitchFamily="34" charset="0"/>
+              <a:cs typeface="Tahoma" panose="020B0604030504040204" pitchFamily="34" charset="0"/>
+            </a:endParaRPr>
+          </a:p>
+          <a:p>
+            <a:pPr marL="342900" indent="-342900">
+              <a:buFont typeface="Wingdings" panose="05000000000000000000" pitchFamily="2" charset="2"/>
+              <a:buChar char="ü"/>
+            </a:pPr>
+            <a:endParaRPr lang="it-IT" sz="2400" dirty="0">
+              <a:solidFill>
+                <a:srgbClr val="000000"/>
+              </a:solidFill>
+              <a:latin typeface="Tahoma" panose="020B0604030504040204" pitchFamily="34" charset="0"/>
+              <a:ea typeface="Tahoma" panose="020B0604030504040204" pitchFamily="34" charset="0"/>
+              <a:cs typeface="Tahoma" panose="020B0604030504040204" pitchFamily="34" charset="0"/>
+            </a:endParaRPr>
+          </a:p>
+          <a:p>
+            <a:pPr marL="342900" indent="-342900">
+              <a:buFont typeface="Wingdings" panose="05000000000000000000" pitchFamily="2" charset="2"/>
+              <a:buChar char="ü"/>
+            </a:pPr>
+            <a:endParaRPr lang="it-IT" sz="2400" dirty="0">
+              <a:solidFill>
+                <a:srgbClr val="000000"/>
+              </a:solidFill>
+              <a:latin typeface="Tahoma" panose="020B0604030504040204" pitchFamily="34" charset="0"/>
+              <a:ea typeface="Tahoma" panose="020B0604030504040204" pitchFamily="34" charset="0"/>
+              <a:cs typeface="Tahoma" panose="020B0604030504040204" pitchFamily="34" charset="0"/>
+            </a:endParaRPr>
+          </a:p>
+        </p:txBody>
+      </p:sp>
+      <p:sp>
+        <p:nvSpPr>
+          <p:cNvPr id="7" name="Segnaposto numero diapositiva 6">
+            <a:extLst>
+              <a:ext uri="{FF2B5EF4-FFF2-40B4-BE49-F238E27FC236}">
+                <a16:creationId xmlns:a16="http://schemas.microsoft.com/office/drawing/2014/main" id="{AB740BE9-E218-4144-BFDE-AE473D230A3D}"/>
+              </a:ext>
+            </a:extLst>
+          </p:cNvPr>
+          <p:cNvSpPr>
+            <a:spLocks noGrp="1"/>
+          </p:cNvSpPr>
+          <p:nvPr>
+            <p:ph type="sldNum" sz="quarter" idx="12"/>
+          </p:nvPr>
+        </p:nvSpPr>
+        <p:spPr/>
+        <p:txBody>
+          <a:bodyPr/>
+          <a:lstStyle/>
+          <a:p>
+            <a:pPr>
+              <a:defRPr/>
+            </a:pPr>
+            <a:fld id="{48B4153A-D4C5-4CEF-8992-0D8815C829E3}" type="slidenum">
+              <a:rPr lang="en-US" smtClean="0"/>
+              <a:pPr>
+                <a:defRPr/>
+              </a:pPr>
+              <a:t>24</a:t>
+            </a:fld>
+            <a:endParaRPr lang="en-US" dirty="0"/>
+          </a:p>
+        </p:txBody>
+      </p:sp>
+      <p:sp>
+        <p:nvSpPr>
+          <p:cNvPr id="4" name="Titolo 4">
+            <a:extLst>
+              <a:ext uri="{FF2B5EF4-FFF2-40B4-BE49-F238E27FC236}">
+                <a16:creationId xmlns:a16="http://schemas.microsoft.com/office/drawing/2014/main" id="{B0CAFD71-4F5B-319A-8F68-C27ACA49FC3B}"/>
+              </a:ext>
+            </a:extLst>
+          </p:cNvPr>
+          <p:cNvSpPr txBox="1">
+            <a:spLocks/>
+          </p:cNvSpPr>
+          <p:nvPr/>
+        </p:nvSpPr>
+        <p:spPr bwMode="auto">
+          <a:xfrm>
+            <a:off x="397304" y="410627"/>
+            <a:ext cx="11269662" cy="384721"/>
+          </a:xfrm>
+          <a:prstGeom prst="rect">
+            <a:avLst/>
+          </a:prstGeom>
+          <a:noFill/>
+          <a:ln>
+            <a:noFill/>
+          </a:ln>
+          <a:extLst>
+            <a:ext uri="{909E8E84-426E-40DD-AFC4-6F175D3DCCD1}">
+              <a14:hiddenFill xmlns:a14="http://schemas.microsoft.com/office/drawing/2010/main">
+                <a:solidFill>
+                  <a:srgbClr val="FFFFFF"/>
+                </a:solidFill>
+              </a14:hiddenFill>
+            </a:ext>
+            <a:ext uri="{91240B29-F687-4F45-9708-019B960494DF}">
+              <a14:hiddenLine xmlns:a14="http://schemas.microsoft.com/office/drawing/2010/main" w="9525">
+                <a:solidFill>
+                  <a:srgbClr val="000000"/>
+                </a:solidFill>
+                <a:miter lim="800000"/>
+                <a:headEnd/>
+                <a:tailEnd/>
+              </a14:hiddenLine>
+            </a:ext>
+          </a:extLst>
+        </p:spPr>
+        <p:txBody>
+          <a:bodyPr vert="horz" wrap="square" lIns="0" tIns="0" rIns="0" bIns="0" numCol="1" rtlCol="0" anchor="b" anchorCtr="0" compatLnSpc="1">
+            <a:prstTxWarp prst="textNoShape">
+              <a:avLst/>
+            </a:prstTxWarp>
+            <a:spAutoFit/>
+          </a:bodyPr>
+          <a:lstStyle>
+            <a:lvl1pPr algn="l" defTabSz="457200" rtl="0" fontAlgn="base">
+              <a:lnSpc>
+                <a:spcPts val="3000"/>
+              </a:lnSpc>
+              <a:spcBef>
+                <a:spcPct val="0"/>
+              </a:spcBef>
+              <a:spcAft>
+                <a:spcPct val="0"/>
+              </a:spcAft>
+              <a:defRPr sz="2800" b="1" kern="1200" cap="none" baseline="0">
+                <a:solidFill>
+                  <a:srgbClr val="595959"/>
+                </a:solidFill>
+                <a:latin typeface="Arial" panose="020B0604020202020204" pitchFamily="34" charset="0"/>
+                <a:ea typeface="+mj-ea"/>
+                <a:cs typeface="Arial" panose="020B0604020202020204" pitchFamily="34" charset="0"/>
+              </a:defRPr>
+            </a:lvl1pPr>
+            <a:lvl2pPr algn="l" defTabSz="457200" rtl="0" fontAlgn="base">
+              <a:spcBef>
+                <a:spcPct val="0"/>
+              </a:spcBef>
+              <a:spcAft>
+                <a:spcPct val="0"/>
+              </a:spcAft>
+              <a:defRPr sz="2400" b="1">
+                <a:solidFill>
+                  <a:srgbClr val="595959"/>
+                </a:solidFill>
+                <a:latin typeface="Arial" panose="020B0604020202020204" pitchFamily="34" charset="0"/>
+                <a:cs typeface="Arial" panose="020B0604020202020204" pitchFamily="34" charset="0"/>
+              </a:defRPr>
+            </a:lvl2pPr>
+            <a:lvl3pPr algn="l" defTabSz="457200" rtl="0" fontAlgn="base">
+              <a:spcBef>
+                <a:spcPct val="0"/>
+              </a:spcBef>
+              <a:spcAft>
+                <a:spcPct val="0"/>
+              </a:spcAft>
+              <a:defRPr sz="2400" b="1">
+                <a:solidFill>
+                  <a:srgbClr val="595959"/>
+                </a:solidFill>
+                <a:latin typeface="Arial" panose="020B0604020202020204" pitchFamily="34" charset="0"/>
+                <a:cs typeface="Arial" panose="020B0604020202020204" pitchFamily="34" charset="0"/>
+              </a:defRPr>
+            </a:lvl3pPr>
+            <a:lvl4pPr algn="l" defTabSz="457200" rtl="0" fontAlgn="base">
+              <a:spcBef>
+                <a:spcPct val="0"/>
+              </a:spcBef>
+              <a:spcAft>
+                <a:spcPct val="0"/>
+              </a:spcAft>
+              <a:defRPr sz="2400" b="1">
+                <a:solidFill>
+                  <a:srgbClr val="595959"/>
+                </a:solidFill>
+                <a:latin typeface="Arial" panose="020B0604020202020204" pitchFamily="34" charset="0"/>
+                <a:cs typeface="Arial" panose="020B0604020202020204" pitchFamily="34" charset="0"/>
+              </a:defRPr>
+            </a:lvl4pPr>
+            <a:lvl5pPr algn="l" defTabSz="457200" rtl="0" fontAlgn="base">
+              <a:spcBef>
+                <a:spcPct val="0"/>
+              </a:spcBef>
+              <a:spcAft>
+                <a:spcPct val="0"/>
+              </a:spcAft>
+              <a:defRPr sz="2400" b="1">
+                <a:solidFill>
+                  <a:srgbClr val="595959"/>
+                </a:solidFill>
+                <a:latin typeface="Arial" panose="020B0604020202020204" pitchFamily="34" charset="0"/>
+                <a:cs typeface="Arial" panose="020B0604020202020204" pitchFamily="34" charset="0"/>
+              </a:defRPr>
+            </a:lvl5pPr>
+            <a:lvl6pPr eaLnBrk="1" hangingPunct="1">
+              <a:defRPr>
+                <a:solidFill>
+                  <a:schemeClr val="tx2"/>
+                </a:solidFill>
+              </a:defRPr>
+            </a:lvl6pPr>
+            <a:lvl7pPr eaLnBrk="1" hangingPunct="1">
+              <a:defRPr>
+                <a:solidFill>
+                  <a:schemeClr val="tx2"/>
+                </a:solidFill>
+              </a:defRPr>
+            </a:lvl7pPr>
+            <a:lvl8pPr eaLnBrk="1" hangingPunct="1">
+              <a:defRPr>
+                <a:solidFill>
+                  <a:schemeClr val="tx2"/>
+                </a:solidFill>
+              </a:defRPr>
+            </a:lvl8pPr>
+            <a:lvl9pPr eaLnBrk="1" hangingPunct="1">
+              <a:defRPr>
+                <a:solidFill>
+                  <a:schemeClr val="tx2"/>
+                </a:solidFill>
+              </a:defRPr>
+            </a:lvl9pPr>
+          </a:lstStyle>
+          <a:p>
+            <a:pPr eaLnBrk="1" hangingPunct="1"/>
+            <a:r>
+              <a:rPr lang="it-IT">
+                <a:solidFill>
+                  <a:schemeClr val="tx1"/>
+                </a:solidFill>
+                <a:latin typeface="Tahoma" panose="020B0604030504040204" pitchFamily="34" charset="0"/>
+                <a:ea typeface="Tahoma" panose="020B0604030504040204" pitchFamily="34" charset="0"/>
+                <a:cs typeface="Tahoma" panose="020B0604030504040204" pitchFamily="34" charset="0"/>
+              </a:rPr>
+              <a:t>Calcolare la Complessità Temporale di un Algoritmo</a:t>
+            </a:r>
+            <a:endParaRPr lang="it-IT" dirty="0"/>
+          </a:p>
+        </p:txBody>
+      </p:sp>
+      <p:pic>
+        <p:nvPicPr>
+          <p:cNvPr id="5" name="Immagine 4"/>
+          <p:cNvPicPr>
+            <a:picLocks noChangeAspect="1"/>
+          </p:cNvPicPr>
+          <p:nvPr/>
+        </p:nvPicPr>
+        <p:blipFill>
+          <a:blip r:embed="rId2"/>
+          <a:stretch>
+            <a:fillRect/>
+          </a:stretch>
+        </p:blipFill>
+        <p:spPr>
+          <a:xfrm>
+            <a:off x="5026950" y="1796766"/>
+            <a:ext cx="6988069" cy="4999122"/>
+          </a:xfrm>
+          <a:prstGeom prst="rect">
+            <a:avLst/>
+          </a:prstGeom>
+        </p:spPr>
+      </p:pic>
+    </p:spTree>
+    <p:extLst>
+      <p:ext uri="{BB962C8B-B14F-4D97-AF65-F5344CB8AC3E}">
+        <p14:creationId xmlns:p14="http://schemas.microsoft.com/office/powerpoint/2010/main" val="673286848"/>
+      </p:ext>
+    </p:extLst>
+  </p:cSld>
+  <p:clrMapOvr>
+    <a:masterClrMapping/>
+  </p:clrMapOvr>
+</p:sld>
+</file>
+
+<file path=ppt/slides/slide25.xml><?xml version="1.0" encoding="utf-8"?>
+<p:sld xmlns:a="http://schemas.openxmlformats.org/drawingml/2006/main" xmlns:r="http://schemas.openxmlformats.org/officeDocument/2006/relationships" xmlns:p="http://schemas.openxmlformats.org/presentationml/2006/main">
+  <p:cSld>
+    <p:spTree>
+      <p:nvGrpSpPr>
+        <p:cNvPr id="1" name=""/>
+        <p:cNvGrpSpPr/>
+        <p:nvPr/>
+      </p:nvGrpSpPr>
+      <p:grpSpPr>
+        <a:xfrm>
+          <a:off x="0" y="0"/>
+          <a:ext cx="0" cy="0"/>
+          <a:chOff x="0" y="0"/>
+          <a:chExt cx="0" cy="0"/>
+        </a:xfrm>
+      </p:grpSpPr>
+      <p:sp>
+        <p:nvSpPr>
+          <p:cNvPr id="3" name="Segnaposto testo 2">
+            <a:extLst>
+              <a:ext uri="{FF2B5EF4-FFF2-40B4-BE49-F238E27FC236}">
+                <a16:creationId xmlns:a16="http://schemas.microsoft.com/office/drawing/2014/main" id="{F15B28AB-8720-E62B-6D01-393C590EDE2E}"/>
+              </a:ext>
+            </a:extLst>
+          </p:cNvPr>
+          <p:cNvSpPr>
+            <a:spLocks noGrp="1"/>
+          </p:cNvSpPr>
+          <p:nvPr>
+            <p:ph type="body" idx="1"/>
+          </p:nvPr>
+        </p:nvSpPr>
+        <p:spPr>
+          <a:xfrm>
+            <a:off x="574294" y="1283753"/>
+            <a:ext cx="10747449" cy="4392612"/>
+          </a:xfrm>
+        </p:spPr>
+        <p:txBody>
+          <a:bodyPr/>
+          <a:lstStyle/>
+          <a:p>
+            <a:pPr marL="342900" indent="-342900">
+              <a:buFont typeface="Wingdings" panose="05000000000000000000" pitchFamily="2" charset="2"/>
+              <a:buChar char="ü"/>
+            </a:pPr>
+            <a:r>
+              <a:rPr lang="it-IT" sz="2400" dirty="0" smtClean="0">
+                <a:latin typeface="Tahoma" panose="020B0604030504040204" pitchFamily="34" charset="0"/>
+                <a:ea typeface="Tahoma" panose="020B0604030504040204" pitchFamily="34" charset="0"/>
+                <a:cs typeface="Tahoma" panose="020B0604030504040204" pitchFamily="34" charset="0"/>
+              </a:rPr>
+              <a:t>Poi </a:t>
+            </a:r>
+            <a:r>
+              <a:rPr lang="it-IT" sz="2400" dirty="0">
+                <a:latin typeface="Tahoma" panose="020B0604030504040204" pitchFamily="34" charset="0"/>
+                <a:ea typeface="Tahoma" panose="020B0604030504040204" pitchFamily="34" charset="0"/>
+                <a:cs typeface="Tahoma" panose="020B0604030504040204" pitchFamily="34" charset="0"/>
+              </a:rPr>
+              <a:t>sommo tutte le componenti tra loro e svolgo i relativi passaggi algebrici</a:t>
+            </a:r>
+            <a:r>
+              <a:rPr lang="it-IT" sz="2400" dirty="0" smtClean="0">
+                <a:latin typeface="Tahoma" panose="020B0604030504040204" pitchFamily="34" charset="0"/>
+                <a:ea typeface="Tahoma" panose="020B0604030504040204" pitchFamily="34" charset="0"/>
+                <a:cs typeface="Tahoma" panose="020B0604030504040204" pitchFamily="34" charset="0"/>
+              </a:rPr>
+              <a:t>.</a:t>
+            </a:r>
+            <a:endParaRPr lang="it-IT" sz="2400" dirty="0">
+              <a:solidFill>
+                <a:srgbClr val="000000"/>
+              </a:solidFill>
+              <a:latin typeface="Tahoma" panose="020B0604030504040204" pitchFamily="34" charset="0"/>
+              <a:ea typeface="Tahoma" panose="020B0604030504040204" pitchFamily="34" charset="0"/>
+              <a:cs typeface="Tahoma" panose="020B0604030504040204" pitchFamily="34" charset="0"/>
+            </a:endParaRPr>
+          </a:p>
+        </p:txBody>
+      </p:sp>
+      <p:sp>
+        <p:nvSpPr>
+          <p:cNvPr id="7" name="Segnaposto numero diapositiva 6">
+            <a:extLst>
+              <a:ext uri="{FF2B5EF4-FFF2-40B4-BE49-F238E27FC236}">
+                <a16:creationId xmlns:a16="http://schemas.microsoft.com/office/drawing/2014/main" id="{AB740BE9-E218-4144-BFDE-AE473D230A3D}"/>
+              </a:ext>
+            </a:extLst>
+          </p:cNvPr>
+          <p:cNvSpPr>
+            <a:spLocks noGrp="1"/>
+          </p:cNvSpPr>
+          <p:nvPr>
+            <p:ph type="sldNum" sz="quarter" idx="12"/>
+          </p:nvPr>
+        </p:nvSpPr>
+        <p:spPr/>
+        <p:txBody>
+          <a:bodyPr/>
+          <a:lstStyle/>
+          <a:p>
+            <a:pPr>
+              <a:defRPr/>
+            </a:pPr>
+            <a:fld id="{48B4153A-D4C5-4CEF-8992-0D8815C829E3}" type="slidenum">
+              <a:rPr lang="en-US" smtClean="0"/>
+              <a:pPr>
+                <a:defRPr/>
+              </a:pPr>
+              <a:t>25</a:t>
+            </a:fld>
+            <a:endParaRPr lang="en-US" dirty="0"/>
+          </a:p>
+        </p:txBody>
+      </p:sp>
+      <p:sp>
+        <p:nvSpPr>
+          <p:cNvPr id="4" name="Titolo 4">
+            <a:extLst>
+              <a:ext uri="{FF2B5EF4-FFF2-40B4-BE49-F238E27FC236}">
+                <a16:creationId xmlns:a16="http://schemas.microsoft.com/office/drawing/2014/main" id="{B0CAFD71-4F5B-319A-8F68-C27ACA49FC3B}"/>
+              </a:ext>
+            </a:extLst>
+          </p:cNvPr>
+          <p:cNvSpPr txBox="1">
+            <a:spLocks/>
+          </p:cNvSpPr>
+          <p:nvPr/>
+        </p:nvSpPr>
+        <p:spPr bwMode="auto">
+          <a:xfrm>
+            <a:off x="397304" y="410627"/>
+            <a:ext cx="11269662" cy="384721"/>
+          </a:xfrm>
+          <a:prstGeom prst="rect">
+            <a:avLst/>
+          </a:prstGeom>
+          <a:noFill/>
+          <a:ln>
+            <a:noFill/>
+          </a:ln>
+          <a:extLst>
+            <a:ext uri="{909E8E84-426E-40DD-AFC4-6F175D3DCCD1}">
+              <a14:hiddenFill xmlns:a14="http://schemas.microsoft.com/office/drawing/2010/main">
+                <a:solidFill>
+                  <a:srgbClr val="FFFFFF"/>
+                </a:solidFill>
+              </a14:hiddenFill>
+            </a:ext>
+            <a:ext uri="{91240B29-F687-4F45-9708-019B960494DF}">
+              <a14:hiddenLine xmlns:a14="http://schemas.microsoft.com/office/drawing/2010/main" w="9525">
+                <a:solidFill>
+                  <a:srgbClr val="000000"/>
+                </a:solidFill>
+                <a:miter lim="800000"/>
+                <a:headEnd/>
+                <a:tailEnd/>
+              </a14:hiddenLine>
+            </a:ext>
+          </a:extLst>
+        </p:spPr>
+        <p:txBody>
+          <a:bodyPr vert="horz" wrap="square" lIns="0" tIns="0" rIns="0" bIns="0" numCol="1" rtlCol="0" anchor="b" anchorCtr="0" compatLnSpc="1">
+            <a:prstTxWarp prst="textNoShape">
+              <a:avLst/>
+            </a:prstTxWarp>
+            <a:spAutoFit/>
+          </a:bodyPr>
+          <a:lstStyle>
+            <a:lvl1pPr algn="l" defTabSz="457200" rtl="0" fontAlgn="base">
+              <a:lnSpc>
+                <a:spcPts val="3000"/>
+              </a:lnSpc>
+              <a:spcBef>
+                <a:spcPct val="0"/>
+              </a:spcBef>
+              <a:spcAft>
+                <a:spcPct val="0"/>
+              </a:spcAft>
+              <a:defRPr sz="2800" b="1" kern="1200" cap="none" baseline="0">
+                <a:solidFill>
+                  <a:srgbClr val="595959"/>
+                </a:solidFill>
+                <a:latin typeface="Arial" panose="020B0604020202020204" pitchFamily="34" charset="0"/>
+                <a:ea typeface="+mj-ea"/>
+                <a:cs typeface="Arial" panose="020B0604020202020204" pitchFamily="34" charset="0"/>
+              </a:defRPr>
+            </a:lvl1pPr>
+            <a:lvl2pPr algn="l" defTabSz="457200" rtl="0" fontAlgn="base">
+              <a:spcBef>
+                <a:spcPct val="0"/>
+              </a:spcBef>
+              <a:spcAft>
+                <a:spcPct val="0"/>
+              </a:spcAft>
+              <a:defRPr sz="2400" b="1">
+                <a:solidFill>
+                  <a:srgbClr val="595959"/>
+                </a:solidFill>
+                <a:latin typeface="Arial" panose="020B0604020202020204" pitchFamily="34" charset="0"/>
+                <a:cs typeface="Arial" panose="020B0604020202020204" pitchFamily="34" charset="0"/>
+              </a:defRPr>
+            </a:lvl2pPr>
+            <a:lvl3pPr algn="l" defTabSz="457200" rtl="0" fontAlgn="base">
+              <a:spcBef>
+                <a:spcPct val="0"/>
+              </a:spcBef>
+              <a:spcAft>
+                <a:spcPct val="0"/>
+              </a:spcAft>
+              <a:defRPr sz="2400" b="1">
+                <a:solidFill>
+                  <a:srgbClr val="595959"/>
+                </a:solidFill>
+                <a:latin typeface="Arial" panose="020B0604020202020204" pitchFamily="34" charset="0"/>
+                <a:cs typeface="Arial" panose="020B0604020202020204" pitchFamily="34" charset="0"/>
+              </a:defRPr>
+            </a:lvl3pPr>
+            <a:lvl4pPr algn="l" defTabSz="457200" rtl="0" fontAlgn="base">
+              <a:spcBef>
+                <a:spcPct val="0"/>
+              </a:spcBef>
+              <a:spcAft>
+                <a:spcPct val="0"/>
+              </a:spcAft>
+              <a:defRPr sz="2400" b="1">
+                <a:solidFill>
+                  <a:srgbClr val="595959"/>
+                </a:solidFill>
+                <a:latin typeface="Arial" panose="020B0604020202020204" pitchFamily="34" charset="0"/>
+                <a:cs typeface="Arial" panose="020B0604020202020204" pitchFamily="34" charset="0"/>
+              </a:defRPr>
+            </a:lvl4pPr>
+            <a:lvl5pPr algn="l" defTabSz="457200" rtl="0" fontAlgn="base">
+              <a:spcBef>
+                <a:spcPct val="0"/>
+              </a:spcBef>
+              <a:spcAft>
+                <a:spcPct val="0"/>
+              </a:spcAft>
+              <a:defRPr sz="2400" b="1">
+                <a:solidFill>
+                  <a:srgbClr val="595959"/>
+                </a:solidFill>
+                <a:latin typeface="Arial" panose="020B0604020202020204" pitchFamily="34" charset="0"/>
+                <a:cs typeface="Arial" panose="020B0604020202020204" pitchFamily="34" charset="0"/>
+              </a:defRPr>
+            </a:lvl5pPr>
+            <a:lvl6pPr eaLnBrk="1" hangingPunct="1">
+              <a:defRPr>
+                <a:solidFill>
+                  <a:schemeClr val="tx2"/>
+                </a:solidFill>
+              </a:defRPr>
+            </a:lvl6pPr>
+            <a:lvl7pPr eaLnBrk="1" hangingPunct="1">
+              <a:defRPr>
+                <a:solidFill>
+                  <a:schemeClr val="tx2"/>
+                </a:solidFill>
+              </a:defRPr>
+            </a:lvl7pPr>
+            <a:lvl8pPr eaLnBrk="1" hangingPunct="1">
+              <a:defRPr>
+                <a:solidFill>
+                  <a:schemeClr val="tx2"/>
+                </a:solidFill>
+              </a:defRPr>
+            </a:lvl8pPr>
+            <a:lvl9pPr eaLnBrk="1" hangingPunct="1">
+              <a:defRPr>
+                <a:solidFill>
+                  <a:schemeClr val="tx2"/>
+                </a:solidFill>
+              </a:defRPr>
+            </a:lvl9pPr>
+          </a:lstStyle>
+          <a:p>
+            <a:pPr eaLnBrk="1" hangingPunct="1"/>
+            <a:r>
+              <a:rPr lang="it-IT">
+                <a:solidFill>
+                  <a:schemeClr val="tx1"/>
+                </a:solidFill>
+                <a:latin typeface="Tahoma" panose="020B0604030504040204" pitchFamily="34" charset="0"/>
+                <a:ea typeface="Tahoma" panose="020B0604030504040204" pitchFamily="34" charset="0"/>
+                <a:cs typeface="Tahoma" panose="020B0604030504040204" pitchFamily="34" charset="0"/>
+              </a:rPr>
+              <a:t>Calcolare la Complessità Temporale di un Algoritmo</a:t>
+            </a:r>
+            <a:endParaRPr lang="it-IT" dirty="0"/>
+          </a:p>
+        </p:txBody>
+      </p:sp>
+      <p:pic>
+        <p:nvPicPr>
+          <p:cNvPr id="2" name="Immagine 1"/>
+          <p:cNvPicPr>
+            <a:picLocks noChangeAspect="1"/>
+          </p:cNvPicPr>
+          <p:nvPr/>
+        </p:nvPicPr>
+        <p:blipFill>
+          <a:blip r:embed="rId2"/>
+          <a:stretch>
+            <a:fillRect/>
+          </a:stretch>
+        </p:blipFill>
+        <p:spPr>
+          <a:xfrm>
+            <a:off x="3540471" y="1823470"/>
+            <a:ext cx="5259400" cy="4756317"/>
+          </a:xfrm>
+          <a:prstGeom prst="rect">
+            <a:avLst/>
+          </a:prstGeom>
+        </p:spPr>
+      </p:pic>
+    </p:spTree>
+    <p:extLst>
+      <p:ext uri="{BB962C8B-B14F-4D97-AF65-F5344CB8AC3E}">
+        <p14:creationId xmlns:p14="http://schemas.microsoft.com/office/powerpoint/2010/main" val="1992567512"/>
+      </p:ext>
+    </p:extLst>
+  </p:cSld>
+  <p:clrMapOvr>
+    <a:masterClrMapping/>
+  </p:clrMapOvr>
+</p:sld>
+</file>
+
+<file path=ppt/slides/slide26.xml><?xml version="1.0" encoding="utf-8"?>
+<p:sld xmlns:a="http://schemas.openxmlformats.org/drawingml/2006/main" xmlns:r="http://schemas.openxmlformats.org/officeDocument/2006/relationships" xmlns:p="http://schemas.openxmlformats.org/presentationml/2006/main">
+  <p:cSld>
+    <p:spTree>
+      <p:nvGrpSpPr>
+        <p:cNvPr id="1" name=""/>
+        <p:cNvGrpSpPr/>
+        <p:nvPr/>
+      </p:nvGrpSpPr>
+      <p:grpSpPr>
+        <a:xfrm>
+          <a:off x="0" y="0"/>
+          <a:ext cx="0" cy="0"/>
+          <a:chOff x="0" y="0"/>
+          <a:chExt cx="0" cy="0"/>
+        </a:xfrm>
+      </p:grpSpPr>
+      <p:sp>
+        <p:nvSpPr>
+          <p:cNvPr id="3" name="Segnaposto testo 2">
+            <a:extLst>
+              <a:ext uri="{FF2B5EF4-FFF2-40B4-BE49-F238E27FC236}">
+                <a16:creationId xmlns:a16="http://schemas.microsoft.com/office/drawing/2014/main" id="{F15B28AB-8720-E62B-6D01-393C590EDE2E}"/>
+              </a:ext>
+            </a:extLst>
+          </p:cNvPr>
+          <p:cNvSpPr>
+            <a:spLocks noGrp="1"/>
+          </p:cNvSpPr>
+          <p:nvPr>
+            <p:ph type="body" idx="1"/>
+          </p:nvPr>
+        </p:nvSpPr>
+        <p:spPr>
+          <a:xfrm>
+            <a:off x="825119" y="1736037"/>
+            <a:ext cx="5502041" cy="4392612"/>
+          </a:xfrm>
+        </p:spPr>
+        <p:txBody>
+          <a:bodyPr/>
+          <a:lstStyle/>
+          <a:p>
+            <a:pPr marL="342900" indent="-342900">
+              <a:buFont typeface="Wingdings" panose="05000000000000000000" pitchFamily="2" charset="2"/>
+              <a:buChar char="ü"/>
+            </a:pPr>
+            <a:r>
+              <a:rPr lang="it-IT" sz="2400" dirty="0" smtClean="0">
+                <a:latin typeface="Tahoma" panose="020B0604030504040204" pitchFamily="34" charset="0"/>
+                <a:ea typeface="Tahoma" panose="020B0604030504040204" pitchFamily="34" charset="0"/>
+                <a:cs typeface="Tahoma" panose="020B0604030504040204" pitchFamily="34" charset="0"/>
+              </a:rPr>
+              <a:t>La </a:t>
+            </a:r>
+            <a:r>
+              <a:rPr lang="it-IT" sz="2400" dirty="0">
+                <a:latin typeface="Tahoma" panose="020B0604030504040204" pitchFamily="34" charset="0"/>
+                <a:ea typeface="Tahoma" panose="020B0604030504040204" pitchFamily="34" charset="0"/>
+                <a:cs typeface="Tahoma" panose="020B0604030504040204" pitchFamily="34" charset="0"/>
+              </a:rPr>
+              <a:t>linea 3 del ciclo interno viene eseguita </a:t>
+            </a:r>
+            <a:r>
+              <a:rPr lang="it-IT" sz="2400" b="1" dirty="0">
+                <a:latin typeface="Tahoma" panose="020B0604030504040204" pitchFamily="34" charset="0"/>
+                <a:ea typeface="Tahoma" panose="020B0604030504040204" pitchFamily="34" charset="0"/>
+                <a:cs typeface="Tahoma" panose="020B0604030504040204" pitchFamily="34" charset="0"/>
+              </a:rPr>
+              <a:t>0.5n</a:t>
+            </a:r>
+            <a:r>
+              <a:rPr lang="it-IT" sz="2400" b="1" baseline="30000" dirty="0">
+                <a:latin typeface="Tahoma" panose="020B0604030504040204" pitchFamily="34" charset="0"/>
+                <a:ea typeface="Tahoma" panose="020B0604030504040204" pitchFamily="34" charset="0"/>
+                <a:cs typeface="Tahoma" panose="020B0604030504040204" pitchFamily="34" charset="0"/>
+              </a:rPr>
+              <a:t>2</a:t>
+            </a:r>
+            <a:r>
+              <a:rPr lang="it-IT" sz="2400" b="1" dirty="0">
+                <a:latin typeface="Tahoma" panose="020B0604030504040204" pitchFamily="34" charset="0"/>
+                <a:ea typeface="Tahoma" panose="020B0604030504040204" pitchFamily="34" charset="0"/>
+                <a:cs typeface="Tahoma" panose="020B0604030504040204" pitchFamily="34" charset="0"/>
+              </a:rPr>
+              <a:t> + 0.5n - 1 </a:t>
+            </a:r>
+            <a:r>
+              <a:rPr lang="it-IT" sz="2400" b="1" dirty="0" smtClean="0">
+                <a:latin typeface="Tahoma" panose="020B0604030504040204" pitchFamily="34" charset="0"/>
+                <a:ea typeface="Tahoma" panose="020B0604030504040204" pitchFamily="34" charset="0"/>
+                <a:cs typeface="Tahoma" panose="020B0604030504040204" pitchFamily="34" charset="0"/>
+              </a:rPr>
+              <a:t>volte</a:t>
+            </a:r>
+            <a:endParaRPr lang="it-IT" sz="2400" dirty="0" smtClean="0">
+              <a:latin typeface="Tahoma" panose="020B0604030504040204" pitchFamily="34" charset="0"/>
+              <a:ea typeface="Tahoma" panose="020B0604030504040204" pitchFamily="34" charset="0"/>
+              <a:cs typeface="Tahoma" panose="020B0604030504040204" pitchFamily="34" charset="0"/>
+            </a:endParaRPr>
+          </a:p>
+          <a:p>
+            <a:pPr marL="342900" indent="-342900">
+              <a:buFont typeface="Wingdings" panose="05000000000000000000" pitchFamily="2" charset="2"/>
+              <a:buChar char="ü"/>
+            </a:pPr>
+            <a:r>
+              <a:rPr lang="it-IT" sz="2400" dirty="0" smtClean="0">
+                <a:latin typeface="Tahoma" panose="020B0604030504040204" pitchFamily="34" charset="0"/>
+                <a:ea typeface="Tahoma" panose="020B0604030504040204" pitchFamily="34" charset="0"/>
+                <a:cs typeface="Tahoma" panose="020B0604030504040204" pitchFamily="34" charset="0"/>
+              </a:rPr>
+              <a:t>Ma </a:t>
+            </a:r>
+            <a:r>
+              <a:rPr lang="it-IT" sz="2400" dirty="0">
+                <a:latin typeface="Tahoma" panose="020B0604030504040204" pitchFamily="34" charset="0"/>
+                <a:ea typeface="Tahoma" panose="020B0604030504040204" pitchFamily="34" charset="0"/>
+                <a:cs typeface="Tahoma" panose="020B0604030504040204" pitchFamily="34" charset="0"/>
+              </a:rPr>
+              <a:t>anche in questo caso devo aggiungere l'ultimo confronto di uscita della </a:t>
+            </a:r>
+            <a:r>
+              <a:rPr lang="it-IT" sz="2400" b="1" dirty="0" smtClean="0">
+                <a:latin typeface="Tahoma" panose="020B0604030504040204" pitchFamily="34" charset="0"/>
+                <a:ea typeface="Tahoma" panose="020B0604030504040204" pitchFamily="34" charset="0"/>
+                <a:cs typeface="Tahoma" panose="020B0604030504040204" pitchFamily="34" charset="0"/>
+              </a:rPr>
+              <a:t>for</a:t>
+            </a:r>
+            <a:r>
+              <a:rPr lang="it-IT" sz="2400" dirty="0" smtClean="0">
+                <a:latin typeface="Tahoma" panose="020B0604030504040204" pitchFamily="34" charset="0"/>
+                <a:ea typeface="Tahoma" panose="020B0604030504040204" pitchFamily="34" charset="0"/>
+                <a:cs typeface="Tahoma" panose="020B0604030504040204" pitchFamily="34" charset="0"/>
+              </a:rPr>
+              <a:t>.</a:t>
+            </a:r>
+          </a:p>
+          <a:p>
+            <a:pPr marL="342900" indent="-342900">
+              <a:buFont typeface="Wingdings" panose="05000000000000000000" pitchFamily="2" charset="2"/>
+              <a:buChar char="ü"/>
+            </a:pPr>
+            <a:r>
+              <a:rPr lang="it-IT" sz="2400" dirty="0" smtClean="0">
+                <a:latin typeface="Tahoma" panose="020B0604030504040204" pitchFamily="34" charset="0"/>
+                <a:ea typeface="Tahoma" panose="020B0604030504040204" pitchFamily="34" charset="0"/>
+                <a:cs typeface="Tahoma" panose="020B0604030504040204" pitchFamily="34" charset="0"/>
+              </a:rPr>
+              <a:t>Quindi</a:t>
+            </a:r>
+            <a:r>
+              <a:rPr lang="it-IT" sz="2400" dirty="0">
+                <a:latin typeface="Tahoma" panose="020B0604030504040204" pitchFamily="34" charset="0"/>
+                <a:ea typeface="Tahoma" panose="020B0604030504040204" pitchFamily="34" charset="0"/>
+                <a:cs typeface="Tahoma" panose="020B0604030504040204" pitchFamily="34" charset="0"/>
+              </a:rPr>
+              <a:t>, la linea 3 viene eseguita </a:t>
+            </a:r>
+            <a:r>
+              <a:rPr lang="it-IT" sz="2400" b="1" dirty="0">
+                <a:latin typeface="Tahoma" panose="020B0604030504040204" pitchFamily="34" charset="0"/>
+                <a:ea typeface="Tahoma" panose="020B0604030504040204" pitchFamily="34" charset="0"/>
+                <a:cs typeface="Tahoma" panose="020B0604030504040204" pitchFamily="34" charset="0"/>
+              </a:rPr>
+              <a:t>0.5n</a:t>
+            </a:r>
+            <a:r>
+              <a:rPr lang="it-IT" sz="2400" b="1" baseline="30000" dirty="0">
+                <a:latin typeface="Tahoma" panose="020B0604030504040204" pitchFamily="34" charset="0"/>
+                <a:ea typeface="Tahoma" panose="020B0604030504040204" pitchFamily="34" charset="0"/>
+                <a:cs typeface="Tahoma" panose="020B0604030504040204" pitchFamily="34" charset="0"/>
+              </a:rPr>
+              <a:t>2</a:t>
+            </a:r>
+            <a:r>
+              <a:rPr lang="it-IT" sz="2400" b="1" dirty="0">
+                <a:latin typeface="Tahoma" panose="020B0604030504040204" pitchFamily="34" charset="0"/>
+                <a:ea typeface="Tahoma" panose="020B0604030504040204" pitchFamily="34" charset="0"/>
+                <a:cs typeface="Tahoma" panose="020B0604030504040204" pitchFamily="34" charset="0"/>
+              </a:rPr>
+              <a:t> + 0.5n volte</a:t>
+            </a:r>
+            <a:endParaRPr lang="it-IT" sz="2400" dirty="0">
+              <a:latin typeface="Tahoma" panose="020B0604030504040204" pitchFamily="34" charset="0"/>
+              <a:ea typeface="Tahoma" panose="020B0604030504040204" pitchFamily="34" charset="0"/>
+              <a:cs typeface="Tahoma" panose="020B0604030504040204" pitchFamily="34" charset="0"/>
+            </a:endParaRPr>
+          </a:p>
+          <a:p>
+            <a:pPr marL="342900" indent="-342900">
+              <a:buFont typeface="Wingdings" panose="05000000000000000000" pitchFamily="2" charset="2"/>
+              <a:buChar char="ü"/>
+            </a:pPr>
+            <a:endParaRPr lang="it-IT" sz="2400" dirty="0">
+              <a:solidFill>
+                <a:srgbClr val="000000"/>
+              </a:solidFill>
+              <a:latin typeface="Tahoma" panose="020B0604030504040204" pitchFamily="34" charset="0"/>
+              <a:ea typeface="Tahoma" panose="020B0604030504040204" pitchFamily="34" charset="0"/>
+              <a:cs typeface="Tahoma" panose="020B0604030504040204" pitchFamily="34" charset="0"/>
+            </a:endParaRPr>
+          </a:p>
+        </p:txBody>
+      </p:sp>
+      <p:sp>
+        <p:nvSpPr>
+          <p:cNvPr id="7" name="Segnaposto numero diapositiva 6">
+            <a:extLst>
+              <a:ext uri="{FF2B5EF4-FFF2-40B4-BE49-F238E27FC236}">
+                <a16:creationId xmlns:a16="http://schemas.microsoft.com/office/drawing/2014/main" id="{AB740BE9-E218-4144-BFDE-AE473D230A3D}"/>
+              </a:ext>
+            </a:extLst>
+          </p:cNvPr>
+          <p:cNvSpPr>
+            <a:spLocks noGrp="1"/>
+          </p:cNvSpPr>
+          <p:nvPr>
+            <p:ph type="sldNum" sz="quarter" idx="12"/>
+          </p:nvPr>
+        </p:nvSpPr>
+        <p:spPr/>
+        <p:txBody>
+          <a:bodyPr/>
+          <a:lstStyle/>
+          <a:p>
+            <a:pPr>
+              <a:defRPr/>
+            </a:pPr>
+            <a:fld id="{48B4153A-D4C5-4CEF-8992-0D8815C829E3}" type="slidenum">
+              <a:rPr lang="en-US" smtClean="0"/>
+              <a:pPr>
+                <a:defRPr/>
+              </a:pPr>
+              <a:t>26</a:t>
+            </a:fld>
+            <a:endParaRPr lang="en-US" dirty="0"/>
+          </a:p>
+        </p:txBody>
+      </p:sp>
+      <p:sp>
+        <p:nvSpPr>
+          <p:cNvPr id="4" name="Titolo 4">
+            <a:extLst>
+              <a:ext uri="{FF2B5EF4-FFF2-40B4-BE49-F238E27FC236}">
+                <a16:creationId xmlns:a16="http://schemas.microsoft.com/office/drawing/2014/main" id="{B0CAFD71-4F5B-319A-8F68-C27ACA49FC3B}"/>
+              </a:ext>
+            </a:extLst>
+          </p:cNvPr>
+          <p:cNvSpPr txBox="1">
+            <a:spLocks/>
+          </p:cNvSpPr>
+          <p:nvPr/>
+        </p:nvSpPr>
+        <p:spPr bwMode="auto">
+          <a:xfrm>
+            <a:off x="397304" y="410627"/>
+            <a:ext cx="11269662" cy="384721"/>
+          </a:xfrm>
+          <a:prstGeom prst="rect">
+            <a:avLst/>
+          </a:prstGeom>
+          <a:noFill/>
+          <a:ln>
+            <a:noFill/>
+          </a:ln>
+          <a:extLst>
+            <a:ext uri="{909E8E84-426E-40DD-AFC4-6F175D3DCCD1}">
+              <a14:hiddenFill xmlns:a14="http://schemas.microsoft.com/office/drawing/2010/main">
+                <a:solidFill>
+                  <a:srgbClr val="FFFFFF"/>
+                </a:solidFill>
+              </a14:hiddenFill>
+            </a:ext>
+            <a:ext uri="{91240B29-F687-4F45-9708-019B960494DF}">
+              <a14:hiddenLine xmlns:a14="http://schemas.microsoft.com/office/drawing/2010/main" w="9525">
+                <a:solidFill>
+                  <a:srgbClr val="000000"/>
+                </a:solidFill>
+                <a:miter lim="800000"/>
+                <a:headEnd/>
+                <a:tailEnd/>
+              </a14:hiddenLine>
+            </a:ext>
+          </a:extLst>
+        </p:spPr>
+        <p:txBody>
+          <a:bodyPr vert="horz" wrap="square" lIns="0" tIns="0" rIns="0" bIns="0" numCol="1" rtlCol="0" anchor="b" anchorCtr="0" compatLnSpc="1">
+            <a:prstTxWarp prst="textNoShape">
+              <a:avLst/>
+            </a:prstTxWarp>
+            <a:spAutoFit/>
+          </a:bodyPr>
+          <a:lstStyle>
+            <a:lvl1pPr algn="l" defTabSz="457200" rtl="0" fontAlgn="base">
+              <a:lnSpc>
+                <a:spcPts val="3000"/>
+              </a:lnSpc>
+              <a:spcBef>
+                <a:spcPct val="0"/>
+              </a:spcBef>
+              <a:spcAft>
+                <a:spcPct val="0"/>
+              </a:spcAft>
+              <a:defRPr sz="2800" b="1" kern="1200" cap="none" baseline="0">
+                <a:solidFill>
+                  <a:srgbClr val="595959"/>
+                </a:solidFill>
+                <a:latin typeface="Arial" panose="020B0604020202020204" pitchFamily="34" charset="0"/>
+                <a:ea typeface="+mj-ea"/>
+                <a:cs typeface="Arial" panose="020B0604020202020204" pitchFamily="34" charset="0"/>
+              </a:defRPr>
+            </a:lvl1pPr>
+            <a:lvl2pPr algn="l" defTabSz="457200" rtl="0" fontAlgn="base">
+              <a:spcBef>
+                <a:spcPct val="0"/>
+              </a:spcBef>
+              <a:spcAft>
+                <a:spcPct val="0"/>
+              </a:spcAft>
+              <a:defRPr sz="2400" b="1">
+                <a:solidFill>
+                  <a:srgbClr val="595959"/>
+                </a:solidFill>
+                <a:latin typeface="Arial" panose="020B0604020202020204" pitchFamily="34" charset="0"/>
+                <a:cs typeface="Arial" panose="020B0604020202020204" pitchFamily="34" charset="0"/>
+              </a:defRPr>
+            </a:lvl2pPr>
+            <a:lvl3pPr algn="l" defTabSz="457200" rtl="0" fontAlgn="base">
+              <a:spcBef>
+                <a:spcPct val="0"/>
+              </a:spcBef>
+              <a:spcAft>
+                <a:spcPct val="0"/>
+              </a:spcAft>
+              <a:defRPr sz="2400" b="1">
+                <a:solidFill>
+                  <a:srgbClr val="595959"/>
+                </a:solidFill>
+                <a:latin typeface="Arial" panose="020B0604020202020204" pitchFamily="34" charset="0"/>
+                <a:cs typeface="Arial" panose="020B0604020202020204" pitchFamily="34" charset="0"/>
+              </a:defRPr>
+            </a:lvl3pPr>
+            <a:lvl4pPr algn="l" defTabSz="457200" rtl="0" fontAlgn="base">
+              <a:spcBef>
+                <a:spcPct val="0"/>
+              </a:spcBef>
+              <a:spcAft>
+                <a:spcPct val="0"/>
+              </a:spcAft>
+              <a:defRPr sz="2400" b="1">
+                <a:solidFill>
+                  <a:srgbClr val="595959"/>
+                </a:solidFill>
+                <a:latin typeface="Arial" panose="020B0604020202020204" pitchFamily="34" charset="0"/>
+                <a:cs typeface="Arial" panose="020B0604020202020204" pitchFamily="34" charset="0"/>
+              </a:defRPr>
+            </a:lvl4pPr>
+            <a:lvl5pPr algn="l" defTabSz="457200" rtl="0" fontAlgn="base">
+              <a:spcBef>
+                <a:spcPct val="0"/>
+              </a:spcBef>
+              <a:spcAft>
+                <a:spcPct val="0"/>
+              </a:spcAft>
+              <a:defRPr sz="2400" b="1">
+                <a:solidFill>
+                  <a:srgbClr val="595959"/>
+                </a:solidFill>
+                <a:latin typeface="Arial" panose="020B0604020202020204" pitchFamily="34" charset="0"/>
+                <a:cs typeface="Arial" panose="020B0604020202020204" pitchFamily="34" charset="0"/>
+              </a:defRPr>
+            </a:lvl5pPr>
+            <a:lvl6pPr eaLnBrk="1" hangingPunct="1">
+              <a:defRPr>
+                <a:solidFill>
+                  <a:schemeClr val="tx2"/>
+                </a:solidFill>
+              </a:defRPr>
+            </a:lvl6pPr>
+            <a:lvl7pPr eaLnBrk="1" hangingPunct="1">
+              <a:defRPr>
+                <a:solidFill>
+                  <a:schemeClr val="tx2"/>
+                </a:solidFill>
+              </a:defRPr>
+            </a:lvl7pPr>
+            <a:lvl8pPr eaLnBrk="1" hangingPunct="1">
+              <a:defRPr>
+                <a:solidFill>
+                  <a:schemeClr val="tx2"/>
+                </a:solidFill>
+              </a:defRPr>
+            </a:lvl8pPr>
+            <a:lvl9pPr eaLnBrk="1" hangingPunct="1">
+              <a:defRPr>
+                <a:solidFill>
+                  <a:schemeClr val="tx2"/>
+                </a:solidFill>
+              </a:defRPr>
+            </a:lvl9pPr>
+          </a:lstStyle>
+          <a:p>
+            <a:pPr eaLnBrk="1" hangingPunct="1"/>
+            <a:r>
+              <a:rPr lang="it-IT">
+                <a:solidFill>
+                  <a:schemeClr val="tx1"/>
+                </a:solidFill>
+                <a:latin typeface="Tahoma" panose="020B0604030504040204" pitchFamily="34" charset="0"/>
+                <a:ea typeface="Tahoma" panose="020B0604030504040204" pitchFamily="34" charset="0"/>
+                <a:cs typeface="Tahoma" panose="020B0604030504040204" pitchFamily="34" charset="0"/>
+              </a:rPr>
+              <a:t>Calcolare la Complessità Temporale di un Algoritmo</a:t>
+            </a:r>
+            <a:endParaRPr lang="it-IT" dirty="0"/>
+          </a:p>
+        </p:txBody>
+      </p:sp>
+      <p:pic>
+        <p:nvPicPr>
+          <p:cNvPr id="2" name="Immagine 1"/>
+          <p:cNvPicPr>
+            <a:picLocks noChangeAspect="1"/>
+          </p:cNvPicPr>
+          <p:nvPr/>
+        </p:nvPicPr>
+        <p:blipFill>
+          <a:blip r:embed="rId2"/>
+          <a:stretch>
+            <a:fillRect/>
+          </a:stretch>
+        </p:blipFill>
+        <p:spPr>
+          <a:xfrm>
+            <a:off x="6327160" y="2294315"/>
+            <a:ext cx="5616576" cy="2603942"/>
+          </a:xfrm>
+          <a:prstGeom prst="rect">
+            <a:avLst/>
+          </a:prstGeom>
+        </p:spPr>
+      </p:pic>
+    </p:spTree>
+    <p:extLst>
+      <p:ext uri="{BB962C8B-B14F-4D97-AF65-F5344CB8AC3E}">
+        <p14:creationId xmlns:p14="http://schemas.microsoft.com/office/powerpoint/2010/main" val="2081383560"/>
+      </p:ext>
+    </p:extLst>
+  </p:cSld>
+  <p:clrMapOvr>
+    <a:masterClrMapping/>
+  </p:clrMapOvr>
+</p:sld>
+</file>
+
+<file path=ppt/slides/slide27.xml><?xml version="1.0" encoding="utf-8"?>
+<p:sld xmlns:a="http://schemas.openxmlformats.org/drawingml/2006/main" xmlns:r="http://schemas.openxmlformats.org/officeDocument/2006/relationships" xmlns:p="http://schemas.openxmlformats.org/presentationml/2006/main">
+  <p:cSld>
+    <p:spTree>
+      <p:nvGrpSpPr>
+        <p:cNvPr id="1" name=""/>
+        <p:cNvGrpSpPr/>
+        <p:nvPr/>
+      </p:nvGrpSpPr>
+      <p:grpSpPr>
+        <a:xfrm>
+          <a:off x="0" y="0"/>
+          <a:ext cx="0" cy="0"/>
+          <a:chOff x="0" y="0"/>
+          <a:chExt cx="0" cy="0"/>
+        </a:xfrm>
+      </p:grpSpPr>
+      <p:sp>
+        <p:nvSpPr>
+          <p:cNvPr id="3" name="Segnaposto testo 2">
+            <a:extLst>
+              <a:ext uri="{FF2B5EF4-FFF2-40B4-BE49-F238E27FC236}">
+                <a16:creationId xmlns:a16="http://schemas.microsoft.com/office/drawing/2014/main" id="{F15B28AB-8720-E62B-6D01-393C590EDE2E}"/>
+              </a:ext>
+            </a:extLst>
+          </p:cNvPr>
+          <p:cNvSpPr>
+            <a:spLocks noGrp="1"/>
+          </p:cNvSpPr>
+          <p:nvPr>
+            <p:ph type="body" idx="1"/>
+          </p:nvPr>
+        </p:nvSpPr>
+        <p:spPr>
+          <a:xfrm>
+            <a:off x="825119" y="1264089"/>
+            <a:ext cx="10688455" cy="4392612"/>
+          </a:xfrm>
+        </p:spPr>
+        <p:txBody>
+          <a:bodyPr/>
+          <a:lstStyle/>
+          <a:p>
+            <a:pPr marL="342900" indent="-342900">
+              <a:buFont typeface="Wingdings" panose="05000000000000000000" pitchFamily="2" charset="2"/>
+              <a:buChar char="ü"/>
+            </a:pPr>
+            <a:r>
+              <a:rPr lang="it-IT" sz="2400" dirty="0" smtClean="0">
+                <a:latin typeface="Tahoma" panose="020B0604030504040204" pitchFamily="34" charset="0"/>
+                <a:ea typeface="Tahoma" panose="020B0604030504040204" pitchFamily="34" charset="0"/>
+                <a:cs typeface="Tahoma" panose="020B0604030504040204" pitchFamily="34" charset="0"/>
+              </a:rPr>
+              <a:t>La </a:t>
+            </a:r>
+            <a:r>
+              <a:rPr lang="it-IT" sz="2400" dirty="0">
+                <a:latin typeface="Tahoma" panose="020B0604030504040204" pitchFamily="34" charset="0"/>
+                <a:ea typeface="Tahoma" panose="020B0604030504040204" pitchFamily="34" charset="0"/>
+                <a:cs typeface="Tahoma" panose="020B0604030504040204" pitchFamily="34" charset="0"/>
+              </a:rPr>
+              <a:t>linea 4 viene eseguita ogni iterazione del ciclo interno (salvo il confronto finale di uscita</a:t>
+            </a:r>
+            <a:r>
+              <a:rPr lang="it-IT" sz="2400" dirty="0" smtClean="0">
+                <a:latin typeface="Tahoma" panose="020B0604030504040204" pitchFamily="34" charset="0"/>
+                <a:ea typeface="Tahoma" panose="020B0604030504040204" pitchFamily="34" charset="0"/>
+                <a:cs typeface="Tahoma" panose="020B0604030504040204" pitchFamily="34" charset="0"/>
+              </a:rPr>
+              <a:t>).</a:t>
+            </a:r>
+          </a:p>
+          <a:p>
+            <a:pPr marL="342900" indent="-342900">
+              <a:buFont typeface="Wingdings" panose="05000000000000000000" pitchFamily="2" charset="2"/>
+              <a:buChar char="ü"/>
+            </a:pPr>
+            <a:r>
+              <a:rPr lang="it-IT" sz="2400" dirty="0" smtClean="0">
+                <a:latin typeface="Tahoma" panose="020B0604030504040204" pitchFamily="34" charset="0"/>
+                <a:ea typeface="Tahoma" panose="020B0604030504040204" pitchFamily="34" charset="0"/>
+                <a:cs typeface="Tahoma" panose="020B0604030504040204" pitchFamily="34" charset="0"/>
+              </a:rPr>
+              <a:t>Quindi </a:t>
+            </a:r>
+            <a:r>
+              <a:rPr lang="it-IT" sz="2400" dirty="0">
+                <a:latin typeface="Tahoma" panose="020B0604030504040204" pitchFamily="34" charset="0"/>
+                <a:ea typeface="Tahoma" panose="020B0604030504040204" pitchFamily="34" charset="0"/>
+                <a:cs typeface="Tahoma" panose="020B0604030504040204" pitchFamily="34" charset="0"/>
+              </a:rPr>
+              <a:t>la linea 4 viene eseguita </a:t>
+            </a:r>
+            <a:r>
+              <a:rPr lang="it-IT" sz="2400" b="1" dirty="0">
+                <a:latin typeface="Tahoma" panose="020B0604030504040204" pitchFamily="34" charset="0"/>
+                <a:ea typeface="Tahoma" panose="020B0604030504040204" pitchFamily="34" charset="0"/>
+                <a:cs typeface="Tahoma" panose="020B0604030504040204" pitchFamily="34" charset="0"/>
+              </a:rPr>
+              <a:t>0.5n</a:t>
+            </a:r>
+            <a:r>
+              <a:rPr lang="it-IT" sz="2400" b="1" baseline="30000" dirty="0">
+                <a:latin typeface="Tahoma" panose="020B0604030504040204" pitchFamily="34" charset="0"/>
+                <a:ea typeface="Tahoma" panose="020B0604030504040204" pitchFamily="34" charset="0"/>
+                <a:cs typeface="Tahoma" panose="020B0604030504040204" pitchFamily="34" charset="0"/>
+              </a:rPr>
+              <a:t>2</a:t>
+            </a:r>
+            <a:r>
+              <a:rPr lang="it-IT" sz="2400" b="1" dirty="0">
+                <a:latin typeface="Tahoma" panose="020B0604030504040204" pitchFamily="34" charset="0"/>
+                <a:ea typeface="Tahoma" panose="020B0604030504040204" pitchFamily="34" charset="0"/>
+                <a:cs typeface="Tahoma" panose="020B0604030504040204" pitchFamily="34" charset="0"/>
+              </a:rPr>
+              <a:t> + 0.5n - 1 volte</a:t>
+            </a:r>
+            <a:r>
+              <a:rPr lang="it-IT" sz="2400" dirty="0">
+                <a:latin typeface="Tahoma" panose="020B0604030504040204" pitchFamily="34" charset="0"/>
+                <a:ea typeface="Tahoma" panose="020B0604030504040204" pitchFamily="34" charset="0"/>
+                <a:cs typeface="Tahoma" panose="020B0604030504040204" pitchFamily="34" charset="0"/>
+              </a:rPr>
+              <a:t>.</a:t>
+            </a:r>
+          </a:p>
+          <a:p>
+            <a:pPr marL="342900" indent="-342900">
+              <a:buFont typeface="Wingdings" panose="05000000000000000000" pitchFamily="2" charset="2"/>
+              <a:buChar char="ü"/>
+            </a:pPr>
+            <a:endParaRPr lang="it-IT" sz="2400" dirty="0" smtClean="0">
+              <a:latin typeface="Tahoma" panose="020B0604030504040204" pitchFamily="34" charset="0"/>
+              <a:ea typeface="Tahoma" panose="020B0604030504040204" pitchFamily="34" charset="0"/>
+              <a:cs typeface="Tahoma" panose="020B0604030504040204" pitchFamily="34" charset="0"/>
+            </a:endParaRPr>
+          </a:p>
+          <a:p>
+            <a:pPr marL="342900" indent="-342900">
+              <a:buFont typeface="Wingdings" panose="05000000000000000000" pitchFamily="2" charset="2"/>
+              <a:buChar char="ü"/>
+            </a:pPr>
+            <a:endParaRPr lang="it-IT" sz="2400" dirty="0">
+              <a:latin typeface="Tahoma" panose="020B0604030504040204" pitchFamily="34" charset="0"/>
+              <a:ea typeface="Tahoma" panose="020B0604030504040204" pitchFamily="34" charset="0"/>
+              <a:cs typeface="Tahoma" panose="020B0604030504040204" pitchFamily="34" charset="0"/>
+            </a:endParaRPr>
+          </a:p>
+          <a:p>
+            <a:pPr marL="342900" indent="-342900">
+              <a:buFont typeface="Wingdings" panose="05000000000000000000" pitchFamily="2" charset="2"/>
+              <a:buChar char="ü"/>
+            </a:pPr>
+            <a:endParaRPr lang="it-IT" sz="2400" dirty="0">
+              <a:latin typeface="Tahoma" panose="020B0604030504040204" pitchFamily="34" charset="0"/>
+              <a:ea typeface="Tahoma" panose="020B0604030504040204" pitchFamily="34" charset="0"/>
+              <a:cs typeface="Tahoma" panose="020B0604030504040204" pitchFamily="34" charset="0"/>
+            </a:endParaRPr>
+          </a:p>
+          <a:p>
+            <a:pPr marL="342900" indent="-342900">
+              <a:buFont typeface="Wingdings" panose="05000000000000000000" pitchFamily="2" charset="2"/>
+              <a:buChar char="ü"/>
+            </a:pPr>
+            <a:endParaRPr lang="it-IT" sz="2400" dirty="0">
+              <a:latin typeface="Tahoma" panose="020B0604030504040204" pitchFamily="34" charset="0"/>
+              <a:ea typeface="Tahoma" panose="020B0604030504040204" pitchFamily="34" charset="0"/>
+              <a:cs typeface="Tahoma" panose="020B0604030504040204" pitchFamily="34" charset="0"/>
+            </a:endParaRPr>
+          </a:p>
+          <a:p>
+            <a:pPr marL="342900" indent="-342900">
+              <a:buFont typeface="Wingdings" panose="05000000000000000000" pitchFamily="2" charset="2"/>
+              <a:buChar char="ü"/>
+            </a:pPr>
+            <a:endParaRPr lang="it-IT" sz="2400" dirty="0">
+              <a:solidFill>
+                <a:srgbClr val="000000"/>
+              </a:solidFill>
+              <a:latin typeface="Tahoma" panose="020B0604030504040204" pitchFamily="34" charset="0"/>
+              <a:ea typeface="Tahoma" panose="020B0604030504040204" pitchFamily="34" charset="0"/>
+              <a:cs typeface="Tahoma" panose="020B0604030504040204" pitchFamily="34" charset="0"/>
+            </a:endParaRPr>
+          </a:p>
+          <a:p>
+            <a:pPr algn="l"/>
+            <a:endParaRPr lang="it-IT" sz="2400" b="0" i="0" dirty="0">
+              <a:solidFill>
+                <a:srgbClr val="000000"/>
+              </a:solidFill>
+              <a:effectLst/>
+              <a:latin typeface="Tahoma" panose="020B0604030504040204" pitchFamily="34" charset="0"/>
+              <a:ea typeface="Tahoma" panose="020B0604030504040204" pitchFamily="34" charset="0"/>
+              <a:cs typeface="Tahoma" panose="020B0604030504040204" pitchFamily="34" charset="0"/>
+            </a:endParaRPr>
+          </a:p>
+          <a:p>
+            <a:pPr marL="342900" indent="-342900">
+              <a:buFont typeface="Wingdings" panose="05000000000000000000" pitchFamily="2" charset="2"/>
+              <a:buChar char="ü"/>
+            </a:pPr>
+            <a:endParaRPr lang="it-IT" sz="2400" dirty="0">
+              <a:solidFill>
+                <a:srgbClr val="000000"/>
+              </a:solidFill>
+              <a:latin typeface="Tahoma" panose="020B0604030504040204" pitchFamily="34" charset="0"/>
+              <a:ea typeface="Tahoma" panose="020B0604030504040204" pitchFamily="34" charset="0"/>
+              <a:cs typeface="Tahoma" panose="020B0604030504040204" pitchFamily="34" charset="0"/>
+            </a:endParaRPr>
+          </a:p>
+          <a:p>
+            <a:pPr marL="342900" indent="-342900">
+              <a:buFont typeface="Wingdings" panose="05000000000000000000" pitchFamily="2" charset="2"/>
+              <a:buChar char="ü"/>
+            </a:pPr>
+            <a:endParaRPr lang="it-IT" sz="2400" dirty="0">
+              <a:solidFill>
+                <a:srgbClr val="000000"/>
+              </a:solidFill>
+              <a:latin typeface="Tahoma" panose="020B0604030504040204" pitchFamily="34" charset="0"/>
+              <a:ea typeface="Tahoma" panose="020B0604030504040204" pitchFamily="34" charset="0"/>
+              <a:cs typeface="Tahoma" panose="020B0604030504040204" pitchFamily="34" charset="0"/>
+            </a:endParaRPr>
+          </a:p>
+        </p:txBody>
+      </p:sp>
+      <p:sp>
+        <p:nvSpPr>
+          <p:cNvPr id="7" name="Segnaposto numero diapositiva 6">
+            <a:extLst>
+              <a:ext uri="{FF2B5EF4-FFF2-40B4-BE49-F238E27FC236}">
+                <a16:creationId xmlns:a16="http://schemas.microsoft.com/office/drawing/2014/main" id="{AB740BE9-E218-4144-BFDE-AE473D230A3D}"/>
+              </a:ext>
+            </a:extLst>
+          </p:cNvPr>
+          <p:cNvSpPr>
+            <a:spLocks noGrp="1"/>
+          </p:cNvSpPr>
+          <p:nvPr>
+            <p:ph type="sldNum" sz="quarter" idx="12"/>
+          </p:nvPr>
+        </p:nvSpPr>
+        <p:spPr/>
+        <p:txBody>
+          <a:bodyPr/>
+          <a:lstStyle/>
+          <a:p>
+            <a:pPr>
+              <a:defRPr/>
+            </a:pPr>
+            <a:fld id="{48B4153A-D4C5-4CEF-8992-0D8815C829E3}" type="slidenum">
+              <a:rPr lang="en-US" smtClean="0"/>
+              <a:pPr>
+                <a:defRPr/>
+              </a:pPr>
+              <a:t>27</a:t>
+            </a:fld>
+            <a:endParaRPr lang="en-US" dirty="0"/>
+          </a:p>
+        </p:txBody>
+      </p:sp>
+      <p:sp>
+        <p:nvSpPr>
+          <p:cNvPr id="4" name="Titolo 4">
+            <a:extLst>
+              <a:ext uri="{FF2B5EF4-FFF2-40B4-BE49-F238E27FC236}">
+                <a16:creationId xmlns:a16="http://schemas.microsoft.com/office/drawing/2014/main" id="{B0CAFD71-4F5B-319A-8F68-C27ACA49FC3B}"/>
+              </a:ext>
+            </a:extLst>
+          </p:cNvPr>
+          <p:cNvSpPr txBox="1">
+            <a:spLocks/>
+          </p:cNvSpPr>
+          <p:nvPr/>
+        </p:nvSpPr>
+        <p:spPr bwMode="auto">
+          <a:xfrm>
+            <a:off x="397304" y="410627"/>
+            <a:ext cx="11269662" cy="384721"/>
+          </a:xfrm>
+          <a:prstGeom prst="rect">
+            <a:avLst/>
+          </a:prstGeom>
+          <a:noFill/>
+          <a:ln>
+            <a:noFill/>
+          </a:ln>
+          <a:extLst>
+            <a:ext uri="{909E8E84-426E-40DD-AFC4-6F175D3DCCD1}">
+              <a14:hiddenFill xmlns:a14="http://schemas.microsoft.com/office/drawing/2010/main">
+                <a:solidFill>
+                  <a:srgbClr val="FFFFFF"/>
+                </a:solidFill>
+              </a14:hiddenFill>
+            </a:ext>
+            <a:ext uri="{91240B29-F687-4F45-9708-019B960494DF}">
+              <a14:hiddenLine xmlns:a14="http://schemas.microsoft.com/office/drawing/2010/main" w="9525">
+                <a:solidFill>
+                  <a:srgbClr val="000000"/>
+                </a:solidFill>
+                <a:miter lim="800000"/>
+                <a:headEnd/>
+                <a:tailEnd/>
+              </a14:hiddenLine>
+            </a:ext>
+          </a:extLst>
+        </p:spPr>
+        <p:txBody>
+          <a:bodyPr vert="horz" wrap="square" lIns="0" tIns="0" rIns="0" bIns="0" numCol="1" rtlCol="0" anchor="b" anchorCtr="0" compatLnSpc="1">
+            <a:prstTxWarp prst="textNoShape">
+              <a:avLst/>
+            </a:prstTxWarp>
+            <a:spAutoFit/>
+          </a:bodyPr>
+          <a:lstStyle>
+            <a:lvl1pPr algn="l" defTabSz="457200" rtl="0" fontAlgn="base">
+              <a:lnSpc>
+                <a:spcPts val="3000"/>
+              </a:lnSpc>
+              <a:spcBef>
+                <a:spcPct val="0"/>
+              </a:spcBef>
+              <a:spcAft>
+                <a:spcPct val="0"/>
+              </a:spcAft>
+              <a:defRPr sz="2800" b="1" kern="1200" cap="none" baseline="0">
+                <a:solidFill>
+                  <a:srgbClr val="595959"/>
+                </a:solidFill>
+                <a:latin typeface="Arial" panose="020B0604020202020204" pitchFamily="34" charset="0"/>
+                <a:ea typeface="+mj-ea"/>
+                <a:cs typeface="Arial" panose="020B0604020202020204" pitchFamily="34" charset="0"/>
+              </a:defRPr>
+            </a:lvl1pPr>
+            <a:lvl2pPr algn="l" defTabSz="457200" rtl="0" fontAlgn="base">
+              <a:spcBef>
+                <a:spcPct val="0"/>
+              </a:spcBef>
+              <a:spcAft>
+                <a:spcPct val="0"/>
+              </a:spcAft>
+              <a:defRPr sz="2400" b="1">
+                <a:solidFill>
+                  <a:srgbClr val="595959"/>
+                </a:solidFill>
+                <a:latin typeface="Arial" panose="020B0604020202020204" pitchFamily="34" charset="0"/>
+                <a:cs typeface="Arial" panose="020B0604020202020204" pitchFamily="34" charset="0"/>
+              </a:defRPr>
+            </a:lvl2pPr>
+            <a:lvl3pPr algn="l" defTabSz="457200" rtl="0" fontAlgn="base">
+              <a:spcBef>
+                <a:spcPct val="0"/>
+              </a:spcBef>
+              <a:spcAft>
+                <a:spcPct val="0"/>
+              </a:spcAft>
+              <a:defRPr sz="2400" b="1">
+                <a:solidFill>
+                  <a:srgbClr val="595959"/>
+                </a:solidFill>
+                <a:latin typeface="Arial" panose="020B0604020202020204" pitchFamily="34" charset="0"/>
+                <a:cs typeface="Arial" panose="020B0604020202020204" pitchFamily="34" charset="0"/>
+              </a:defRPr>
+            </a:lvl3pPr>
+            <a:lvl4pPr algn="l" defTabSz="457200" rtl="0" fontAlgn="base">
+              <a:spcBef>
+                <a:spcPct val="0"/>
+              </a:spcBef>
+              <a:spcAft>
+                <a:spcPct val="0"/>
+              </a:spcAft>
+              <a:defRPr sz="2400" b="1">
+                <a:solidFill>
+                  <a:srgbClr val="595959"/>
+                </a:solidFill>
+                <a:latin typeface="Arial" panose="020B0604020202020204" pitchFamily="34" charset="0"/>
+                <a:cs typeface="Arial" panose="020B0604020202020204" pitchFamily="34" charset="0"/>
+              </a:defRPr>
+            </a:lvl4pPr>
+            <a:lvl5pPr algn="l" defTabSz="457200" rtl="0" fontAlgn="base">
+              <a:spcBef>
+                <a:spcPct val="0"/>
+              </a:spcBef>
+              <a:spcAft>
+                <a:spcPct val="0"/>
+              </a:spcAft>
+              <a:defRPr sz="2400" b="1">
+                <a:solidFill>
+                  <a:srgbClr val="595959"/>
+                </a:solidFill>
+                <a:latin typeface="Arial" panose="020B0604020202020204" pitchFamily="34" charset="0"/>
+                <a:cs typeface="Arial" panose="020B0604020202020204" pitchFamily="34" charset="0"/>
+              </a:defRPr>
+            </a:lvl5pPr>
+            <a:lvl6pPr eaLnBrk="1" hangingPunct="1">
+              <a:defRPr>
+                <a:solidFill>
+                  <a:schemeClr val="tx2"/>
+                </a:solidFill>
+              </a:defRPr>
+            </a:lvl6pPr>
+            <a:lvl7pPr eaLnBrk="1" hangingPunct="1">
+              <a:defRPr>
+                <a:solidFill>
+                  <a:schemeClr val="tx2"/>
+                </a:solidFill>
+              </a:defRPr>
+            </a:lvl7pPr>
+            <a:lvl8pPr eaLnBrk="1" hangingPunct="1">
+              <a:defRPr>
+                <a:solidFill>
+                  <a:schemeClr val="tx2"/>
+                </a:solidFill>
+              </a:defRPr>
+            </a:lvl8pPr>
+            <a:lvl9pPr eaLnBrk="1" hangingPunct="1">
+              <a:defRPr>
+                <a:solidFill>
+                  <a:schemeClr val="tx2"/>
+                </a:solidFill>
+              </a:defRPr>
+            </a:lvl9pPr>
+          </a:lstStyle>
+          <a:p>
+            <a:pPr eaLnBrk="1" hangingPunct="1"/>
+            <a:r>
+              <a:rPr lang="it-IT">
+                <a:solidFill>
+                  <a:schemeClr val="tx1"/>
+                </a:solidFill>
+                <a:latin typeface="Tahoma" panose="020B0604030504040204" pitchFamily="34" charset="0"/>
+                <a:ea typeface="Tahoma" panose="020B0604030504040204" pitchFamily="34" charset="0"/>
+                <a:cs typeface="Tahoma" panose="020B0604030504040204" pitchFamily="34" charset="0"/>
+              </a:rPr>
+              <a:t>Calcolare la Complessità Temporale di un Algoritmo</a:t>
+            </a:r>
+            <a:endParaRPr lang="it-IT" dirty="0"/>
+          </a:p>
+        </p:txBody>
+      </p:sp>
+      <p:pic>
+        <p:nvPicPr>
+          <p:cNvPr id="5" name="Immagine 4"/>
+          <p:cNvPicPr>
+            <a:picLocks noChangeAspect="1"/>
+          </p:cNvPicPr>
+          <p:nvPr/>
+        </p:nvPicPr>
+        <p:blipFill>
+          <a:blip r:embed="rId2"/>
+          <a:stretch>
+            <a:fillRect/>
+          </a:stretch>
+        </p:blipFill>
+        <p:spPr>
+          <a:xfrm>
+            <a:off x="1233556" y="2709161"/>
+            <a:ext cx="10010607" cy="3317802"/>
+          </a:xfrm>
+          <a:prstGeom prst="rect">
+            <a:avLst/>
+          </a:prstGeom>
+        </p:spPr>
+      </p:pic>
+    </p:spTree>
+    <p:extLst>
+      <p:ext uri="{BB962C8B-B14F-4D97-AF65-F5344CB8AC3E}">
+        <p14:creationId xmlns:p14="http://schemas.microsoft.com/office/powerpoint/2010/main" val="3736598264"/>
+      </p:ext>
+    </p:extLst>
+  </p:cSld>
+  <p:clrMapOvr>
+    <a:masterClrMapping/>
+  </p:clrMapOvr>
+</p:sld>
+</file>
+
+<file path=ppt/slides/slide28.xml><?xml version="1.0" encoding="utf-8"?>
+<p:sld xmlns:a="http://schemas.openxmlformats.org/drawingml/2006/main" xmlns:r="http://schemas.openxmlformats.org/officeDocument/2006/relationships" xmlns:p="http://schemas.openxmlformats.org/presentationml/2006/main">
+  <p:cSld>
+    <p:spTree>
+      <p:nvGrpSpPr>
+        <p:cNvPr id="1" name=""/>
+        <p:cNvGrpSpPr/>
+        <p:nvPr/>
+      </p:nvGrpSpPr>
+      <p:grpSpPr>
+        <a:xfrm>
+          <a:off x="0" y="0"/>
+          <a:ext cx="0" cy="0"/>
+          <a:chOff x="0" y="0"/>
+          <a:chExt cx="0" cy="0"/>
+        </a:xfrm>
+      </p:grpSpPr>
+      <p:sp>
+        <p:nvSpPr>
+          <p:cNvPr id="3" name="Segnaposto testo 2">
+            <a:extLst>
+              <a:ext uri="{FF2B5EF4-FFF2-40B4-BE49-F238E27FC236}">
+                <a16:creationId xmlns:a16="http://schemas.microsoft.com/office/drawing/2014/main" id="{F15B28AB-8720-E62B-6D01-393C590EDE2E}"/>
+              </a:ext>
+            </a:extLst>
+          </p:cNvPr>
+          <p:cNvSpPr>
+            <a:spLocks noGrp="1"/>
+          </p:cNvSpPr>
+          <p:nvPr>
+            <p:ph type="body" idx="1"/>
+          </p:nvPr>
+        </p:nvSpPr>
+        <p:spPr>
+          <a:xfrm>
+            <a:off x="825119" y="1264089"/>
+            <a:ext cx="10688455" cy="4392612"/>
+          </a:xfrm>
+        </p:spPr>
+        <p:txBody>
+          <a:bodyPr/>
+          <a:lstStyle/>
+          <a:p>
+            <a:pPr marL="342900" indent="-342900">
+              <a:buFont typeface="Wingdings" panose="05000000000000000000" pitchFamily="2" charset="2"/>
+              <a:buChar char="ü"/>
+            </a:pPr>
+            <a:r>
+              <a:rPr lang="it-IT" sz="2400" dirty="0" smtClean="0">
+                <a:latin typeface="Tahoma" panose="020B0604030504040204" pitchFamily="34" charset="0"/>
+                <a:ea typeface="Tahoma" panose="020B0604030504040204" pitchFamily="34" charset="0"/>
+                <a:cs typeface="Tahoma" panose="020B0604030504040204" pitchFamily="34" charset="0"/>
+              </a:rPr>
+              <a:t>La </a:t>
+            </a:r>
+            <a:r>
+              <a:rPr lang="it-IT" sz="2400" dirty="0">
+                <a:latin typeface="Tahoma" panose="020B0604030504040204" pitchFamily="34" charset="0"/>
+                <a:ea typeface="Tahoma" panose="020B0604030504040204" pitchFamily="34" charset="0"/>
+                <a:cs typeface="Tahoma" panose="020B0604030504040204" pitchFamily="34" charset="0"/>
+              </a:rPr>
+              <a:t>linea 4 viene eseguita ogni iterazione del ciclo interno (salvo il confronto finale di uscita</a:t>
+            </a:r>
+            <a:r>
+              <a:rPr lang="it-IT" sz="2400" dirty="0" smtClean="0">
+                <a:latin typeface="Tahoma" panose="020B0604030504040204" pitchFamily="34" charset="0"/>
+                <a:ea typeface="Tahoma" panose="020B0604030504040204" pitchFamily="34" charset="0"/>
+                <a:cs typeface="Tahoma" panose="020B0604030504040204" pitchFamily="34" charset="0"/>
+              </a:rPr>
+              <a:t>).</a:t>
+            </a:r>
+          </a:p>
+          <a:p>
+            <a:pPr marL="342900" indent="-342900">
+              <a:buFont typeface="Wingdings" panose="05000000000000000000" pitchFamily="2" charset="2"/>
+              <a:buChar char="ü"/>
+            </a:pPr>
+            <a:r>
+              <a:rPr lang="it-IT" sz="2400" dirty="0" smtClean="0">
+                <a:latin typeface="Tahoma" panose="020B0604030504040204" pitchFamily="34" charset="0"/>
+                <a:ea typeface="Tahoma" panose="020B0604030504040204" pitchFamily="34" charset="0"/>
+                <a:cs typeface="Tahoma" panose="020B0604030504040204" pitchFamily="34" charset="0"/>
+              </a:rPr>
+              <a:t>Quindi </a:t>
+            </a:r>
+            <a:r>
+              <a:rPr lang="it-IT" sz="2400" dirty="0">
+                <a:latin typeface="Tahoma" panose="020B0604030504040204" pitchFamily="34" charset="0"/>
+                <a:ea typeface="Tahoma" panose="020B0604030504040204" pitchFamily="34" charset="0"/>
+                <a:cs typeface="Tahoma" panose="020B0604030504040204" pitchFamily="34" charset="0"/>
+              </a:rPr>
+              <a:t>la linea 4 viene eseguita </a:t>
+            </a:r>
+            <a:r>
+              <a:rPr lang="it-IT" sz="2400" b="1" dirty="0">
+                <a:latin typeface="Tahoma" panose="020B0604030504040204" pitchFamily="34" charset="0"/>
+                <a:ea typeface="Tahoma" panose="020B0604030504040204" pitchFamily="34" charset="0"/>
+                <a:cs typeface="Tahoma" panose="020B0604030504040204" pitchFamily="34" charset="0"/>
+              </a:rPr>
+              <a:t>0.5n</a:t>
+            </a:r>
+            <a:r>
+              <a:rPr lang="it-IT" sz="2400" b="1" baseline="30000" dirty="0">
+                <a:latin typeface="Tahoma" panose="020B0604030504040204" pitchFamily="34" charset="0"/>
+                <a:ea typeface="Tahoma" panose="020B0604030504040204" pitchFamily="34" charset="0"/>
+                <a:cs typeface="Tahoma" panose="020B0604030504040204" pitchFamily="34" charset="0"/>
+              </a:rPr>
+              <a:t>2</a:t>
+            </a:r>
+            <a:r>
+              <a:rPr lang="it-IT" sz="2400" b="1" dirty="0">
+                <a:latin typeface="Tahoma" panose="020B0604030504040204" pitchFamily="34" charset="0"/>
+                <a:ea typeface="Tahoma" panose="020B0604030504040204" pitchFamily="34" charset="0"/>
+                <a:cs typeface="Tahoma" panose="020B0604030504040204" pitchFamily="34" charset="0"/>
+              </a:rPr>
+              <a:t> + 0.5n - 1 volte</a:t>
+            </a:r>
+            <a:r>
+              <a:rPr lang="it-IT" sz="2400" dirty="0">
+                <a:latin typeface="Tahoma" panose="020B0604030504040204" pitchFamily="34" charset="0"/>
+                <a:ea typeface="Tahoma" panose="020B0604030504040204" pitchFamily="34" charset="0"/>
+                <a:cs typeface="Tahoma" panose="020B0604030504040204" pitchFamily="34" charset="0"/>
+              </a:rPr>
+              <a:t>.</a:t>
+            </a:r>
+          </a:p>
+          <a:p>
+            <a:pPr marL="342900" indent="-342900">
+              <a:buFont typeface="Wingdings" panose="05000000000000000000" pitchFamily="2" charset="2"/>
+              <a:buChar char="ü"/>
+            </a:pPr>
+            <a:endParaRPr lang="it-IT" sz="2400" dirty="0" smtClean="0">
+              <a:latin typeface="Tahoma" panose="020B0604030504040204" pitchFamily="34" charset="0"/>
+              <a:ea typeface="Tahoma" panose="020B0604030504040204" pitchFamily="34" charset="0"/>
+              <a:cs typeface="Tahoma" panose="020B0604030504040204" pitchFamily="34" charset="0"/>
+            </a:endParaRPr>
+          </a:p>
+          <a:p>
+            <a:pPr marL="342900" indent="-342900">
+              <a:buFont typeface="Wingdings" panose="05000000000000000000" pitchFamily="2" charset="2"/>
+              <a:buChar char="ü"/>
+            </a:pPr>
+            <a:endParaRPr lang="it-IT" sz="2400" dirty="0">
+              <a:latin typeface="Tahoma" panose="020B0604030504040204" pitchFamily="34" charset="0"/>
+              <a:ea typeface="Tahoma" panose="020B0604030504040204" pitchFamily="34" charset="0"/>
+              <a:cs typeface="Tahoma" panose="020B0604030504040204" pitchFamily="34" charset="0"/>
+            </a:endParaRPr>
+          </a:p>
+          <a:p>
+            <a:pPr marL="342900" indent="-342900">
+              <a:buFont typeface="Wingdings" panose="05000000000000000000" pitchFamily="2" charset="2"/>
+              <a:buChar char="ü"/>
+            </a:pPr>
+            <a:endParaRPr lang="it-IT" sz="2400" dirty="0">
+              <a:latin typeface="Tahoma" panose="020B0604030504040204" pitchFamily="34" charset="0"/>
+              <a:ea typeface="Tahoma" panose="020B0604030504040204" pitchFamily="34" charset="0"/>
+              <a:cs typeface="Tahoma" panose="020B0604030504040204" pitchFamily="34" charset="0"/>
+            </a:endParaRPr>
+          </a:p>
+          <a:p>
+            <a:pPr marL="342900" indent="-342900">
+              <a:buFont typeface="Wingdings" panose="05000000000000000000" pitchFamily="2" charset="2"/>
+              <a:buChar char="ü"/>
+            </a:pPr>
+            <a:endParaRPr lang="it-IT" sz="2400" dirty="0">
+              <a:latin typeface="Tahoma" panose="020B0604030504040204" pitchFamily="34" charset="0"/>
+              <a:ea typeface="Tahoma" panose="020B0604030504040204" pitchFamily="34" charset="0"/>
+              <a:cs typeface="Tahoma" panose="020B0604030504040204" pitchFamily="34" charset="0"/>
+            </a:endParaRPr>
+          </a:p>
+          <a:p>
+            <a:pPr marL="342900" indent="-342900">
+              <a:buFont typeface="Wingdings" panose="05000000000000000000" pitchFamily="2" charset="2"/>
+              <a:buChar char="ü"/>
+            </a:pPr>
+            <a:endParaRPr lang="it-IT" sz="2400" dirty="0">
+              <a:solidFill>
+                <a:srgbClr val="000000"/>
+              </a:solidFill>
+              <a:latin typeface="Tahoma" panose="020B0604030504040204" pitchFamily="34" charset="0"/>
+              <a:ea typeface="Tahoma" panose="020B0604030504040204" pitchFamily="34" charset="0"/>
+              <a:cs typeface="Tahoma" panose="020B0604030504040204" pitchFamily="34" charset="0"/>
+            </a:endParaRPr>
+          </a:p>
+          <a:p>
+            <a:pPr algn="l"/>
+            <a:endParaRPr lang="it-IT" sz="2400" b="0" i="0" dirty="0">
+              <a:solidFill>
+                <a:srgbClr val="000000"/>
+              </a:solidFill>
+              <a:effectLst/>
+              <a:latin typeface="Tahoma" panose="020B0604030504040204" pitchFamily="34" charset="0"/>
+              <a:ea typeface="Tahoma" panose="020B0604030504040204" pitchFamily="34" charset="0"/>
+              <a:cs typeface="Tahoma" panose="020B0604030504040204" pitchFamily="34" charset="0"/>
+            </a:endParaRPr>
+          </a:p>
+          <a:p>
+            <a:pPr marL="342900" indent="-342900">
+              <a:buFont typeface="Wingdings" panose="05000000000000000000" pitchFamily="2" charset="2"/>
+              <a:buChar char="ü"/>
+            </a:pPr>
+            <a:endParaRPr lang="it-IT" sz="2400" dirty="0">
+              <a:solidFill>
+                <a:srgbClr val="000000"/>
+              </a:solidFill>
+              <a:latin typeface="Tahoma" panose="020B0604030504040204" pitchFamily="34" charset="0"/>
+              <a:ea typeface="Tahoma" panose="020B0604030504040204" pitchFamily="34" charset="0"/>
+              <a:cs typeface="Tahoma" panose="020B0604030504040204" pitchFamily="34" charset="0"/>
+            </a:endParaRPr>
+          </a:p>
+          <a:p>
+            <a:pPr marL="342900" indent="-342900">
+              <a:buFont typeface="Wingdings" panose="05000000000000000000" pitchFamily="2" charset="2"/>
+              <a:buChar char="ü"/>
+            </a:pPr>
+            <a:endParaRPr lang="it-IT" sz="2400" dirty="0">
+              <a:solidFill>
+                <a:srgbClr val="000000"/>
+              </a:solidFill>
+              <a:latin typeface="Tahoma" panose="020B0604030504040204" pitchFamily="34" charset="0"/>
+              <a:ea typeface="Tahoma" panose="020B0604030504040204" pitchFamily="34" charset="0"/>
+              <a:cs typeface="Tahoma" panose="020B0604030504040204" pitchFamily="34" charset="0"/>
+            </a:endParaRPr>
+          </a:p>
+        </p:txBody>
+      </p:sp>
+      <p:sp>
+        <p:nvSpPr>
+          <p:cNvPr id="7" name="Segnaposto numero diapositiva 6">
+            <a:extLst>
+              <a:ext uri="{FF2B5EF4-FFF2-40B4-BE49-F238E27FC236}">
+                <a16:creationId xmlns:a16="http://schemas.microsoft.com/office/drawing/2014/main" id="{AB740BE9-E218-4144-BFDE-AE473D230A3D}"/>
+              </a:ext>
+            </a:extLst>
+          </p:cNvPr>
+          <p:cNvSpPr>
+            <a:spLocks noGrp="1"/>
+          </p:cNvSpPr>
+          <p:nvPr>
+            <p:ph type="sldNum" sz="quarter" idx="12"/>
+          </p:nvPr>
+        </p:nvSpPr>
+        <p:spPr/>
+        <p:txBody>
+          <a:bodyPr/>
+          <a:lstStyle/>
+          <a:p>
+            <a:pPr>
+              <a:defRPr/>
+            </a:pPr>
+            <a:fld id="{48B4153A-D4C5-4CEF-8992-0D8815C829E3}" type="slidenum">
+              <a:rPr lang="en-US" smtClean="0"/>
+              <a:pPr>
+                <a:defRPr/>
+              </a:pPr>
+              <a:t>28</a:t>
+            </a:fld>
+            <a:endParaRPr lang="en-US" dirty="0"/>
+          </a:p>
+        </p:txBody>
+      </p:sp>
+      <p:sp>
+        <p:nvSpPr>
+          <p:cNvPr id="4" name="Titolo 4">
+            <a:extLst>
+              <a:ext uri="{FF2B5EF4-FFF2-40B4-BE49-F238E27FC236}">
+                <a16:creationId xmlns:a16="http://schemas.microsoft.com/office/drawing/2014/main" id="{B0CAFD71-4F5B-319A-8F68-C27ACA49FC3B}"/>
+              </a:ext>
+            </a:extLst>
+          </p:cNvPr>
+          <p:cNvSpPr txBox="1">
+            <a:spLocks/>
+          </p:cNvSpPr>
+          <p:nvPr/>
+        </p:nvSpPr>
+        <p:spPr bwMode="auto">
+          <a:xfrm>
+            <a:off x="397304" y="410627"/>
+            <a:ext cx="11269662" cy="384721"/>
+          </a:xfrm>
+          <a:prstGeom prst="rect">
+            <a:avLst/>
+          </a:prstGeom>
+          <a:noFill/>
+          <a:ln>
+            <a:noFill/>
+          </a:ln>
+          <a:extLst>
+            <a:ext uri="{909E8E84-426E-40DD-AFC4-6F175D3DCCD1}">
+              <a14:hiddenFill xmlns:a14="http://schemas.microsoft.com/office/drawing/2010/main">
+                <a:solidFill>
+                  <a:srgbClr val="FFFFFF"/>
+                </a:solidFill>
+              </a14:hiddenFill>
+            </a:ext>
+            <a:ext uri="{91240B29-F687-4F45-9708-019B960494DF}">
+              <a14:hiddenLine xmlns:a14="http://schemas.microsoft.com/office/drawing/2010/main" w="9525">
+                <a:solidFill>
+                  <a:srgbClr val="000000"/>
+                </a:solidFill>
+                <a:miter lim="800000"/>
+                <a:headEnd/>
+                <a:tailEnd/>
+              </a14:hiddenLine>
+            </a:ext>
+          </a:extLst>
+        </p:spPr>
+        <p:txBody>
+          <a:bodyPr vert="horz" wrap="square" lIns="0" tIns="0" rIns="0" bIns="0" numCol="1" rtlCol="0" anchor="b" anchorCtr="0" compatLnSpc="1">
+            <a:prstTxWarp prst="textNoShape">
+              <a:avLst/>
+            </a:prstTxWarp>
+            <a:spAutoFit/>
+          </a:bodyPr>
+          <a:lstStyle>
+            <a:lvl1pPr algn="l" defTabSz="457200" rtl="0" fontAlgn="base">
+              <a:lnSpc>
+                <a:spcPts val="3000"/>
+              </a:lnSpc>
+              <a:spcBef>
+                <a:spcPct val="0"/>
+              </a:spcBef>
+              <a:spcAft>
+                <a:spcPct val="0"/>
+              </a:spcAft>
+              <a:defRPr sz="2800" b="1" kern="1200" cap="none" baseline="0">
+                <a:solidFill>
+                  <a:srgbClr val="595959"/>
+                </a:solidFill>
+                <a:latin typeface="Arial" panose="020B0604020202020204" pitchFamily="34" charset="0"/>
+                <a:ea typeface="+mj-ea"/>
+                <a:cs typeface="Arial" panose="020B0604020202020204" pitchFamily="34" charset="0"/>
+              </a:defRPr>
+            </a:lvl1pPr>
+            <a:lvl2pPr algn="l" defTabSz="457200" rtl="0" fontAlgn="base">
+              <a:spcBef>
+                <a:spcPct val="0"/>
+              </a:spcBef>
+              <a:spcAft>
+                <a:spcPct val="0"/>
+              </a:spcAft>
+              <a:defRPr sz="2400" b="1">
+                <a:solidFill>
+                  <a:srgbClr val="595959"/>
+                </a:solidFill>
+                <a:latin typeface="Arial" panose="020B0604020202020204" pitchFamily="34" charset="0"/>
+                <a:cs typeface="Arial" panose="020B0604020202020204" pitchFamily="34" charset="0"/>
+              </a:defRPr>
+            </a:lvl2pPr>
+            <a:lvl3pPr algn="l" defTabSz="457200" rtl="0" fontAlgn="base">
+              <a:spcBef>
+                <a:spcPct val="0"/>
+              </a:spcBef>
+              <a:spcAft>
+                <a:spcPct val="0"/>
+              </a:spcAft>
+              <a:defRPr sz="2400" b="1">
+                <a:solidFill>
+                  <a:srgbClr val="595959"/>
+                </a:solidFill>
+                <a:latin typeface="Arial" panose="020B0604020202020204" pitchFamily="34" charset="0"/>
+                <a:cs typeface="Arial" panose="020B0604020202020204" pitchFamily="34" charset="0"/>
+              </a:defRPr>
+            </a:lvl3pPr>
+            <a:lvl4pPr algn="l" defTabSz="457200" rtl="0" fontAlgn="base">
+              <a:spcBef>
+                <a:spcPct val="0"/>
+              </a:spcBef>
+              <a:spcAft>
+                <a:spcPct val="0"/>
+              </a:spcAft>
+              <a:defRPr sz="2400" b="1">
+                <a:solidFill>
+                  <a:srgbClr val="595959"/>
+                </a:solidFill>
+                <a:latin typeface="Arial" panose="020B0604020202020204" pitchFamily="34" charset="0"/>
+                <a:cs typeface="Arial" panose="020B0604020202020204" pitchFamily="34" charset="0"/>
+              </a:defRPr>
+            </a:lvl4pPr>
+            <a:lvl5pPr algn="l" defTabSz="457200" rtl="0" fontAlgn="base">
+              <a:spcBef>
+                <a:spcPct val="0"/>
+              </a:spcBef>
+              <a:spcAft>
+                <a:spcPct val="0"/>
+              </a:spcAft>
+              <a:defRPr sz="2400" b="1">
+                <a:solidFill>
+                  <a:srgbClr val="595959"/>
+                </a:solidFill>
+                <a:latin typeface="Arial" panose="020B0604020202020204" pitchFamily="34" charset="0"/>
+                <a:cs typeface="Arial" panose="020B0604020202020204" pitchFamily="34" charset="0"/>
+              </a:defRPr>
+            </a:lvl5pPr>
+            <a:lvl6pPr eaLnBrk="1" hangingPunct="1">
+              <a:defRPr>
+                <a:solidFill>
+                  <a:schemeClr val="tx2"/>
+                </a:solidFill>
+              </a:defRPr>
+            </a:lvl6pPr>
+            <a:lvl7pPr eaLnBrk="1" hangingPunct="1">
+              <a:defRPr>
+                <a:solidFill>
+                  <a:schemeClr val="tx2"/>
+                </a:solidFill>
+              </a:defRPr>
+            </a:lvl7pPr>
+            <a:lvl8pPr eaLnBrk="1" hangingPunct="1">
+              <a:defRPr>
+                <a:solidFill>
+                  <a:schemeClr val="tx2"/>
+                </a:solidFill>
+              </a:defRPr>
+            </a:lvl8pPr>
+            <a:lvl9pPr eaLnBrk="1" hangingPunct="1">
+              <a:defRPr>
+                <a:solidFill>
+                  <a:schemeClr val="tx2"/>
+                </a:solidFill>
+              </a:defRPr>
+            </a:lvl9pPr>
+          </a:lstStyle>
+          <a:p>
+            <a:pPr eaLnBrk="1" hangingPunct="1"/>
+            <a:r>
+              <a:rPr lang="it-IT">
+                <a:solidFill>
+                  <a:schemeClr val="tx1"/>
+                </a:solidFill>
+                <a:latin typeface="Tahoma" panose="020B0604030504040204" pitchFamily="34" charset="0"/>
+                <a:ea typeface="Tahoma" panose="020B0604030504040204" pitchFamily="34" charset="0"/>
+                <a:cs typeface="Tahoma" panose="020B0604030504040204" pitchFamily="34" charset="0"/>
+              </a:rPr>
+              <a:t>Calcolare la Complessità Temporale di un Algoritmo</a:t>
+            </a:r>
+            <a:endParaRPr lang="it-IT" dirty="0"/>
+          </a:p>
+        </p:txBody>
+      </p:sp>
+      <p:pic>
+        <p:nvPicPr>
+          <p:cNvPr id="5" name="Immagine 4"/>
+          <p:cNvPicPr>
+            <a:picLocks noChangeAspect="1"/>
+          </p:cNvPicPr>
+          <p:nvPr/>
+        </p:nvPicPr>
+        <p:blipFill>
+          <a:blip r:embed="rId2"/>
+          <a:stretch>
+            <a:fillRect/>
+          </a:stretch>
+        </p:blipFill>
+        <p:spPr>
+          <a:xfrm>
+            <a:off x="1233556" y="2709161"/>
+            <a:ext cx="10010607" cy="3317802"/>
+          </a:xfrm>
+          <a:prstGeom prst="rect">
+            <a:avLst/>
+          </a:prstGeom>
+        </p:spPr>
+      </p:pic>
+    </p:spTree>
+    <p:extLst>
+      <p:ext uri="{BB962C8B-B14F-4D97-AF65-F5344CB8AC3E}">
+        <p14:creationId xmlns:p14="http://schemas.microsoft.com/office/powerpoint/2010/main" val="1453876190"/>
+      </p:ext>
+    </p:extLst>
+  </p:cSld>
+  <p:clrMapOvr>
+    <a:masterClrMapping/>
+  </p:clrMapOvr>
+</p:sld>
+</file>
+
+<file path=ppt/slides/slide29.xml><?xml version="1.0" encoding="utf-8"?>
+<p:sld xmlns:a="http://schemas.openxmlformats.org/drawingml/2006/main" xmlns:r="http://schemas.openxmlformats.org/officeDocument/2006/relationships" xmlns:p="http://schemas.openxmlformats.org/presentationml/2006/main">
+  <p:cSld>
+    <p:spTree>
+      <p:nvGrpSpPr>
+        <p:cNvPr id="1" name=""/>
+        <p:cNvGrpSpPr/>
+        <p:nvPr/>
+      </p:nvGrpSpPr>
+      <p:grpSpPr>
+        <a:xfrm>
+          <a:off x="0" y="0"/>
+          <a:ext cx="0" cy="0"/>
+          <a:chOff x="0" y="0"/>
+          <a:chExt cx="0" cy="0"/>
+        </a:xfrm>
+      </p:grpSpPr>
+      <p:sp>
+        <p:nvSpPr>
+          <p:cNvPr id="7" name="Segnaposto numero diapositiva 6">
+            <a:extLst>
+              <a:ext uri="{FF2B5EF4-FFF2-40B4-BE49-F238E27FC236}">
+                <a16:creationId xmlns:a16="http://schemas.microsoft.com/office/drawing/2014/main" id="{AB740BE9-E218-4144-BFDE-AE473D230A3D}"/>
+              </a:ext>
+            </a:extLst>
+          </p:cNvPr>
+          <p:cNvSpPr>
+            <a:spLocks noGrp="1"/>
+          </p:cNvSpPr>
+          <p:nvPr>
+            <p:ph type="sldNum" sz="quarter" idx="12"/>
+          </p:nvPr>
+        </p:nvSpPr>
+        <p:spPr/>
+        <p:txBody>
+          <a:bodyPr/>
+          <a:lstStyle/>
+          <a:p>
+            <a:pPr>
+              <a:defRPr/>
+            </a:pPr>
+            <a:fld id="{48B4153A-D4C5-4CEF-8992-0D8815C829E3}" type="slidenum">
+              <a:rPr lang="en-US" smtClean="0"/>
+              <a:pPr>
+                <a:defRPr/>
+              </a:pPr>
+              <a:t>29</a:t>
+            </a:fld>
+            <a:endParaRPr lang="en-US" dirty="0"/>
+          </a:p>
+        </p:txBody>
+      </p:sp>
+      <p:sp>
+        <p:nvSpPr>
+          <p:cNvPr id="5" name="Titolo 4">
+            <a:extLst>
+              <a:ext uri="{FF2B5EF4-FFF2-40B4-BE49-F238E27FC236}">
+                <a16:creationId xmlns:a16="http://schemas.microsoft.com/office/drawing/2014/main" id="{82C46BA2-B380-4357-B125-BA9F08A643F5}"/>
+              </a:ext>
+            </a:extLst>
+          </p:cNvPr>
+          <p:cNvSpPr>
+            <a:spLocks noGrp="1"/>
+          </p:cNvSpPr>
+          <p:nvPr>
+            <p:ph type="title"/>
+          </p:nvPr>
+        </p:nvSpPr>
+        <p:spPr>
+          <a:xfrm>
+            <a:off x="468895" y="503475"/>
+            <a:ext cx="11269308" cy="384721"/>
+          </a:xfrm>
+        </p:spPr>
+        <p:txBody>
+          <a:bodyPr/>
+          <a:lstStyle/>
+          <a:p>
+            <a:r>
+              <a:rPr lang="it-IT" altLang="it-IT"/>
+              <a:t>Bibliografia</a:t>
+            </a:r>
+            <a:endParaRPr lang="it-IT" dirty="0"/>
+          </a:p>
+        </p:txBody>
+      </p:sp>
+      <p:sp>
+        <p:nvSpPr>
+          <p:cNvPr id="3" name="Segnaposto testo 2">
+            <a:extLst>
+              <a:ext uri="{FF2B5EF4-FFF2-40B4-BE49-F238E27FC236}">
+                <a16:creationId xmlns:a16="http://schemas.microsoft.com/office/drawing/2014/main" id="{15CD42DB-61E6-AA3D-7125-BF4BEDB5D886}"/>
+              </a:ext>
+            </a:extLst>
+          </p:cNvPr>
+          <p:cNvSpPr>
+            <a:spLocks noGrp="1"/>
+          </p:cNvSpPr>
+          <p:nvPr>
+            <p:ph type="body" idx="1"/>
+          </p:nvPr>
+        </p:nvSpPr>
+        <p:spPr>
+          <a:xfrm>
+            <a:off x="477519" y="1557338"/>
+            <a:ext cx="11043921" cy="4392612"/>
+          </a:xfrm>
+        </p:spPr>
+        <p:txBody>
+          <a:bodyPr/>
+          <a:lstStyle/>
+          <a:p>
+            <a:endParaRPr lang="it-IT" dirty="0"/>
+          </a:p>
+          <a:p>
+            <a:endParaRPr lang="it-IT" dirty="0"/>
+          </a:p>
+        </p:txBody>
+      </p:sp>
+      <p:sp>
+        <p:nvSpPr>
+          <p:cNvPr id="2" name="Rettangolo 1"/>
+          <p:cNvSpPr/>
+          <p:nvPr/>
+        </p:nvSpPr>
+        <p:spPr>
+          <a:xfrm>
+            <a:off x="574294" y="1335471"/>
+            <a:ext cx="6096000" cy="646331"/>
+          </a:xfrm>
+          <a:prstGeom prst="rect">
+            <a:avLst/>
+          </a:prstGeom>
+        </p:spPr>
+        <p:txBody>
+          <a:bodyPr>
+            <a:spAutoFit/>
+          </a:bodyPr>
+          <a:lstStyle/>
+          <a:p>
+            <a:r>
+              <a:rPr lang="it-IT"/>
+              <a:t>https://it.wikipedia.org/wiki/Teoria_della_complessit%C3%A0_computazionale</a:t>
+            </a:r>
+          </a:p>
+        </p:txBody>
+      </p:sp>
+      <p:sp>
+        <p:nvSpPr>
+          <p:cNvPr id="4" name="Rettangolo 3"/>
+          <p:cNvSpPr/>
+          <p:nvPr/>
+        </p:nvSpPr>
+        <p:spPr>
+          <a:xfrm>
+            <a:off x="477519" y="2203669"/>
+            <a:ext cx="6096000" cy="646331"/>
+          </a:xfrm>
+          <a:prstGeom prst="rect">
+            <a:avLst/>
+          </a:prstGeom>
+        </p:spPr>
+        <p:txBody>
+          <a:bodyPr>
+            <a:spAutoFit/>
+          </a:bodyPr>
+          <a:lstStyle/>
+          <a:p>
+            <a:r>
+              <a:rPr lang="it-IT" dirty="0"/>
+              <a:t>https://www.andreaminini.com/informatica/algoritmo/complessita-algoritmo</a:t>
+            </a:r>
+          </a:p>
+        </p:txBody>
+      </p:sp>
+    </p:spTree>
+    <p:extLst>
+      <p:ext uri="{BB962C8B-B14F-4D97-AF65-F5344CB8AC3E}">
+        <p14:creationId xmlns:p14="http://schemas.microsoft.com/office/powerpoint/2010/main" val="3490964097"/>
       </p:ext>
     </p:extLst>
   </p:cSld>
@@ -13911,21 +18222,50 @@
 </a:theme>
 </file>
 
-<file path=customXml/item1.xml><?xml version="1.0" encoding="utf-8"?>
-<p:properties xmlns:p="http://schemas.microsoft.com/office/2006/metadata/properties" xmlns:xsi="http://www.w3.org/2001/XMLSchema-instance" xmlns:pc="http://schemas.microsoft.com/office/infopath/2007/PartnerControls">
-  <documentManagement>
-    <SottoCategoria xmlns="679261c3-551f-4e86-913f-177e0e529669">-</SottoCategoria>
-    <Categoria xmlns="c58f2efd-82a8-4ecf-b395-8c25e928921d">Power Point</Categoria>
-    <_dlc_DocId xmlns="459159c4-d20a-4ff3-9b11-fbd127bd52e5">INTRANET-14-158</_dlc_DocId>
-    <_dlc_DocIdUrl xmlns="459159c4-d20a-4ff3-9b11-fbd127bd52e5">
-      <Url>https://intranet.istat.it/Collaborativi/_layouts/15/DocIdRedir.aspx?ID=INTRANET-14-158</Url>
-      <Description>INTRANET-14-158</Description>
-    </_dlc_DocIdUrl>
-  </documentManagement>
-</p:properties>
+<file path=ppt/theme/themeOverride1.xml><?xml version="1.0" encoding="utf-8"?>
+<a:themeOverride xmlns:a="http://schemas.openxmlformats.org/drawingml/2006/main">
+  <a:clrScheme name="Gradazioni di grigio">
+    <a:dk1>
+      <a:sysClr val="windowText" lastClr="000000"/>
+    </a:dk1>
+    <a:lt1>
+      <a:sysClr val="window" lastClr="FFFFFF"/>
+    </a:lt1>
+    <a:dk2>
+      <a:srgbClr val="000000"/>
+    </a:dk2>
+    <a:lt2>
+      <a:srgbClr val="F8F8F8"/>
+    </a:lt2>
+    <a:accent1>
+      <a:srgbClr val="DDDDDD"/>
+    </a:accent1>
+    <a:accent2>
+      <a:srgbClr val="B2B2B2"/>
+    </a:accent2>
+    <a:accent3>
+      <a:srgbClr val="969696"/>
+    </a:accent3>
+    <a:accent4>
+      <a:srgbClr val="808080"/>
+    </a:accent4>
+    <a:accent5>
+      <a:srgbClr val="5F5F5F"/>
+    </a:accent5>
+    <a:accent6>
+      <a:srgbClr val="4D4D4D"/>
+    </a:accent6>
+    <a:hlink>
+      <a:srgbClr val="5F5F5F"/>
+    </a:hlink>
+    <a:folHlink>
+      <a:srgbClr val="919191"/>
+    </a:folHlink>
+  </a:clrScheme>
+</a:themeOverride>
 </file>
 
-<file path=customXml/item2.xml><?xml version="1.0" encoding="utf-8"?>
+<file path=customXml/item1.xml><?xml version="1.0" encoding="utf-8"?>
 <ct:contentTypeSchema xmlns:ct="http://schemas.microsoft.com/office/2006/metadata/contentType" xmlns:ma="http://schemas.microsoft.com/office/2006/metadata/properties/metaAttributes" ct:_="" ma:_="" ma:contentTypeName="Documento" ma:contentTypeID="0x010100661A2BE3120D674DA36C11D6006822D4" ma:contentTypeVersion="3" ma:contentTypeDescription="Creare un nuovo documento." ma:contentTypeScope="" ma:versionID="2ad8b07f9840a1ce9cd199d874146b74">
   <xsd:schema xmlns:xsd="http://www.w3.org/2001/XMLSchema" xmlns:xs="http://www.w3.org/2001/XMLSchema" xmlns:p="http://schemas.microsoft.com/office/2006/metadata/properties" xmlns:ns2="c58f2efd-82a8-4ecf-b395-8c25e928921d" xmlns:ns3="459159c4-d20a-4ff3-9b11-fbd127bd52e5" xmlns:ns4="679261c3-551f-4e86-913f-177e0e529669" targetNamespace="http://schemas.microsoft.com/office/2006/metadata/properties" ma:root="true" ma:fieldsID="fffb0e16fb90ffea59fef1085e90ecca" ns2:_="" ns3:_="" ns4:_="">
     <xsd:import namespace="c58f2efd-82a8-4ecf-b395-8c25e928921d"/>
@@ -14112,7 +18452,30 @@
 </ct:contentTypeSchema>
 </file>
 
+<file path=customXml/item2.xml><?xml version="1.0" encoding="utf-8"?>
+<p:properties xmlns:p="http://schemas.microsoft.com/office/2006/metadata/properties" xmlns:xsi="http://www.w3.org/2001/XMLSchema-instance" xmlns:pc="http://schemas.microsoft.com/office/infopath/2007/PartnerControls">
+  <documentManagement>
+    <SottoCategoria xmlns="679261c3-551f-4e86-913f-177e0e529669">-</SottoCategoria>
+    <Categoria xmlns="c58f2efd-82a8-4ecf-b395-8c25e928921d">Power Point</Categoria>
+    <_dlc_DocId xmlns="459159c4-d20a-4ff3-9b11-fbd127bd52e5">INTRANET-14-158</_dlc_DocId>
+    <_dlc_DocIdUrl xmlns="459159c4-d20a-4ff3-9b11-fbd127bd52e5">
+      <Url>https://intranet.istat.it/Collaborativi/_layouts/15/DocIdRedir.aspx?ID=INTRANET-14-158</Url>
+      <Description>INTRANET-14-158</Description>
+    </_dlc_DocIdUrl>
+  </documentManagement>
+</p:properties>
+</file>
+
 <file path=customXml/item3.xml><?xml version="1.0" encoding="utf-8"?>
+<?mso-contentType ?>
+<FormTemplates xmlns="http://schemas.microsoft.com/sharepoint/v3/contenttype/forms">
+  <Display>DocumentLibraryForm</Display>
+  <Edit>DocumentLibraryForm</Edit>
+  <New>DocumentLibraryForm</New>
+</FormTemplates>
+</file>
+
+<file path=customXml/item4.xml><?xml version="1.0" encoding="utf-8"?>
 <?mso-contentType ?>
 <spe:Receivers xmlns:spe="http://schemas.microsoft.com/sharepoint/events">
   <Receiver>
@@ -14162,34 +18525,7 @@
 </spe:Receivers>
 </file>
 
-<file path=customXml/item4.xml><?xml version="1.0" encoding="utf-8"?>
-<?mso-contentType ?>
-<FormTemplates xmlns="http://schemas.microsoft.com/sharepoint/v3/contenttype/forms">
-  <Display>DocumentLibraryForm</Display>
-  <Edit>DocumentLibraryForm</Edit>
-  <New>DocumentLibraryForm</New>
-</FormTemplates>
-</file>
-
 <file path=customXml/itemProps1.xml><?xml version="1.0" encoding="utf-8"?>
-<ds:datastoreItem xmlns:ds="http://schemas.openxmlformats.org/officeDocument/2006/customXml" ds:itemID="{3EF378BC-F4D0-4510-B4EC-07B6EFE18CF8}">
-  <ds:schemaRefs>
-    <ds:schemaRef ds:uri="http://schemas.microsoft.com/office/infopath/2007/PartnerControls"/>
-    <ds:schemaRef ds:uri="http://purl.org/dc/elements/1.1/"/>
-    <ds:schemaRef ds:uri="http://schemas.microsoft.com/office/2006/metadata/properties"/>
-    <ds:schemaRef ds:uri="http://schemas.openxmlformats.org/package/2006/metadata/core-properties"/>
-    <ds:schemaRef ds:uri="http://purl.org/dc/terms/"/>
-    <ds:schemaRef ds:uri="679261c3-551f-4e86-913f-177e0e529669"/>
-    <ds:schemaRef ds:uri="459159c4-d20a-4ff3-9b11-fbd127bd52e5"/>
-    <ds:schemaRef ds:uri="http://schemas.microsoft.com/office/2006/documentManagement/types"/>
-    <ds:schemaRef ds:uri="c58f2efd-82a8-4ecf-b395-8c25e928921d"/>
-    <ds:schemaRef ds:uri="http://www.w3.org/XML/1998/namespace"/>
-    <ds:schemaRef ds:uri="http://purl.org/dc/dcmitype/"/>
-  </ds:schemaRefs>
-</ds:datastoreItem>
-</file>
-
-<file path=customXml/itemProps2.xml><?xml version="1.0" encoding="utf-8"?>
 <ds:datastoreItem xmlns:ds="http://schemas.openxmlformats.org/officeDocument/2006/customXml" ds:itemID="{3F66F418-6054-4EA5-BF8E-6AF3CEAE6265}">
   <ds:schemaRefs>
     <ds:schemaRef ds:uri="http://schemas.microsoft.com/office/2006/metadata/contentType"/>
@@ -14209,18 +18545,36 @@
 </ds:datastoreItem>
 </file>
 
+<file path=customXml/itemProps2.xml><?xml version="1.0" encoding="utf-8"?>
+<ds:datastoreItem xmlns:ds="http://schemas.openxmlformats.org/officeDocument/2006/customXml" ds:itemID="{3EF378BC-F4D0-4510-B4EC-07B6EFE18CF8}">
+  <ds:schemaRefs>
+    <ds:schemaRef ds:uri="http://schemas.microsoft.com/office/infopath/2007/PartnerControls"/>
+    <ds:schemaRef ds:uri="http://purl.org/dc/elements/1.1/"/>
+    <ds:schemaRef ds:uri="http://schemas.microsoft.com/office/2006/metadata/properties"/>
+    <ds:schemaRef ds:uri="http://schemas.openxmlformats.org/package/2006/metadata/core-properties"/>
+    <ds:schemaRef ds:uri="http://purl.org/dc/terms/"/>
+    <ds:schemaRef ds:uri="679261c3-551f-4e86-913f-177e0e529669"/>
+    <ds:schemaRef ds:uri="459159c4-d20a-4ff3-9b11-fbd127bd52e5"/>
+    <ds:schemaRef ds:uri="http://schemas.microsoft.com/office/2006/documentManagement/types"/>
+    <ds:schemaRef ds:uri="c58f2efd-82a8-4ecf-b395-8c25e928921d"/>
+    <ds:schemaRef ds:uri="http://www.w3.org/XML/1998/namespace"/>
+    <ds:schemaRef ds:uri="http://purl.org/dc/dcmitype/"/>
+  </ds:schemaRefs>
+</ds:datastoreItem>
+</file>
+
 <file path=customXml/itemProps3.xml><?xml version="1.0" encoding="utf-8"?>
+<ds:datastoreItem xmlns:ds="http://schemas.openxmlformats.org/officeDocument/2006/customXml" ds:itemID="{BD9C238D-4D5C-4783-820B-4854DCE45D41}">
+  <ds:schemaRefs>
+    <ds:schemaRef ds:uri="http://schemas.microsoft.com/sharepoint/v3/contenttype/forms"/>
+  </ds:schemaRefs>
+</ds:datastoreItem>
+</file>
+
+<file path=customXml/itemProps4.xml><?xml version="1.0" encoding="utf-8"?>
 <ds:datastoreItem xmlns:ds="http://schemas.openxmlformats.org/officeDocument/2006/customXml" ds:itemID="{D9296C4F-9DE9-4B43-AA80-1FC85656CFFA}">
   <ds:schemaRefs>
     <ds:schemaRef ds:uri="http://schemas.microsoft.com/sharepoint/events"/>
   </ds:schemaRefs>
 </ds:datastoreItem>
-</file>
-
-<file path=customXml/itemProps4.xml><?xml version="1.0" encoding="utf-8"?>
-<ds:datastoreItem xmlns:ds="http://schemas.openxmlformats.org/officeDocument/2006/customXml" ds:itemID="{BD9C238D-4D5C-4783-820B-4854DCE45D41}">
-  <ds:schemaRefs>
-    <ds:schemaRef ds:uri="http://schemas.microsoft.com/sharepoint/v3/contenttype/forms"/>
-  </ds:schemaRefs>
-</ds:datastoreItem>
 </file>